--- a/Network.pptx
+++ b/Network.pptx
@@ -8,9 +8,10 @@
     <p:sldId id="256" r:id="rId2"/>
     <p:sldId id="257" r:id="rId3"/>
     <p:sldId id="258" r:id="rId4"/>
-    <p:sldId id="260" r:id="rId5"/>
-    <p:sldId id="259" r:id="rId6"/>
-    <p:sldId id="261" r:id="rId7"/>
+    <p:sldId id="262" r:id="rId5"/>
+    <p:sldId id="260" r:id="rId6"/>
+    <p:sldId id="259" r:id="rId7"/>
+    <p:sldId id="261" r:id="rId8"/>
   </p:sldIdLst>
   <p:sldSz cx="12192000" cy="6858000"/>
   <p:notesSz cx="6858000" cy="9144000"/>
@@ -109,7 +110,24 @@
       </a:defRPr>
     </a:lvl9pPr>
   </p:defaultTextStyle>
+  <p:extLst>
+    <p:ext uri="{EFAFB233-063F-42B5-8137-9DF3F51BA10A}">
+      <p15:sldGuideLst xmlns:p15="http://schemas.microsoft.com/office/powerpoint/2012/main"/>
+    </p:ext>
+  </p:extLst>
 </p:presentation>
+</file>
+
+<file path=ppt/commentAuthors.xml><?xml version="1.0" encoding="utf-8"?>
+<p:cmAuthorLst xmlns:a="http://schemas.openxmlformats.org/drawingml/2006/main" xmlns:r="http://schemas.openxmlformats.org/officeDocument/2006/relationships" xmlns:p="http://schemas.openxmlformats.org/presentationml/2006/main">
+  <p:cmAuthor id="1" name="Duong Nguyen" initials="DN" lastIdx="1" clrIdx="0">
+    <p:extLst>
+      <p:ext uri="{19B8F6BF-5375-455C-9EA6-DF929625EA0E}">
+        <p15:presenceInfo xmlns:p15="http://schemas.microsoft.com/office/powerpoint/2012/main" userId="bc92c1fa2b678c14" providerId="Windows Live"/>
+      </p:ext>
+    </p:extLst>
+  </p:cmAuthor>
+</p:cmAuthorLst>
 </file>
 
 <file path=ppt/slideLayouts/slideLayout1.xml><?xml version="1.0" encoding="utf-8"?>
@@ -834,7 +852,7 @@
           <a:p>
             <a:fld id="{D4A213A3-10E9-421F-81BE-56E0786AB515}" type="datetime2">
               <a:rPr lang="en-US" smtClean="0"/>
-              <a:t>Thursday, November 5, 2020</a:t>
+              <a:t>Sunday, November 8, 2020</a:t>
             </a:fld>
             <a:endParaRPr lang="en-US"/>
           </a:p>
@@ -1085,7 +1103,7 @@
           <a:p>
             <a:fld id="{10076A27-8146-4F75-9851-A83577C6FD8A}" type="datetime2">
               <a:rPr lang="en-US" smtClean="0"/>
-              <a:t>Thursday, November 5, 2020</a:t>
+              <a:t>Sunday, November 8, 2020</a:t>
             </a:fld>
             <a:endParaRPr lang="en-US"/>
           </a:p>
@@ -1400,7 +1418,7 @@
           <a:p>
             <a:fld id="{10076A27-8146-4F75-9851-A83577C6FD8A}" type="datetime2">
               <a:rPr lang="en-US" smtClean="0"/>
-              <a:t>Thursday, November 5, 2020</a:t>
+              <a:t>Sunday, November 8, 2020</a:t>
             </a:fld>
             <a:endParaRPr lang="en-US"/>
           </a:p>
@@ -1742,7 +1760,7 @@
           <a:p>
             <a:fld id="{10076A27-8146-4F75-9851-A83577C6FD8A}" type="datetime2">
               <a:rPr lang="en-US" smtClean="0"/>
-              <a:t>Thursday, November 5, 2020</a:t>
+              <a:t>Sunday, November 8, 2020</a:t>
             </a:fld>
             <a:endParaRPr lang="en-US"/>
           </a:p>
@@ -2057,7 +2075,7 @@
           <a:p>
             <a:fld id="{10076A27-8146-4F75-9851-A83577C6FD8A}" type="datetime2">
               <a:rPr lang="en-US" smtClean="0"/>
-              <a:t>Thursday, November 5, 2020</a:t>
+              <a:t>Sunday, November 8, 2020</a:t>
             </a:fld>
             <a:endParaRPr lang="en-US"/>
           </a:p>
@@ -2451,7 +2469,7 @@
           <a:p>
             <a:fld id="{10076A27-8146-4F75-9851-A83577C6FD8A}" type="datetime2">
               <a:rPr lang="en-US" smtClean="0"/>
-              <a:t>Thursday, November 5, 2020</a:t>
+              <a:t>Sunday, November 8, 2020</a:t>
             </a:fld>
             <a:endParaRPr lang="en-US"/>
           </a:p>
@@ -2622,7 +2640,7 @@
           <a:p>
             <a:fld id="{3D5DABC0-2199-478F-BA77-33A651B6CB89}" type="datetime2">
               <a:rPr lang="en-US" smtClean="0"/>
-              <a:t>Thursday, November 5, 2020</a:t>
+              <a:t>Sunday, November 8, 2020</a:t>
             </a:fld>
             <a:endParaRPr lang="en-US"/>
           </a:p>
@@ -2802,7 +2820,7 @@
           <a:p>
             <a:fld id="{D72230C6-DF61-47F4-B8C5-1B70E884BF06}" type="datetime2">
               <a:rPr lang="en-US" smtClean="0"/>
-              <a:t>Thursday, November 5, 2020</a:t>
+              <a:t>Sunday, November 8, 2020</a:t>
             </a:fld>
             <a:endParaRPr lang="en-US"/>
           </a:p>
@@ -2978,7 +2996,7 @@
           <a:p>
             <a:fld id="{6B12B50C-7EEE-46CD-BAF7-BBC4026D959A}" type="datetime2">
               <a:rPr lang="en-US" smtClean="0"/>
-              <a:t>Thursday, November 5, 2020</a:t>
+              <a:t>Sunday, November 8, 2020</a:t>
             </a:fld>
             <a:endParaRPr lang="en-US"/>
           </a:p>
@@ -3225,7 +3243,7 @@
           <a:p>
             <a:fld id="{8D4211C4-AE09-4254-A5E3-6DA9B099C971}" type="datetime2">
               <a:rPr lang="en-US" smtClean="0"/>
-              <a:t>Thursday, November 5, 2020</a:t>
+              <a:t>Sunday, November 8, 2020</a:t>
             </a:fld>
             <a:endParaRPr lang="en-US"/>
           </a:p>
@@ -3457,7 +3475,7 @@
           <a:p>
             <a:fld id="{681742C3-E082-4760-93B2-E209268DD00C}" type="datetime2">
               <a:rPr lang="en-US" smtClean="0"/>
-              <a:t>Thursday, November 5, 2020</a:t>
+              <a:t>Sunday, November 8, 2020</a:t>
             </a:fld>
             <a:endParaRPr lang="en-US"/>
           </a:p>
@@ -3831,7 +3849,7 @@
           <a:p>
             <a:fld id="{3B6FC950-F824-48B9-B984-CAEE265865E5}" type="datetime2">
               <a:rPr lang="en-US" smtClean="0"/>
-              <a:t>Thursday, November 5, 2020</a:t>
+              <a:t>Sunday, November 8, 2020</a:t>
             </a:fld>
             <a:endParaRPr lang="en-US"/>
           </a:p>
@@ -3954,7 +3972,7 @@
           <a:p>
             <a:fld id="{BC8E3A0F-68E7-4D17-BB84-ED1BA4F6AC6B}" type="datetime2">
               <a:rPr lang="en-US" smtClean="0"/>
-              <a:t>Thursday, November 5, 2020</a:t>
+              <a:t>Sunday, November 8, 2020</a:t>
             </a:fld>
             <a:endParaRPr lang="en-US"/>
           </a:p>
@@ -4049,7 +4067,7 @@
           <a:p>
             <a:fld id="{EDB7BC4F-EDA1-4BA2-BFF3-FE5B31CCB58B}" type="datetime2">
               <a:rPr lang="en-US" smtClean="0"/>
-              <a:t>Thursday, November 5, 2020</a:t>
+              <a:t>Sunday, November 8, 2020</a:t>
             </a:fld>
             <a:endParaRPr lang="en-US"/>
           </a:p>
@@ -4304,7 +4322,7 @@
           <a:p>
             <a:fld id="{3AAE694C-1394-4838-A564-7380835C2E77}" type="datetime2">
               <a:rPr lang="en-US" smtClean="0"/>
-              <a:t>Thursday, November 5, 2020</a:t>
+              <a:t>Sunday, November 8, 2020</a:t>
             </a:fld>
             <a:endParaRPr lang="en-US"/>
           </a:p>
@@ -4567,7 +4585,7 @@
           <a:p>
             <a:fld id="{CAB84B19-1A00-4EDB-8425-E1827A377364}" type="datetime2">
               <a:rPr lang="en-US" smtClean="0"/>
-              <a:t>Thursday, November 5, 2020</a:t>
+              <a:t>Sunday, November 8, 2020</a:t>
             </a:fld>
             <a:endParaRPr lang="en-US"/>
           </a:p>
@@ -5310,7 +5328,7 @@
           <a:p>
             <a:fld id="{10076A27-8146-4F75-9851-A83577C6FD8A}" type="datetime2">
               <a:rPr lang="en-US" smtClean="0"/>
-              <a:t>Thursday, November 5, 2020</a:t>
+              <a:t>Sunday, November 8, 2020</a:t>
             </a:fld>
             <a:endParaRPr lang="en-US"/>
           </a:p>
@@ -6327,7 +6345,7 @@
         <p:spPr>
           <a:xfrm>
             <a:off x="1179443" y="1205948"/>
-            <a:ext cx="9753600" cy="1200329"/>
+            <a:ext cx="9753600" cy="2308324"/>
           </a:xfrm>
           <a:prstGeom prst="rect">
             <a:avLst/>
@@ -6340,12 +6358,16 @@
           </a:bodyPr>
           <a:lstStyle/>
           <a:p>
-            <a:r>
-              <a:rPr lang="en-US" dirty="0">
-                <a:latin typeface="Arial" panose="020B0604020202020204" pitchFamily="34" charset="0"/>
-                <a:cs typeface="Arial" panose="020B0604020202020204" pitchFamily="34" charset="0"/>
-              </a:rPr>
-              <a:t>- Giao </a:t>
+            <a:pPr marL="285750" indent="-285750">
+              <a:buFontTx/>
+              <a:buChar char="-"/>
+            </a:pPr>
+            <a:r>
+              <a:rPr lang="en-US" dirty="0">
+                <a:latin typeface="Arial" panose="020B0604020202020204" pitchFamily="34" charset="0"/>
+                <a:cs typeface="Arial" panose="020B0604020202020204" pitchFamily="34" charset="0"/>
+              </a:rPr>
+              <a:t>Giao </a:t>
             </a:r>
             <a:r>
               <a:rPr lang="en-US" dirty="0" err="1">
@@ -6401,28 +6423,1436 @@
                 <a:latin typeface="Arial" panose="020B0604020202020204" pitchFamily="34" charset="0"/>
                 <a:cs typeface="Arial" panose="020B0604020202020204" pitchFamily="34" charset="0"/>
               </a:rPr>
-              <a:t> </a:t>
-            </a:r>
-            <a:r>
-              <a:rPr lang="vi-VN" dirty="0">
-                <a:latin typeface="Arial" panose="020B0604020202020204" pitchFamily="34" charset="0"/>
-                <a:cs typeface="Arial" panose="020B0604020202020204" pitchFamily="34" charset="0"/>
-              </a:rPr>
-              <a:t>sử dụng một cửa sổ để cho phép bên gởi theo dõi các khung mà nó được phép gởi đi và các khung mà nó đang chờ báo nhận, gọi là cửa sổ gởi (Sending Windows). Một cửa sổ khác để bên nhận theo dõi các khung mà nó được phép nhận, gọi là cửa sổ nhận (Receiving Windows).</a:t>
-            </a:r>
-            <a:endParaRPr lang="en-US" dirty="0">
-              <a:latin typeface="Arial" panose="020B0604020202020204" pitchFamily="34" charset="0"/>
-              <a:cs typeface="Arial" panose="020B0604020202020204" pitchFamily="34" charset="0"/>
-            </a:endParaRPr>
+              <a:t>: </a:t>
+            </a:r>
+            <a:r>
+              <a:rPr lang="en-US" dirty="0" err="1">
+                <a:latin typeface="Arial" panose="020B0604020202020204" pitchFamily="34" charset="0"/>
+                <a:cs typeface="Arial" panose="020B0604020202020204" pitchFamily="34" charset="0"/>
+              </a:rPr>
+              <a:t>là</a:t>
+            </a:r>
+            <a:r>
+              <a:rPr lang="en-US" dirty="0">
+                <a:latin typeface="Arial" panose="020B0604020202020204" pitchFamily="34" charset="0"/>
+                <a:cs typeface="Arial" panose="020B0604020202020204" pitchFamily="34" charset="0"/>
+              </a:rPr>
+              <a:t> </a:t>
+            </a:r>
+            <a:r>
+              <a:rPr lang="en-US" dirty="0" err="1">
+                <a:latin typeface="Arial" panose="020B0604020202020204" pitchFamily="34" charset="0"/>
+                <a:cs typeface="Arial" panose="020B0604020202020204" pitchFamily="34" charset="0"/>
+              </a:rPr>
+              <a:t>một</a:t>
+            </a:r>
+            <a:r>
+              <a:rPr lang="en-US" dirty="0">
+                <a:latin typeface="Arial" panose="020B0604020202020204" pitchFamily="34" charset="0"/>
+                <a:cs typeface="Arial" panose="020B0604020202020204" pitchFamily="34" charset="0"/>
+              </a:rPr>
+              <a:t> </a:t>
+            </a:r>
+            <a:r>
+              <a:rPr lang="en-US" dirty="0" err="1">
+                <a:latin typeface="Arial" panose="020B0604020202020204" pitchFamily="34" charset="0"/>
+                <a:cs typeface="Arial" panose="020B0604020202020204" pitchFamily="34" charset="0"/>
+              </a:rPr>
+              <a:t>chỗi</a:t>
+            </a:r>
+            <a:r>
+              <a:rPr lang="en-US" dirty="0">
+                <a:latin typeface="Arial" panose="020B0604020202020204" pitchFamily="34" charset="0"/>
+                <a:cs typeface="Arial" panose="020B0604020202020204" pitchFamily="34" charset="0"/>
+              </a:rPr>
+              <a:t> </a:t>
+            </a:r>
+            <a:r>
+              <a:rPr lang="en-US" dirty="0" err="1">
+                <a:latin typeface="Arial" panose="020B0604020202020204" pitchFamily="34" charset="0"/>
+                <a:cs typeface="Arial" panose="020B0604020202020204" pitchFamily="34" charset="0"/>
+              </a:rPr>
+              <a:t>các</a:t>
+            </a:r>
+            <a:r>
+              <a:rPr lang="en-US" dirty="0">
+                <a:latin typeface="Arial" panose="020B0604020202020204" pitchFamily="34" charset="0"/>
+                <a:cs typeface="Arial" panose="020B0604020202020204" pitchFamily="34" charset="0"/>
+              </a:rPr>
+              <a:t> </a:t>
+            </a:r>
+            <a:r>
+              <a:rPr lang="en-US" dirty="0" err="1">
+                <a:latin typeface="Arial" panose="020B0604020202020204" pitchFamily="34" charset="0"/>
+                <a:cs typeface="Arial" panose="020B0604020202020204" pitchFamily="34" charset="0"/>
+              </a:rPr>
+              <a:t>khung</a:t>
+            </a:r>
+            <a:r>
+              <a:rPr lang="en-US" dirty="0">
+                <a:latin typeface="Arial" panose="020B0604020202020204" pitchFamily="34" charset="0"/>
+                <a:cs typeface="Arial" panose="020B0604020202020204" pitchFamily="34" charset="0"/>
+              </a:rPr>
+              <a:t> </a:t>
+            </a:r>
+            <a:r>
+              <a:rPr lang="en-US" dirty="0" err="1">
+                <a:latin typeface="Arial" panose="020B0604020202020204" pitchFamily="34" charset="0"/>
+                <a:cs typeface="Arial" panose="020B0604020202020204" pitchFamily="34" charset="0"/>
+              </a:rPr>
+              <a:t>dữ</a:t>
+            </a:r>
+            <a:r>
+              <a:rPr lang="en-US" dirty="0">
+                <a:latin typeface="Arial" panose="020B0604020202020204" pitchFamily="34" charset="0"/>
+                <a:cs typeface="Arial" panose="020B0604020202020204" pitchFamily="34" charset="0"/>
+              </a:rPr>
+              <a:t> </a:t>
+            </a:r>
+            <a:r>
+              <a:rPr lang="en-US" dirty="0" err="1">
+                <a:latin typeface="Arial" panose="020B0604020202020204" pitchFamily="34" charset="0"/>
+                <a:cs typeface="Arial" panose="020B0604020202020204" pitchFamily="34" charset="0"/>
+              </a:rPr>
+              <a:t>liệu</a:t>
+            </a:r>
+            <a:r>
+              <a:rPr lang="en-US" dirty="0">
+                <a:latin typeface="Arial" panose="020B0604020202020204" pitchFamily="34" charset="0"/>
+                <a:cs typeface="Arial" panose="020B0604020202020204" pitchFamily="34" charset="0"/>
+              </a:rPr>
+              <a:t> </a:t>
+            </a:r>
+            <a:r>
+              <a:rPr lang="en-US" dirty="0" err="1">
+                <a:latin typeface="Arial" panose="020B0604020202020204" pitchFamily="34" charset="0"/>
+                <a:cs typeface="Arial" panose="020B0604020202020204" pitchFamily="34" charset="0"/>
+              </a:rPr>
+              <a:t>liền</a:t>
+            </a:r>
+            <a:r>
+              <a:rPr lang="en-US" dirty="0">
+                <a:latin typeface="Arial" panose="020B0604020202020204" pitchFamily="34" charset="0"/>
+                <a:cs typeface="Arial" panose="020B0604020202020204" pitchFamily="34" charset="0"/>
+              </a:rPr>
+              <a:t> </a:t>
+            </a:r>
+            <a:r>
+              <a:rPr lang="en-US" dirty="0" err="1">
+                <a:latin typeface="Arial" panose="020B0604020202020204" pitchFamily="34" charset="0"/>
+                <a:cs typeface="Arial" panose="020B0604020202020204" pitchFamily="34" charset="0"/>
+              </a:rPr>
+              <a:t>kề</a:t>
+            </a:r>
+            <a:r>
+              <a:rPr lang="en-US" dirty="0">
+                <a:latin typeface="Arial" panose="020B0604020202020204" pitchFamily="34" charset="0"/>
+                <a:cs typeface="Arial" panose="020B0604020202020204" pitchFamily="34" charset="0"/>
+              </a:rPr>
+              <a:t> </a:t>
+            </a:r>
+            <a:r>
+              <a:rPr lang="en-US" dirty="0" err="1">
+                <a:latin typeface="Arial" panose="020B0604020202020204" pitchFamily="34" charset="0"/>
+                <a:cs typeface="Arial" panose="020B0604020202020204" pitchFamily="34" charset="0"/>
+              </a:rPr>
+              <a:t>nhau</a:t>
+            </a:r>
+            <a:r>
+              <a:rPr lang="en-US" dirty="0">
+                <a:latin typeface="Arial" panose="020B0604020202020204" pitchFamily="34" charset="0"/>
+                <a:cs typeface="Arial" panose="020B0604020202020204" pitchFamily="34" charset="0"/>
+              </a:rPr>
+              <a:t> </a:t>
+            </a:r>
+            <a:r>
+              <a:rPr lang="en-US" dirty="0" err="1">
+                <a:latin typeface="Arial" panose="020B0604020202020204" pitchFamily="34" charset="0"/>
+                <a:cs typeface="Arial" panose="020B0604020202020204" pitchFamily="34" charset="0"/>
+              </a:rPr>
+              <a:t>được</a:t>
+            </a:r>
+            <a:r>
+              <a:rPr lang="en-US" dirty="0">
+                <a:latin typeface="Arial" panose="020B0604020202020204" pitchFamily="34" charset="0"/>
+                <a:cs typeface="Arial" panose="020B0604020202020204" pitchFamily="34" charset="0"/>
+              </a:rPr>
+              <a:t> </a:t>
+            </a:r>
+            <a:r>
+              <a:rPr lang="en-US" dirty="0" err="1">
+                <a:latin typeface="Arial" panose="020B0604020202020204" pitchFamily="34" charset="0"/>
+                <a:cs typeface="Arial" panose="020B0604020202020204" pitchFamily="34" charset="0"/>
+              </a:rPr>
+              <a:t>phát</a:t>
+            </a:r>
+            <a:r>
+              <a:rPr lang="en-US" dirty="0">
+                <a:latin typeface="Arial" panose="020B0604020202020204" pitchFamily="34" charset="0"/>
+                <a:cs typeface="Arial" panose="020B0604020202020204" pitchFamily="34" charset="0"/>
+              </a:rPr>
+              <a:t> </a:t>
+            </a:r>
+            <a:r>
+              <a:rPr lang="en-US" dirty="0" err="1">
+                <a:latin typeface="Arial" panose="020B0604020202020204" pitchFamily="34" charset="0"/>
+                <a:cs typeface="Arial" panose="020B0604020202020204" pitchFamily="34" charset="0"/>
+              </a:rPr>
+              <a:t>đi</a:t>
+            </a:r>
+            <a:r>
+              <a:rPr lang="en-US" dirty="0">
+                <a:latin typeface="Arial" panose="020B0604020202020204" pitchFamily="34" charset="0"/>
+                <a:cs typeface="Arial" panose="020B0604020202020204" pitchFamily="34" charset="0"/>
+              </a:rPr>
+              <a:t> </a:t>
+            </a:r>
+            <a:r>
+              <a:rPr lang="en-US" dirty="0" err="1">
+                <a:latin typeface="Arial" panose="020B0604020202020204" pitchFamily="34" charset="0"/>
+                <a:cs typeface="Arial" panose="020B0604020202020204" pitchFamily="34" charset="0"/>
+              </a:rPr>
+              <a:t>mà</a:t>
+            </a:r>
+            <a:r>
+              <a:rPr lang="en-US" dirty="0">
+                <a:latin typeface="Arial" panose="020B0604020202020204" pitchFamily="34" charset="0"/>
+                <a:cs typeface="Arial" panose="020B0604020202020204" pitchFamily="34" charset="0"/>
+              </a:rPr>
+              <a:t> </a:t>
+            </a:r>
+            <a:r>
+              <a:rPr lang="en-US" dirty="0" err="1">
+                <a:latin typeface="Arial" panose="020B0604020202020204" pitchFamily="34" charset="0"/>
+                <a:cs typeface="Arial" panose="020B0604020202020204" pitchFamily="34" charset="0"/>
+              </a:rPr>
+              <a:t>chưa</a:t>
+            </a:r>
+            <a:r>
+              <a:rPr lang="en-US" dirty="0">
+                <a:latin typeface="Arial" panose="020B0604020202020204" pitchFamily="34" charset="0"/>
+                <a:cs typeface="Arial" panose="020B0604020202020204" pitchFamily="34" charset="0"/>
+              </a:rPr>
+              <a:t> </a:t>
+            </a:r>
+            <a:r>
+              <a:rPr lang="en-US" dirty="0" err="1">
+                <a:latin typeface="Arial" panose="020B0604020202020204" pitchFamily="34" charset="0"/>
+                <a:cs typeface="Arial" panose="020B0604020202020204" pitchFamily="34" charset="0"/>
+              </a:rPr>
+              <a:t>có</a:t>
+            </a:r>
+            <a:r>
+              <a:rPr lang="en-US" dirty="0">
+                <a:latin typeface="Arial" panose="020B0604020202020204" pitchFamily="34" charset="0"/>
+                <a:cs typeface="Arial" panose="020B0604020202020204" pitchFamily="34" charset="0"/>
+              </a:rPr>
+              <a:t> </a:t>
+            </a:r>
+            <a:r>
+              <a:rPr lang="en-US" dirty="0" err="1">
+                <a:latin typeface="Arial" panose="020B0604020202020204" pitchFamily="34" charset="0"/>
+                <a:cs typeface="Arial" panose="020B0604020202020204" pitchFamily="34" charset="0"/>
+              </a:rPr>
+              <a:t>phúc</a:t>
+            </a:r>
+            <a:r>
+              <a:rPr lang="en-US" dirty="0">
+                <a:latin typeface="Arial" panose="020B0604020202020204" pitchFamily="34" charset="0"/>
+                <a:cs typeface="Arial" panose="020B0604020202020204" pitchFamily="34" charset="0"/>
+              </a:rPr>
+              <a:t> </a:t>
+            </a:r>
+            <a:r>
+              <a:rPr lang="en-US" dirty="0" err="1">
+                <a:latin typeface="Arial" panose="020B0604020202020204" pitchFamily="34" charset="0"/>
+                <a:cs typeface="Arial" panose="020B0604020202020204" pitchFamily="34" charset="0"/>
+              </a:rPr>
+              <a:t>đáp</a:t>
+            </a:r>
+            <a:r>
+              <a:rPr lang="en-US" dirty="0">
+                <a:latin typeface="Arial" panose="020B0604020202020204" pitchFamily="34" charset="0"/>
+                <a:cs typeface="Arial" panose="020B0604020202020204" pitchFamily="34" charset="0"/>
+              </a:rPr>
+              <a:t>.</a:t>
+            </a:r>
+          </a:p>
+          <a:p>
+            <a:pPr marL="285750" indent="-285750">
+              <a:buFontTx/>
+              <a:buChar char="-"/>
+            </a:pPr>
+            <a:r>
+              <a:rPr lang="en-US" dirty="0">
+                <a:latin typeface="Arial" panose="020B0604020202020204" pitchFamily="34" charset="0"/>
+                <a:cs typeface="Arial" panose="020B0604020202020204" pitchFamily="34" charset="0"/>
+              </a:rPr>
+              <a:t>Khi </a:t>
+            </a:r>
+            <a:r>
+              <a:rPr lang="en-US" dirty="0" err="1">
+                <a:latin typeface="Arial" panose="020B0604020202020204" pitchFamily="34" charset="0"/>
+                <a:cs typeface="Arial" panose="020B0604020202020204" pitchFamily="34" charset="0"/>
+              </a:rPr>
+              <a:t>nhận</a:t>
+            </a:r>
+            <a:r>
+              <a:rPr lang="en-US" dirty="0">
+                <a:latin typeface="Arial" panose="020B0604020202020204" pitchFamily="34" charset="0"/>
+                <a:cs typeface="Arial" panose="020B0604020202020204" pitchFamily="34" charset="0"/>
+              </a:rPr>
+              <a:t> </a:t>
+            </a:r>
+            <a:r>
+              <a:rPr lang="en-US" dirty="0" err="1">
+                <a:latin typeface="Arial" panose="020B0604020202020204" pitchFamily="34" charset="0"/>
+                <a:cs typeface="Arial" panose="020B0604020202020204" pitchFamily="34" charset="0"/>
+              </a:rPr>
+              <a:t>xong</a:t>
+            </a:r>
+            <a:r>
+              <a:rPr lang="en-US" dirty="0">
+                <a:latin typeface="Arial" panose="020B0604020202020204" pitchFamily="34" charset="0"/>
+                <a:cs typeface="Arial" panose="020B0604020202020204" pitchFamily="34" charset="0"/>
+              </a:rPr>
+              <a:t> </a:t>
+            </a:r>
+            <a:r>
+              <a:rPr lang="en-US" dirty="0" err="1">
+                <a:latin typeface="Arial" panose="020B0604020202020204" pitchFamily="34" charset="0"/>
+                <a:cs typeface="Arial" panose="020B0604020202020204" pitchFamily="34" charset="0"/>
+              </a:rPr>
+              <a:t>các</a:t>
+            </a:r>
+            <a:r>
+              <a:rPr lang="en-US" dirty="0">
+                <a:latin typeface="Arial" panose="020B0604020202020204" pitchFamily="34" charset="0"/>
+                <a:cs typeface="Arial" panose="020B0604020202020204" pitchFamily="34" charset="0"/>
+              </a:rPr>
+              <a:t> </a:t>
+            </a:r>
+            <a:r>
+              <a:rPr lang="en-US" dirty="0" err="1">
+                <a:latin typeface="Arial" panose="020B0604020202020204" pitchFamily="34" charset="0"/>
+                <a:cs typeface="Arial" panose="020B0604020202020204" pitchFamily="34" charset="0"/>
+              </a:rPr>
+              <a:t>khung</a:t>
+            </a:r>
+            <a:r>
+              <a:rPr lang="en-US" dirty="0">
+                <a:latin typeface="Arial" panose="020B0604020202020204" pitchFamily="34" charset="0"/>
+                <a:cs typeface="Arial" panose="020B0604020202020204" pitchFamily="34" charset="0"/>
+              </a:rPr>
+              <a:t> </a:t>
+            </a:r>
+            <a:r>
+              <a:rPr lang="en-US" dirty="0" err="1">
+                <a:latin typeface="Arial" panose="020B0604020202020204" pitchFamily="34" charset="0"/>
+                <a:cs typeface="Arial" panose="020B0604020202020204" pitchFamily="34" charset="0"/>
+              </a:rPr>
+              <a:t>dữ</a:t>
+            </a:r>
+            <a:r>
+              <a:rPr lang="en-US" dirty="0">
+                <a:latin typeface="Arial" panose="020B0604020202020204" pitchFamily="34" charset="0"/>
+                <a:cs typeface="Arial" panose="020B0604020202020204" pitchFamily="34" charset="0"/>
+              </a:rPr>
+              <a:t> </a:t>
+            </a:r>
+            <a:r>
+              <a:rPr lang="en-US" dirty="0" err="1">
+                <a:latin typeface="Arial" panose="020B0604020202020204" pitchFamily="34" charset="0"/>
+                <a:cs typeface="Arial" panose="020B0604020202020204" pitchFamily="34" charset="0"/>
+              </a:rPr>
+              <a:t>liệu</a:t>
+            </a:r>
+            <a:r>
+              <a:rPr lang="en-US" dirty="0">
+                <a:latin typeface="Arial" panose="020B0604020202020204" pitchFamily="34" charset="0"/>
+                <a:cs typeface="Arial" panose="020B0604020202020204" pitchFamily="34" charset="0"/>
+              </a:rPr>
+              <a:t> </a:t>
+            </a:r>
+            <a:r>
+              <a:rPr lang="en-US" dirty="0" err="1">
+                <a:latin typeface="Arial" panose="020B0604020202020204" pitchFamily="34" charset="0"/>
+                <a:cs typeface="Arial" panose="020B0604020202020204" pitchFamily="34" charset="0"/>
+              </a:rPr>
+              <a:t>trong</a:t>
+            </a:r>
+            <a:r>
+              <a:rPr lang="en-US" dirty="0">
+                <a:latin typeface="Arial" panose="020B0604020202020204" pitchFamily="34" charset="0"/>
+                <a:cs typeface="Arial" panose="020B0604020202020204" pitchFamily="34" charset="0"/>
+              </a:rPr>
+              <a:t> </a:t>
+            </a:r>
+            <a:r>
+              <a:rPr lang="en-US" dirty="0" err="1">
+                <a:latin typeface="Arial" panose="020B0604020202020204" pitchFamily="34" charset="0"/>
+                <a:cs typeface="Arial" panose="020B0604020202020204" pitchFamily="34" charset="0"/>
+              </a:rPr>
+              <a:t>một</a:t>
+            </a:r>
+            <a:r>
+              <a:rPr lang="en-US" dirty="0">
+                <a:latin typeface="Arial" panose="020B0604020202020204" pitchFamily="34" charset="0"/>
+                <a:cs typeface="Arial" panose="020B0604020202020204" pitchFamily="34" charset="0"/>
+              </a:rPr>
+              <a:t> </a:t>
+            </a:r>
+            <a:r>
+              <a:rPr lang="en-US" dirty="0" err="1">
+                <a:latin typeface="Arial" panose="020B0604020202020204" pitchFamily="34" charset="0"/>
+                <a:cs typeface="Arial" panose="020B0604020202020204" pitchFamily="34" charset="0"/>
+              </a:rPr>
+              <a:t>cửa</a:t>
+            </a:r>
+            <a:r>
+              <a:rPr lang="en-US" dirty="0">
+                <a:latin typeface="Arial" panose="020B0604020202020204" pitchFamily="34" charset="0"/>
+                <a:cs typeface="Arial" panose="020B0604020202020204" pitchFamily="34" charset="0"/>
+              </a:rPr>
+              <a:t> </a:t>
+            </a:r>
+            <a:r>
+              <a:rPr lang="en-US" dirty="0" err="1">
+                <a:latin typeface="Arial" panose="020B0604020202020204" pitchFamily="34" charset="0"/>
+                <a:cs typeface="Arial" panose="020B0604020202020204" pitchFamily="34" charset="0"/>
+              </a:rPr>
+              <a:t>sổ</a:t>
+            </a:r>
+            <a:r>
+              <a:rPr lang="en-US" dirty="0">
+                <a:latin typeface="Arial" panose="020B0604020202020204" pitchFamily="34" charset="0"/>
+                <a:cs typeface="Arial" panose="020B0604020202020204" pitchFamily="34" charset="0"/>
+              </a:rPr>
+              <a:t>, </a:t>
+            </a:r>
+            <a:r>
+              <a:rPr lang="en-US" dirty="0" err="1">
+                <a:latin typeface="Arial" panose="020B0604020202020204" pitchFamily="34" charset="0"/>
+                <a:cs typeface="Arial" panose="020B0604020202020204" pitchFamily="34" charset="0"/>
+              </a:rPr>
+              <a:t>đầu</a:t>
+            </a:r>
+            <a:r>
+              <a:rPr lang="en-US" dirty="0">
+                <a:latin typeface="Arial" panose="020B0604020202020204" pitchFamily="34" charset="0"/>
+                <a:cs typeface="Arial" panose="020B0604020202020204" pitchFamily="34" charset="0"/>
+              </a:rPr>
+              <a:t> </a:t>
+            </a:r>
+            <a:r>
+              <a:rPr lang="en-US" dirty="0" err="1">
+                <a:latin typeface="Arial" panose="020B0604020202020204" pitchFamily="34" charset="0"/>
+                <a:cs typeface="Arial" panose="020B0604020202020204" pitchFamily="34" charset="0"/>
+              </a:rPr>
+              <a:t>thu</a:t>
+            </a:r>
+            <a:r>
+              <a:rPr lang="en-US" dirty="0">
+                <a:latin typeface="Arial" panose="020B0604020202020204" pitchFamily="34" charset="0"/>
+                <a:cs typeface="Arial" panose="020B0604020202020204" pitchFamily="34" charset="0"/>
+              </a:rPr>
+              <a:t> </a:t>
+            </a:r>
+            <a:r>
+              <a:rPr lang="en-US" dirty="0" err="1">
+                <a:latin typeface="Arial" panose="020B0604020202020204" pitchFamily="34" charset="0"/>
+                <a:cs typeface="Arial" panose="020B0604020202020204" pitchFamily="34" charset="0"/>
+              </a:rPr>
+              <a:t>sẽ</a:t>
+            </a:r>
+            <a:r>
+              <a:rPr lang="en-US" dirty="0">
+                <a:latin typeface="Arial" panose="020B0604020202020204" pitchFamily="34" charset="0"/>
+                <a:cs typeface="Arial" panose="020B0604020202020204" pitchFamily="34" charset="0"/>
+              </a:rPr>
+              <a:t> </a:t>
+            </a:r>
+            <a:r>
+              <a:rPr lang="en-US" dirty="0" err="1">
+                <a:latin typeface="Arial" panose="020B0604020202020204" pitchFamily="34" charset="0"/>
+                <a:cs typeface="Arial" panose="020B0604020202020204" pitchFamily="34" charset="0"/>
+              </a:rPr>
+              <a:t>dịch</a:t>
+            </a:r>
+            <a:r>
+              <a:rPr lang="en-US" dirty="0">
+                <a:latin typeface="Arial" panose="020B0604020202020204" pitchFamily="34" charset="0"/>
+                <a:cs typeface="Arial" panose="020B0604020202020204" pitchFamily="34" charset="0"/>
+              </a:rPr>
+              <a:t> </a:t>
+            </a:r>
+            <a:r>
+              <a:rPr lang="en-US" dirty="0" err="1">
+                <a:latin typeface="Arial" panose="020B0604020202020204" pitchFamily="34" charset="0"/>
+                <a:cs typeface="Arial" panose="020B0604020202020204" pitchFamily="34" charset="0"/>
+              </a:rPr>
+              <a:t>chuyển</a:t>
+            </a:r>
+            <a:r>
+              <a:rPr lang="en-US" dirty="0">
+                <a:latin typeface="Arial" panose="020B0604020202020204" pitchFamily="34" charset="0"/>
+                <a:cs typeface="Arial" panose="020B0604020202020204" pitchFamily="34" charset="0"/>
+              </a:rPr>
+              <a:t> hay “</a:t>
+            </a:r>
+            <a:r>
+              <a:rPr lang="en-US" dirty="0" err="1">
+                <a:latin typeface="Arial" panose="020B0604020202020204" pitchFamily="34" charset="0"/>
+                <a:cs typeface="Arial" panose="020B0604020202020204" pitchFamily="34" charset="0"/>
+              </a:rPr>
+              <a:t>trượt</a:t>
+            </a:r>
+            <a:r>
+              <a:rPr lang="en-US" dirty="0">
+                <a:latin typeface="Arial" panose="020B0604020202020204" pitchFamily="34" charset="0"/>
+                <a:cs typeface="Arial" panose="020B0604020202020204" pitchFamily="34" charset="0"/>
+              </a:rPr>
+              <a:t>” </a:t>
+            </a:r>
+            <a:r>
+              <a:rPr lang="en-US" dirty="0" err="1">
+                <a:latin typeface="Arial" panose="020B0604020202020204" pitchFamily="34" charset="0"/>
+                <a:cs typeface="Arial" panose="020B0604020202020204" pitchFamily="34" charset="0"/>
+              </a:rPr>
+              <a:t>cửa</a:t>
+            </a:r>
+            <a:r>
+              <a:rPr lang="en-US" dirty="0">
+                <a:latin typeface="Arial" panose="020B0604020202020204" pitchFamily="34" charset="0"/>
+                <a:cs typeface="Arial" panose="020B0604020202020204" pitchFamily="34" charset="0"/>
+              </a:rPr>
+              <a:t> </a:t>
+            </a:r>
+            <a:r>
+              <a:rPr lang="en-US" dirty="0" err="1">
+                <a:latin typeface="Arial" panose="020B0604020202020204" pitchFamily="34" charset="0"/>
+                <a:cs typeface="Arial" panose="020B0604020202020204" pitchFamily="34" charset="0"/>
+              </a:rPr>
+              <a:t>sổ</a:t>
+            </a:r>
+            <a:r>
+              <a:rPr lang="en-US" dirty="0">
+                <a:latin typeface="Arial" panose="020B0604020202020204" pitchFamily="34" charset="0"/>
+                <a:cs typeface="Arial" panose="020B0604020202020204" pitchFamily="34" charset="0"/>
+              </a:rPr>
+              <a:t> </a:t>
+            </a:r>
+            <a:r>
+              <a:rPr lang="en-US" dirty="0" err="1">
+                <a:latin typeface="Arial" panose="020B0604020202020204" pitchFamily="34" charset="0"/>
+                <a:cs typeface="Arial" panose="020B0604020202020204" pitchFamily="34" charset="0"/>
+              </a:rPr>
+              <a:t>này</a:t>
+            </a:r>
+            <a:r>
+              <a:rPr lang="en-US" dirty="0">
+                <a:latin typeface="Arial" panose="020B0604020202020204" pitchFamily="34" charset="0"/>
+                <a:cs typeface="Arial" panose="020B0604020202020204" pitchFamily="34" charset="0"/>
+              </a:rPr>
+              <a:t> </a:t>
+            </a:r>
+            <a:r>
+              <a:rPr lang="en-US" dirty="0" err="1">
+                <a:latin typeface="Arial" panose="020B0604020202020204" pitchFamily="34" charset="0"/>
+                <a:cs typeface="Arial" panose="020B0604020202020204" pitchFamily="34" charset="0"/>
+              </a:rPr>
+              <a:t>lên</a:t>
+            </a:r>
+            <a:r>
+              <a:rPr lang="en-US" dirty="0">
+                <a:latin typeface="Arial" panose="020B0604020202020204" pitchFamily="34" charset="0"/>
+                <a:cs typeface="Arial" panose="020B0604020202020204" pitchFamily="34" charset="0"/>
+              </a:rPr>
+              <a:t> </a:t>
+            </a:r>
+            <a:r>
+              <a:rPr lang="en-US" dirty="0" err="1">
+                <a:latin typeface="Arial" panose="020B0604020202020204" pitchFamily="34" charset="0"/>
+                <a:cs typeface="Arial" panose="020B0604020202020204" pitchFamily="34" charset="0"/>
+              </a:rPr>
+              <a:t>một</a:t>
+            </a:r>
+            <a:r>
+              <a:rPr lang="en-US" dirty="0">
+                <a:latin typeface="Arial" panose="020B0604020202020204" pitchFamily="34" charset="0"/>
+                <a:cs typeface="Arial" panose="020B0604020202020204" pitchFamily="34" charset="0"/>
+              </a:rPr>
+              <a:t> </a:t>
+            </a:r>
+            <a:r>
+              <a:rPr lang="en-US" dirty="0" err="1">
+                <a:latin typeface="Arial" panose="020B0604020202020204" pitchFamily="34" charset="0"/>
+                <a:cs typeface="Arial" panose="020B0604020202020204" pitchFamily="34" charset="0"/>
+              </a:rPr>
+              <a:t>đơn</a:t>
+            </a:r>
+            <a:r>
+              <a:rPr lang="en-US" dirty="0">
+                <a:latin typeface="Arial" panose="020B0604020202020204" pitchFamily="34" charset="0"/>
+                <a:cs typeface="Arial" panose="020B0604020202020204" pitchFamily="34" charset="0"/>
+              </a:rPr>
+              <a:t> </a:t>
+            </a:r>
+            <a:r>
+              <a:rPr lang="en-US" dirty="0" err="1">
+                <a:latin typeface="Arial" panose="020B0604020202020204" pitchFamily="34" charset="0"/>
+                <a:cs typeface="Arial" panose="020B0604020202020204" pitchFamily="34" charset="0"/>
+              </a:rPr>
+              <a:t>vị</a:t>
+            </a:r>
+            <a:r>
+              <a:rPr lang="en-US" dirty="0">
+                <a:latin typeface="Arial" panose="020B0604020202020204" pitchFamily="34" charset="0"/>
+                <a:cs typeface="Arial" panose="020B0604020202020204" pitchFamily="34" charset="0"/>
+              </a:rPr>
+              <a:t> </a:t>
+            </a:r>
+            <a:r>
+              <a:rPr lang="en-US" dirty="0" err="1">
+                <a:latin typeface="Arial" panose="020B0604020202020204" pitchFamily="34" charset="0"/>
+                <a:cs typeface="Arial" panose="020B0604020202020204" pitchFamily="34" charset="0"/>
+              </a:rPr>
+              <a:t>để</a:t>
+            </a:r>
+            <a:r>
+              <a:rPr lang="en-US" dirty="0">
+                <a:latin typeface="Arial" panose="020B0604020202020204" pitchFamily="34" charset="0"/>
+                <a:cs typeface="Arial" panose="020B0604020202020204" pitchFamily="34" charset="0"/>
+              </a:rPr>
+              <a:t> </a:t>
+            </a:r>
+            <a:r>
+              <a:rPr lang="en-US" dirty="0" err="1">
+                <a:latin typeface="Arial" panose="020B0604020202020204" pitchFamily="34" charset="0"/>
+                <a:cs typeface="Arial" panose="020B0604020202020204" pitchFamily="34" charset="0"/>
+              </a:rPr>
+              <a:t>nhận</a:t>
+            </a:r>
+            <a:r>
+              <a:rPr lang="en-US" dirty="0">
+                <a:latin typeface="Arial" panose="020B0604020202020204" pitchFamily="34" charset="0"/>
+                <a:cs typeface="Arial" panose="020B0604020202020204" pitchFamily="34" charset="0"/>
+              </a:rPr>
+              <a:t> </a:t>
+            </a:r>
+            <a:r>
+              <a:rPr lang="en-US" dirty="0" err="1">
+                <a:latin typeface="Arial" panose="020B0604020202020204" pitchFamily="34" charset="0"/>
+                <a:cs typeface="Arial" panose="020B0604020202020204" pitchFamily="34" charset="0"/>
+              </a:rPr>
+              <a:t>tiếp</a:t>
+            </a:r>
+            <a:r>
+              <a:rPr lang="en-US" dirty="0">
+                <a:latin typeface="Arial" panose="020B0604020202020204" pitchFamily="34" charset="0"/>
+                <a:cs typeface="Arial" panose="020B0604020202020204" pitchFamily="34" charset="0"/>
+              </a:rPr>
+              <a:t> </a:t>
+            </a:r>
+            <a:r>
+              <a:rPr lang="en-US" dirty="0" err="1">
+                <a:latin typeface="Arial" panose="020B0604020202020204" pitchFamily="34" charset="0"/>
+                <a:cs typeface="Arial" panose="020B0604020202020204" pitchFamily="34" charset="0"/>
+              </a:rPr>
+              <a:t>các</a:t>
+            </a:r>
+            <a:r>
+              <a:rPr lang="en-US" dirty="0">
+                <a:latin typeface="Arial" panose="020B0604020202020204" pitchFamily="34" charset="0"/>
+                <a:cs typeface="Arial" panose="020B0604020202020204" pitchFamily="34" charset="0"/>
+              </a:rPr>
+              <a:t> </a:t>
+            </a:r>
+            <a:r>
+              <a:rPr lang="en-US" dirty="0" err="1">
+                <a:latin typeface="Arial" panose="020B0604020202020204" pitchFamily="34" charset="0"/>
+                <a:cs typeface="Arial" panose="020B0604020202020204" pitchFamily="34" charset="0"/>
+              </a:rPr>
+              <a:t>khung</a:t>
+            </a:r>
+            <a:r>
+              <a:rPr lang="en-US" dirty="0">
+                <a:latin typeface="Arial" panose="020B0604020202020204" pitchFamily="34" charset="0"/>
+                <a:cs typeface="Arial" panose="020B0604020202020204" pitchFamily="34" charset="0"/>
+              </a:rPr>
+              <a:t> </a:t>
+            </a:r>
+            <a:r>
+              <a:rPr lang="en-US" dirty="0" err="1">
+                <a:latin typeface="Arial" panose="020B0604020202020204" pitchFamily="34" charset="0"/>
+                <a:cs typeface="Arial" panose="020B0604020202020204" pitchFamily="34" charset="0"/>
+              </a:rPr>
+              <a:t>dữ</a:t>
+            </a:r>
+            <a:r>
+              <a:rPr lang="en-US" dirty="0">
+                <a:latin typeface="Arial" panose="020B0604020202020204" pitchFamily="34" charset="0"/>
+                <a:cs typeface="Arial" panose="020B0604020202020204" pitchFamily="34" charset="0"/>
+              </a:rPr>
+              <a:t> </a:t>
+            </a:r>
+            <a:r>
+              <a:rPr lang="en-US" dirty="0" err="1">
+                <a:latin typeface="Arial" panose="020B0604020202020204" pitchFamily="34" charset="0"/>
+                <a:cs typeface="Arial" panose="020B0604020202020204" pitchFamily="34" charset="0"/>
+              </a:rPr>
+              <a:t>liệu</a:t>
+            </a:r>
+            <a:r>
+              <a:rPr lang="en-US" dirty="0">
+                <a:latin typeface="Arial" panose="020B0604020202020204" pitchFamily="34" charset="0"/>
+                <a:cs typeface="Arial" panose="020B0604020202020204" pitchFamily="34" charset="0"/>
+              </a:rPr>
+              <a:t> </a:t>
+            </a:r>
+            <a:r>
+              <a:rPr lang="en-US" dirty="0" err="1">
+                <a:latin typeface="Arial" panose="020B0604020202020204" pitchFamily="34" charset="0"/>
+                <a:cs typeface="Arial" panose="020B0604020202020204" pitchFamily="34" charset="0"/>
+              </a:rPr>
+              <a:t>trong</a:t>
+            </a:r>
+            <a:r>
+              <a:rPr lang="en-US" dirty="0">
+                <a:latin typeface="Arial" panose="020B0604020202020204" pitchFamily="34" charset="0"/>
+                <a:cs typeface="Arial" panose="020B0604020202020204" pitchFamily="34" charset="0"/>
+              </a:rPr>
+              <a:t> </a:t>
+            </a:r>
+            <a:r>
+              <a:rPr lang="en-US" dirty="0" err="1">
+                <a:latin typeface="Arial" panose="020B0604020202020204" pitchFamily="34" charset="0"/>
+                <a:cs typeface="Arial" panose="020B0604020202020204" pitchFamily="34" charset="0"/>
+              </a:rPr>
+              <a:t>cửa</a:t>
+            </a:r>
+            <a:r>
+              <a:rPr lang="en-US" dirty="0">
+                <a:latin typeface="Arial" panose="020B0604020202020204" pitchFamily="34" charset="0"/>
+                <a:cs typeface="Arial" panose="020B0604020202020204" pitchFamily="34" charset="0"/>
+              </a:rPr>
+              <a:t> </a:t>
+            </a:r>
+            <a:r>
+              <a:rPr lang="en-US" dirty="0" err="1">
+                <a:latin typeface="Arial" panose="020B0604020202020204" pitchFamily="34" charset="0"/>
+                <a:cs typeface="Arial" panose="020B0604020202020204" pitchFamily="34" charset="0"/>
+              </a:rPr>
+              <a:t>sổ</a:t>
+            </a:r>
+            <a:r>
+              <a:rPr lang="en-US" dirty="0">
+                <a:latin typeface="Arial" panose="020B0604020202020204" pitchFamily="34" charset="0"/>
+                <a:cs typeface="Arial" panose="020B0604020202020204" pitchFamily="34" charset="0"/>
+              </a:rPr>
+              <a:t> </a:t>
+            </a:r>
+            <a:r>
+              <a:rPr lang="en-US" dirty="0" err="1">
+                <a:latin typeface="Arial" panose="020B0604020202020204" pitchFamily="34" charset="0"/>
+                <a:cs typeface="Arial" panose="020B0604020202020204" pitchFamily="34" charset="0"/>
+              </a:rPr>
+              <a:t>tiếp</a:t>
+            </a:r>
+            <a:r>
+              <a:rPr lang="en-US" dirty="0">
+                <a:latin typeface="Arial" panose="020B0604020202020204" pitchFamily="34" charset="0"/>
+                <a:cs typeface="Arial" panose="020B0604020202020204" pitchFamily="34" charset="0"/>
+              </a:rPr>
+              <a:t> </a:t>
+            </a:r>
+            <a:r>
+              <a:rPr lang="en-US" dirty="0" err="1">
+                <a:latin typeface="Arial" panose="020B0604020202020204" pitchFamily="34" charset="0"/>
+                <a:cs typeface="Arial" panose="020B0604020202020204" pitchFamily="34" charset="0"/>
+              </a:rPr>
+              <a:t>theo</a:t>
+            </a:r>
+            <a:r>
+              <a:rPr lang="en-US" dirty="0">
+                <a:latin typeface="Arial" panose="020B0604020202020204" pitchFamily="34" charset="0"/>
+                <a:cs typeface="Arial" panose="020B0604020202020204" pitchFamily="34" charset="0"/>
+              </a:rPr>
+              <a:t> </a:t>
+            </a:r>
+            <a:r>
+              <a:rPr lang="en-US" dirty="0" err="1">
+                <a:latin typeface="Arial" panose="020B0604020202020204" pitchFamily="34" charset="0"/>
+                <a:cs typeface="Arial" panose="020B0604020202020204" pitchFamily="34" charset="0"/>
+              </a:rPr>
+              <a:t>vì</a:t>
+            </a:r>
+            <a:r>
+              <a:rPr lang="en-US" dirty="0">
+                <a:latin typeface="Arial" panose="020B0604020202020204" pitchFamily="34" charset="0"/>
+                <a:cs typeface="Arial" panose="020B0604020202020204" pitchFamily="34" charset="0"/>
+              </a:rPr>
+              <a:t> </a:t>
+            </a:r>
+            <a:r>
+              <a:rPr lang="en-US" dirty="0" err="1">
+                <a:latin typeface="Arial" panose="020B0604020202020204" pitchFamily="34" charset="0"/>
+                <a:cs typeface="Arial" panose="020B0604020202020204" pitchFamily="34" charset="0"/>
+              </a:rPr>
+              <a:t>vậy</a:t>
+            </a:r>
+            <a:r>
+              <a:rPr lang="en-US" dirty="0">
+                <a:latin typeface="Arial" panose="020B0604020202020204" pitchFamily="34" charset="0"/>
+                <a:cs typeface="Arial" panose="020B0604020202020204" pitchFamily="34" charset="0"/>
+              </a:rPr>
+              <a:t> </a:t>
+            </a:r>
+            <a:r>
+              <a:rPr lang="en-US" dirty="0" err="1">
+                <a:latin typeface="Arial" panose="020B0604020202020204" pitchFamily="34" charset="0"/>
+                <a:cs typeface="Arial" panose="020B0604020202020204" pitchFamily="34" charset="0"/>
+              </a:rPr>
+              <a:t>người</a:t>
+            </a:r>
+            <a:r>
+              <a:rPr lang="en-US" dirty="0">
+                <a:latin typeface="Arial" panose="020B0604020202020204" pitchFamily="34" charset="0"/>
+                <a:cs typeface="Arial" panose="020B0604020202020204" pitchFamily="34" charset="0"/>
+              </a:rPr>
+              <a:t> ta </a:t>
+            </a:r>
+            <a:r>
+              <a:rPr lang="en-US" dirty="0" err="1">
+                <a:latin typeface="Arial" panose="020B0604020202020204" pitchFamily="34" charset="0"/>
+                <a:cs typeface="Arial" panose="020B0604020202020204" pitchFamily="34" charset="0"/>
+              </a:rPr>
+              <a:t>gọi</a:t>
+            </a:r>
+            <a:r>
+              <a:rPr lang="en-US" dirty="0">
+                <a:latin typeface="Arial" panose="020B0604020202020204" pitchFamily="34" charset="0"/>
+                <a:cs typeface="Arial" panose="020B0604020202020204" pitchFamily="34" charset="0"/>
+              </a:rPr>
+              <a:t> </a:t>
+            </a:r>
+            <a:r>
+              <a:rPr lang="en-US" dirty="0" err="1">
+                <a:latin typeface="Arial" panose="020B0604020202020204" pitchFamily="34" charset="0"/>
+                <a:cs typeface="Arial" panose="020B0604020202020204" pitchFamily="34" charset="0"/>
+              </a:rPr>
+              <a:t>đó</a:t>
+            </a:r>
+            <a:r>
+              <a:rPr lang="en-US" dirty="0">
+                <a:latin typeface="Arial" panose="020B0604020202020204" pitchFamily="34" charset="0"/>
+                <a:cs typeface="Arial" panose="020B0604020202020204" pitchFamily="34" charset="0"/>
+              </a:rPr>
+              <a:t> </a:t>
+            </a:r>
+            <a:r>
+              <a:rPr lang="en-US" dirty="0" err="1">
+                <a:latin typeface="Arial" panose="020B0604020202020204" pitchFamily="34" charset="0"/>
+                <a:cs typeface="Arial" panose="020B0604020202020204" pitchFamily="34" charset="0"/>
+              </a:rPr>
+              <a:t>là</a:t>
+            </a:r>
+            <a:r>
+              <a:rPr lang="en-US" dirty="0">
+                <a:latin typeface="Arial" panose="020B0604020202020204" pitchFamily="34" charset="0"/>
+                <a:cs typeface="Arial" panose="020B0604020202020204" pitchFamily="34" charset="0"/>
+              </a:rPr>
+              <a:t> </a:t>
+            </a:r>
+            <a:r>
+              <a:rPr lang="en-US" dirty="0" err="1">
+                <a:latin typeface="Arial" panose="020B0604020202020204" pitchFamily="34" charset="0"/>
+                <a:cs typeface="Arial" panose="020B0604020202020204" pitchFamily="34" charset="0"/>
+              </a:rPr>
+              <a:t>cửa</a:t>
+            </a:r>
+            <a:r>
+              <a:rPr lang="en-US" dirty="0">
+                <a:latin typeface="Arial" panose="020B0604020202020204" pitchFamily="34" charset="0"/>
+                <a:cs typeface="Arial" panose="020B0604020202020204" pitchFamily="34" charset="0"/>
+              </a:rPr>
+              <a:t> </a:t>
+            </a:r>
+            <a:r>
+              <a:rPr lang="en-US" dirty="0" err="1">
+                <a:latin typeface="Arial" panose="020B0604020202020204" pitchFamily="34" charset="0"/>
+                <a:cs typeface="Arial" panose="020B0604020202020204" pitchFamily="34" charset="0"/>
+              </a:rPr>
+              <a:t>sổ</a:t>
+            </a:r>
+            <a:r>
+              <a:rPr lang="en-US" dirty="0">
+                <a:latin typeface="Arial" panose="020B0604020202020204" pitchFamily="34" charset="0"/>
+                <a:cs typeface="Arial" panose="020B0604020202020204" pitchFamily="34" charset="0"/>
+              </a:rPr>
+              <a:t> </a:t>
+            </a:r>
+            <a:r>
+              <a:rPr lang="en-US" dirty="0" err="1">
+                <a:latin typeface="Arial" panose="020B0604020202020204" pitchFamily="34" charset="0"/>
+                <a:cs typeface="Arial" panose="020B0604020202020204" pitchFamily="34" charset="0"/>
+              </a:rPr>
+              <a:t>trượt</a:t>
+            </a:r>
+            <a:r>
+              <a:rPr lang="en-US" dirty="0">
+                <a:latin typeface="Arial" panose="020B0604020202020204" pitchFamily="34" charset="0"/>
+                <a:cs typeface="Arial" panose="020B0604020202020204" pitchFamily="34" charset="0"/>
+              </a:rPr>
+              <a:t>.</a:t>
+            </a:r>
+          </a:p>
+          <a:p>
+            <a:pPr marL="285750" indent="-285750">
+              <a:buFontTx/>
+              <a:buChar char="-"/>
+            </a:pPr>
+            <a:r>
+              <a:rPr lang="en-US" dirty="0" err="1">
+                <a:latin typeface="Arial" panose="020B0604020202020204" pitchFamily="34" charset="0"/>
+                <a:cs typeface="Arial" panose="020B0604020202020204" pitchFamily="34" charset="0"/>
+              </a:rPr>
+              <a:t>Cả</a:t>
+            </a:r>
+            <a:r>
+              <a:rPr lang="en-US" dirty="0">
+                <a:latin typeface="Arial" panose="020B0604020202020204" pitchFamily="34" charset="0"/>
+                <a:cs typeface="Arial" panose="020B0604020202020204" pitchFamily="34" charset="0"/>
+              </a:rPr>
+              <a:t> </a:t>
+            </a:r>
+            <a:r>
+              <a:rPr lang="en-US" dirty="0" err="1">
+                <a:latin typeface="Arial" panose="020B0604020202020204" pitchFamily="34" charset="0"/>
+                <a:cs typeface="Arial" panose="020B0604020202020204" pitchFamily="34" charset="0"/>
+              </a:rPr>
+              <a:t>phía</a:t>
+            </a:r>
+            <a:r>
+              <a:rPr lang="en-US" dirty="0">
+                <a:latin typeface="Arial" panose="020B0604020202020204" pitchFamily="34" charset="0"/>
+                <a:cs typeface="Arial" panose="020B0604020202020204" pitchFamily="34" charset="0"/>
+              </a:rPr>
+              <a:t> </a:t>
+            </a:r>
+            <a:r>
+              <a:rPr lang="en-US" dirty="0" err="1">
+                <a:latin typeface="Arial" panose="020B0604020202020204" pitchFamily="34" charset="0"/>
+                <a:cs typeface="Arial" panose="020B0604020202020204" pitchFamily="34" charset="0"/>
+              </a:rPr>
+              <a:t>phát</a:t>
+            </a:r>
+            <a:r>
+              <a:rPr lang="en-US" dirty="0">
+                <a:latin typeface="Arial" panose="020B0604020202020204" pitchFamily="34" charset="0"/>
+                <a:cs typeface="Arial" panose="020B0604020202020204" pitchFamily="34" charset="0"/>
+              </a:rPr>
+              <a:t> </a:t>
+            </a:r>
+            <a:r>
+              <a:rPr lang="en-US" dirty="0" err="1">
+                <a:latin typeface="Arial" panose="020B0604020202020204" pitchFamily="34" charset="0"/>
+                <a:cs typeface="Arial" panose="020B0604020202020204" pitchFamily="34" charset="0"/>
+              </a:rPr>
+              <a:t>và</a:t>
+            </a:r>
+            <a:r>
+              <a:rPr lang="en-US" dirty="0">
+                <a:latin typeface="Arial" panose="020B0604020202020204" pitchFamily="34" charset="0"/>
+                <a:cs typeface="Arial" panose="020B0604020202020204" pitchFamily="34" charset="0"/>
+              </a:rPr>
+              <a:t> </a:t>
+            </a:r>
+            <a:r>
+              <a:rPr lang="en-US" dirty="0" err="1">
+                <a:latin typeface="Arial" panose="020B0604020202020204" pitchFamily="34" charset="0"/>
+                <a:cs typeface="Arial" panose="020B0604020202020204" pitchFamily="34" charset="0"/>
+              </a:rPr>
+              <a:t>phía</a:t>
+            </a:r>
+            <a:r>
+              <a:rPr lang="en-US" dirty="0">
+                <a:latin typeface="Arial" panose="020B0604020202020204" pitchFamily="34" charset="0"/>
+                <a:cs typeface="Arial" panose="020B0604020202020204" pitchFamily="34" charset="0"/>
+              </a:rPr>
+              <a:t> </a:t>
+            </a:r>
+            <a:r>
+              <a:rPr lang="en-US" dirty="0" err="1">
+                <a:latin typeface="Arial" panose="020B0604020202020204" pitchFamily="34" charset="0"/>
+                <a:cs typeface="Arial" panose="020B0604020202020204" pitchFamily="34" charset="0"/>
+              </a:rPr>
+              <a:t>thu</a:t>
+            </a:r>
+            <a:r>
+              <a:rPr lang="en-US" dirty="0">
+                <a:latin typeface="Arial" panose="020B0604020202020204" pitchFamily="34" charset="0"/>
+                <a:cs typeface="Arial" panose="020B0604020202020204" pitchFamily="34" charset="0"/>
+              </a:rPr>
+              <a:t> </a:t>
+            </a:r>
+            <a:r>
+              <a:rPr lang="en-US" dirty="0" err="1">
+                <a:latin typeface="Arial" panose="020B0604020202020204" pitchFamily="34" charset="0"/>
+                <a:cs typeface="Arial" panose="020B0604020202020204" pitchFamily="34" charset="0"/>
+              </a:rPr>
+              <a:t>đều</a:t>
+            </a:r>
+            <a:r>
+              <a:rPr lang="en-US" dirty="0">
+                <a:latin typeface="Arial" panose="020B0604020202020204" pitchFamily="34" charset="0"/>
+                <a:cs typeface="Arial" panose="020B0604020202020204" pitchFamily="34" charset="0"/>
+              </a:rPr>
+              <a:t> </a:t>
+            </a:r>
+            <a:r>
+              <a:rPr lang="en-US" dirty="0" err="1">
+                <a:latin typeface="Arial" panose="020B0604020202020204" pitchFamily="34" charset="0"/>
+                <a:cs typeface="Arial" panose="020B0604020202020204" pitchFamily="34" charset="0"/>
+              </a:rPr>
+              <a:t>sử</a:t>
+            </a:r>
+            <a:r>
+              <a:rPr lang="en-US" dirty="0">
+                <a:latin typeface="Arial" panose="020B0604020202020204" pitchFamily="34" charset="0"/>
+                <a:cs typeface="Arial" panose="020B0604020202020204" pitchFamily="34" charset="0"/>
+              </a:rPr>
+              <a:t> </a:t>
+            </a:r>
+            <a:r>
+              <a:rPr lang="en-US" dirty="0" err="1">
+                <a:latin typeface="Arial" panose="020B0604020202020204" pitchFamily="34" charset="0"/>
+                <a:cs typeface="Arial" panose="020B0604020202020204" pitchFamily="34" charset="0"/>
+              </a:rPr>
+              <a:t>dụng</a:t>
+            </a:r>
+            <a:r>
+              <a:rPr lang="en-US" dirty="0">
+                <a:latin typeface="Arial" panose="020B0604020202020204" pitchFamily="34" charset="0"/>
+                <a:cs typeface="Arial" panose="020B0604020202020204" pitchFamily="34" charset="0"/>
+              </a:rPr>
+              <a:t> </a:t>
+            </a:r>
+            <a:r>
+              <a:rPr lang="en-US" dirty="0" err="1">
+                <a:latin typeface="Arial" panose="020B0604020202020204" pitchFamily="34" charset="0"/>
+                <a:cs typeface="Arial" panose="020B0604020202020204" pitchFamily="34" charset="0"/>
+              </a:rPr>
+              <a:t>cửa</a:t>
+            </a:r>
+            <a:r>
+              <a:rPr lang="en-US" dirty="0">
+                <a:latin typeface="Arial" panose="020B0604020202020204" pitchFamily="34" charset="0"/>
+                <a:cs typeface="Arial" panose="020B0604020202020204" pitchFamily="34" charset="0"/>
+              </a:rPr>
+              <a:t> </a:t>
+            </a:r>
+            <a:r>
+              <a:rPr lang="en-US" dirty="0" err="1">
+                <a:latin typeface="Arial" panose="020B0604020202020204" pitchFamily="34" charset="0"/>
+                <a:cs typeface="Arial" panose="020B0604020202020204" pitchFamily="34" charset="0"/>
+              </a:rPr>
+              <a:t>sổ</a:t>
+            </a:r>
+            <a:r>
+              <a:rPr lang="en-US" dirty="0">
+                <a:latin typeface="Arial" panose="020B0604020202020204" pitchFamily="34" charset="0"/>
+                <a:cs typeface="Arial" panose="020B0604020202020204" pitchFamily="34" charset="0"/>
+              </a:rPr>
+              <a:t> </a:t>
+            </a:r>
+            <a:r>
+              <a:rPr lang="en-US" dirty="0" err="1">
+                <a:latin typeface="Arial" panose="020B0604020202020204" pitchFamily="34" charset="0"/>
+                <a:cs typeface="Arial" panose="020B0604020202020204" pitchFamily="34" charset="0"/>
+              </a:rPr>
+              <a:t>trượt</a:t>
+            </a:r>
+            <a:r>
+              <a:rPr lang="en-US" dirty="0">
+                <a:latin typeface="Arial" panose="020B0604020202020204" pitchFamily="34" charset="0"/>
+                <a:cs typeface="Arial" panose="020B0604020202020204" pitchFamily="34" charset="0"/>
+              </a:rPr>
+              <a:t> </a:t>
+            </a:r>
+            <a:r>
+              <a:rPr lang="en-US" dirty="0" err="1">
+                <a:latin typeface="Arial" panose="020B0604020202020204" pitchFamily="34" charset="0"/>
+                <a:cs typeface="Arial" panose="020B0604020202020204" pitchFamily="34" charset="0"/>
+              </a:rPr>
+              <a:t>khi</a:t>
+            </a:r>
+            <a:r>
+              <a:rPr lang="en-US" dirty="0">
+                <a:latin typeface="Arial" panose="020B0604020202020204" pitchFamily="34" charset="0"/>
+                <a:cs typeface="Arial" panose="020B0604020202020204" pitchFamily="34" charset="0"/>
+              </a:rPr>
+              <a:t> </a:t>
+            </a:r>
+            <a:r>
+              <a:rPr lang="en-US" dirty="0" err="1">
+                <a:latin typeface="Arial" panose="020B0604020202020204" pitchFamily="34" charset="0"/>
+                <a:cs typeface="Arial" panose="020B0604020202020204" pitchFamily="34" charset="0"/>
+              </a:rPr>
+              <a:t>truyền</a:t>
+            </a:r>
+            <a:r>
+              <a:rPr lang="en-US" dirty="0">
+                <a:latin typeface="Arial" panose="020B0604020202020204" pitchFamily="34" charset="0"/>
+                <a:cs typeface="Arial" panose="020B0604020202020204" pitchFamily="34" charset="0"/>
+              </a:rPr>
+              <a:t> </a:t>
+            </a:r>
+            <a:r>
+              <a:rPr lang="en-US" dirty="0" err="1">
+                <a:latin typeface="Arial" panose="020B0604020202020204" pitchFamily="34" charset="0"/>
+                <a:cs typeface="Arial" panose="020B0604020202020204" pitchFamily="34" charset="0"/>
+              </a:rPr>
+              <a:t>dữ</a:t>
+            </a:r>
+            <a:r>
+              <a:rPr lang="en-US" dirty="0">
+                <a:latin typeface="Arial" panose="020B0604020202020204" pitchFamily="34" charset="0"/>
+                <a:cs typeface="Arial" panose="020B0604020202020204" pitchFamily="34" charset="0"/>
+              </a:rPr>
+              <a:t> </a:t>
+            </a:r>
+            <a:r>
+              <a:rPr lang="en-US" dirty="0" err="1">
+                <a:latin typeface="Arial" panose="020B0604020202020204" pitchFamily="34" charset="0"/>
+                <a:cs typeface="Arial" panose="020B0604020202020204" pitchFamily="34" charset="0"/>
+              </a:rPr>
+              <a:t>liệu</a:t>
+            </a:r>
+            <a:r>
+              <a:rPr lang="en-US" dirty="0">
+                <a:latin typeface="Arial" panose="020B0604020202020204" pitchFamily="34" charset="0"/>
+                <a:cs typeface="Arial" panose="020B0604020202020204" pitchFamily="34" charset="0"/>
+              </a:rPr>
+              <a:t>, </a:t>
+            </a:r>
+            <a:r>
+              <a:rPr lang="en-US" dirty="0" err="1">
+                <a:latin typeface="Arial" panose="020B0604020202020204" pitchFamily="34" charset="0"/>
+                <a:cs typeface="Arial" panose="020B0604020202020204" pitchFamily="34" charset="0"/>
+              </a:rPr>
+              <a:t>cửa</a:t>
+            </a:r>
+            <a:r>
+              <a:rPr lang="en-US" dirty="0">
+                <a:latin typeface="Arial" panose="020B0604020202020204" pitchFamily="34" charset="0"/>
+                <a:cs typeface="Arial" panose="020B0604020202020204" pitchFamily="34" charset="0"/>
+              </a:rPr>
+              <a:t> </a:t>
+            </a:r>
+            <a:r>
+              <a:rPr lang="en-US" dirty="0" err="1">
+                <a:latin typeface="Arial" panose="020B0604020202020204" pitchFamily="34" charset="0"/>
+                <a:cs typeface="Arial" panose="020B0604020202020204" pitchFamily="34" charset="0"/>
+              </a:rPr>
+              <a:t>sổ</a:t>
+            </a:r>
+            <a:r>
+              <a:rPr lang="en-US" dirty="0">
+                <a:latin typeface="Arial" panose="020B0604020202020204" pitchFamily="34" charset="0"/>
+                <a:cs typeface="Arial" panose="020B0604020202020204" pitchFamily="34" charset="0"/>
+              </a:rPr>
+              <a:t> </a:t>
+            </a:r>
+            <a:r>
+              <a:rPr lang="en-US" dirty="0" err="1">
+                <a:latin typeface="Arial" panose="020B0604020202020204" pitchFamily="34" charset="0"/>
+                <a:cs typeface="Arial" panose="020B0604020202020204" pitchFamily="34" charset="0"/>
+              </a:rPr>
+              <a:t>trượt</a:t>
+            </a:r>
+            <a:r>
+              <a:rPr lang="en-US" dirty="0">
+                <a:latin typeface="Arial" panose="020B0604020202020204" pitchFamily="34" charset="0"/>
+                <a:cs typeface="Arial" panose="020B0604020202020204" pitchFamily="34" charset="0"/>
+              </a:rPr>
+              <a:t> ở </a:t>
+            </a:r>
+            <a:r>
+              <a:rPr lang="en-US" dirty="0" err="1">
+                <a:latin typeface="Arial" panose="020B0604020202020204" pitchFamily="34" charset="0"/>
+                <a:cs typeface="Arial" panose="020B0604020202020204" pitchFamily="34" charset="0"/>
+              </a:rPr>
+              <a:t>đầu</a:t>
+            </a:r>
+            <a:r>
+              <a:rPr lang="en-US" dirty="0">
+                <a:latin typeface="Arial" panose="020B0604020202020204" pitchFamily="34" charset="0"/>
+                <a:cs typeface="Arial" panose="020B0604020202020204" pitchFamily="34" charset="0"/>
+              </a:rPr>
+              <a:t> </a:t>
+            </a:r>
+            <a:r>
+              <a:rPr lang="en-US" dirty="0" err="1">
+                <a:latin typeface="Arial" panose="020B0604020202020204" pitchFamily="34" charset="0"/>
+                <a:cs typeface="Arial" panose="020B0604020202020204" pitchFamily="34" charset="0"/>
+              </a:rPr>
+              <a:t>phát</a:t>
+            </a:r>
+            <a:r>
+              <a:rPr lang="en-US" dirty="0">
+                <a:latin typeface="Arial" panose="020B0604020202020204" pitchFamily="34" charset="0"/>
+                <a:cs typeface="Arial" panose="020B0604020202020204" pitchFamily="34" charset="0"/>
+              </a:rPr>
+              <a:t> </a:t>
+            </a:r>
+            <a:r>
+              <a:rPr lang="en-US" dirty="0" err="1">
+                <a:latin typeface="Arial" panose="020B0604020202020204" pitchFamily="34" charset="0"/>
+                <a:cs typeface="Arial" panose="020B0604020202020204" pitchFamily="34" charset="0"/>
+              </a:rPr>
+              <a:t>thì</a:t>
+            </a:r>
+            <a:r>
+              <a:rPr lang="en-US" dirty="0">
+                <a:latin typeface="Arial" panose="020B0604020202020204" pitchFamily="34" charset="0"/>
+                <a:cs typeface="Arial" panose="020B0604020202020204" pitchFamily="34" charset="0"/>
+              </a:rPr>
+              <a:t> </a:t>
+            </a:r>
+            <a:r>
+              <a:rPr lang="en-US" dirty="0" err="1">
+                <a:latin typeface="Arial" panose="020B0604020202020204" pitchFamily="34" charset="0"/>
+                <a:cs typeface="Arial" panose="020B0604020202020204" pitchFamily="34" charset="0"/>
+              </a:rPr>
+              <a:t>gọi</a:t>
+            </a:r>
+            <a:r>
+              <a:rPr lang="en-US" dirty="0">
+                <a:latin typeface="Arial" panose="020B0604020202020204" pitchFamily="34" charset="0"/>
+                <a:cs typeface="Arial" panose="020B0604020202020204" pitchFamily="34" charset="0"/>
+              </a:rPr>
+              <a:t> </a:t>
+            </a:r>
+            <a:r>
+              <a:rPr lang="en-US" dirty="0" err="1">
+                <a:latin typeface="Arial" panose="020B0604020202020204" pitchFamily="34" charset="0"/>
+                <a:cs typeface="Arial" panose="020B0604020202020204" pitchFamily="34" charset="0"/>
+              </a:rPr>
+              <a:t>là</a:t>
+            </a:r>
+            <a:r>
+              <a:rPr lang="en-US" dirty="0">
+                <a:latin typeface="Arial" panose="020B0604020202020204" pitchFamily="34" charset="0"/>
+                <a:cs typeface="Arial" panose="020B0604020202020204" pitchFamily="34" charset="0"/>
+              </a:rPr>
+              <a:t> </a:t>
+            </a:r>
+            <a:r>
+              <a:rPr lang="en-US" dirty="0" err="1">
+                <a:latin typeface="Arial" panose="020B0604020202020204" pitchFamily="34" charset="0"/>
+                <a:cs typeface="Arial" panose="020B0604020202020204" pitchFamily="34" charset="0"/>
+              </a:rPr>
+              <a:t>cửa</a:t>
+            </a:r>
+            <a:r>
+              <a:rPr lang="en-US" dirty="0">
+                <a:latin typeface="Arial" panose="020B0604020202020204" pitchFamily="34" charset="0"/>
+                <a:cs typeface="Arial" panose="020B0604020202020204" pitchFamily="34" charset="0"/>
+              </a:rPr>
+              <a:t> </a:t>
+            </a:r>
+            <a:r>
+              <a:rPr lang="en-US" dirty="0" err="1">
+                <a:latin typeface="Arial" panose="020B0604020202020204" pitchFamily="34" charset="0"/>
+                <a:cs typeface="Arial" panose="020B0604020202020204" pitchFamily="34" charset="0"/>
+              </a:rPr>
+              <a:t>sổ</a:t>
+            </a:r>
+            <a:r>
+              <a:rPr lang="en-US" dirty="0">
+                <a:latin typeface="Arial" panose="020B0604020202020204" pitchFamily="34" charset="0"/>
+                <a:cs typeface="Arial" panose="020B0604020202020204" pitchFamily="34" charset="0"/>
+              </a:rPr>
+              <a:t> </a:t>
+            </a:r>
+            <a:r>
+              <a:rPr lang="en-US" dirty="0" err="1">
+                <a:latin typeface="Arial" panose="020B0604020202020204" pitchFamily="34" charset="0"/>
+                <a:cs typeface="Arial" panose="020B0604020202020204" pitchFamily="34" charset="0"/>
+              </a:rPr>
+              <a:t>truyền</a:t>
+            </a:r>
+            <a:r>
+              <a:rPr lang="en-US" dirty="0">
+                <a:latin typeface="Arial" panose="020B0604020202020204" pitchFamily="34" charset="0"/>
+                <a:cs typeface="Arial" panose="020B0604020202020204" pitchFamily="34" charset="0"/>
+              </a:rPr>
+              <a:t>(Sending </a:t>
+            </a:r>
+            <a:r>
+              <a:rPr lang="en-US" dirty="0" err="1">
+                <a:latin typeface="Arial" panose="020B0604020202020204" pitchFamily="34" charset="0"/>
+                <a:cs typeface="Arial" panose="020B0604020202020204" pitchFamily="34" charset="0"/>
+              </a:rPr>
+              <a:t>Windown</a:t>
+            </a:r>
+            <a:r>
+              <a:rPr lang="en-US" dirty="0">
+                <a:latin typeface="Arial" panose="020B0604020202020204" pitchFamily="34" charset="0"/>
+                <a:cs typeface="Arial" panose="020B0604020202020204" pitchFamily="34" charset="0"/>
+              </a:rPr>
+              <a:t>), </a:t>
+            </a:r>
+            <a:r>
+              <a:rPr lang="en-US" dirty="0" err="1">
+                <a:latin typeface="Arial" panose="020B0604020202020204" pitchFamily="34" charset="0"/>
+                <a:cs typeface="Arial" panose="020B0604020202020204" pitchFamily="34" charset="0"/>
+              </a:rPr>
+              <a:t>còn</a:t>
+            </a:r>
+            <a:r>
+              <a:rPr lang="en-US" dirty="0">
+                <a:latin typeface="Arial" panose="020B0604020202020204" pitchFamily="34" charset="0"/>
+                <a:cs typeface="Arial" panose="020B0604020202020204" pitchFamily="34" charset="0"/>
+              </a:rPr>
+              <a:t> </a:t>
+            </a:r>
+            <a:r>
+              <a:rPr lang="en-US" dirty="0" err="1">
+                <a:latin typeface="Arial" panose="020B0604020202020204" pitchFamily="34" charset="0"/>
+                <a:cs typeface="Arial" panose="020B0604020202020204" pitchFamily="34" charset="0"/>
+              </a:rPr>
+              <a:t>đầu</a:t>
+            </a:r>
+            <a:r>
+              <a:rPr lang="en-US" dirty="0">
+                <a:latin typeface="Arial" panose="020B0604020202020204" pitchFamily="34" charset="0"/>
+                <a:cs typeface="Arial" panose="020B0604020202020204" pitchFamily="34" charset="0"/>
+              </a:rPr>
+              <a:t> </a:t>
+            </a:r>
+            <a:r>
+              <a:rPr lang="en-US" dirty="0" err="1">
+                <a:latin typeface="Arial" panose="020B0604020202020204" pitchFamily="34" charset="0"/>
+                <a:cs typeface="Arial" panose="020B0604020202020204" pitchFamily="34" charset="0"/>
+              </a:rPr>
+              <a:t>thu</a:t>
+            </a:r>
+            <a:r>
+              <a:rPr lang="en-US" dirty="0">
+                <a:latin typeface="Arial" panose="020B0604020202020204" pitchFamily="34" charset="0"/>
+                <a:cs typeface="Arial" panose="020B0604020202020204" pitchFamily="34" charset="0"/>
+              </a:rPr>
+              <a:t> </a:t>
+            </a:r>
+            <a:r>
+              <a:rPr lang="en-US" dirty="0" err="1">
+                <a:latin typeface="Arial" panose="020B0604020202020204" pitchFamily="34" charset="0"/>
+                <a:cs typeface="Arial" panose="020B0604020202020204" pitchFamily="34" charset="0"/>
+              </a:rPr>
+              <a:t>thì</a:t>
+            </a:r>
+            <a:r>
+              <a:rPr lang="en-US" dirty="0">
+                <a:latin typeface="Arial" panose="020B0604020202020204" pitchFamily="34" charset="0"/>
+                <a:cs typeface="Arial" panose="020B0604020202020204" pitchFamily="34" charset="0"/>
+              </a:rPr>
+              <a:t> </a:t>
+            </a:r>
+            <a:r>
+              <a:rPr lang="en-US" dirty="0" err="1">
+                <a:latin typeface="Arial" panose="020B0604020202020204" pitchFamily="34" charset="0"/>
+                <a:cs typeface="Arial" panose="020B0604020202020204" pitchFamily="34" charset="0"/>
+              </a:rPr>
+              <a:t>gọi</a:t>
+            </a:r>
+            <a:r>
+              <a:rPr lang="en-US" dirty="0">
+                <a:latin typeface="Arial" panose="020B0604020202020204" pitchFamily="34" charset="0"/>
+                <a:cs typeface="Arial" panose="020B0604020202020204" pitchFamily="34" charset="0"/>
+              </a:rPr>
+              <a:t> </a:t>
+            </a:r>
+            <a:r>
+              <a:rPr lang="en-US" dirty="0" err="1">
+                <a:latin typeface="Arial" panose="020B0604020202020204" pitchFamily="34" charset="0"/>
+                <a:cs typeface="Arial" panose="020B0604020202020204" pitchFamily="34" charset="0"/>
+              </a:rPr>
+              <a:t>là</a:t>
+            </a:r>
+            <a:r>
+              <a:rPr lang="en-US" dirty="0">
+                <a:latin typeface="Arial" panose="020B0604020202020204" pitchFamily="34" charset="0"/>
+                <a:cs typeface="Arial" panose="020B0604020202020204" pitchFamily="34" charset="0"/>
+              </a:rPr>
+              <a:t> </a:t>
+            </a:r>
+            <a:r>
+              <a:rPr lang="en-US" dirty="0" err="1">
+                <a:latin typeface="Arial" panose="020B0604020202020204" pitchFamily="34" charset="0"/>
+                <a:cs typeface="Arial" panose="020B0604020202020204" pitchFamily="34" charset="0"/>
+              </a:rPr>
+              <a:t>cửa</a:t>
+            </a:r>
+            <a:r>
+              <a:rPr lang="en-US" dirty="0">
+                <a:latin typeface="Arial" panose="020B0604020202020204" pitchFamily="34" charset="0"/>
+                <a:cs typeface="Arial" panose="020B0604020202020204" pitchFamily="34" charset="0"/>
+              </a:rPr>
+              <a:t> </a:t>
+            </a:r>
+            <a:r>
+              <a:rPr lang="en-US" dirty="0" err="1">
+                <a:latin typeface="Arial" panose="020B0604020202020204" pitchFamily="34" charset="0"/>
+                <a:cs typeface="Arial" panose="020B0604020202020204" pitchFamily="34" charset="0"/>
+              </a:rPr>
+              <a:t>sổ</a:t>
+            </a:r>
+            <a:r>
+              <a:rPr lang="en-US" dirty="0">
+                <a:latin typeface="Arial" panose="020B0604020202020204" pitchFamily="34" charset="0"/>
+                <a:cs typeface="Arial" panose="020B0604020202020204" pitchFamily="34" charset="0"/>
+              </a:rPr>
+              <a:t> </a:t>
+            </a:r>
+            <a:r>
+              <a:rPr lang="en-US" dirty="0" err="1">
+                <a:latin typeface="Arial" panose="020B0604020202020204" pitchFamily="34" charset="0"/>
+                <a:cs typeface="Arial" panose="020B0604020202020204" pitchFamily="34" charset="0"/>
+              </a:rPr>
+              <a:t>nhận</a:t>
+            </a:r>
+            <a:r>
+              <a:rPr lang="en-US" dirty="0">
+                <a:latin typeface="Arial" panose="020B0604020202020204" pitchFamily="34" charset="0"/>
+                <a:cs typeface="Arial" panose="020B0604020202020204" pitchFamily="34" charset="0"/>
+              </a:rPr>
+              <a:t> (Receiving </a:t>
+            </a:r>
+            <a:r>
+              <a:rPr lang="en-US" dirty="0" err="1">
+                <a:latin typeface="Arial" panose="020B0604020202020204" pitchFamily="34" charset="0"/>
+                <a:cs typeface="Arial" panose="020B0604020202020204" pitchFamily="34" charset="0"/>
+              </a:rPr>
+              <a:t>Windown</a:t>
+            </a:r>
+            <a:r>
+              <a:rPr lang="en-US" dirty="0">
+                <a:latin typeface="Arial" panose="020B0604020202020204" pitchFamily="34" charset="0"/>
+                <a:cs typeface="Arial" panose="020B0604020202020204" pitchFamily="34" charset="0"/>
+              </a:rPr>
+              <a:t>)</a:t>
+            </a:r>
           </a:p>
         </p:txBody>
       </p:sp>
       <p:pic>
         <p:nvPicPr>
-          <p:cNvPr id="1030" name="Picture 6">
+          <p:cNvPr id="1026" name="Picture 2" descr="Tự học CCNA - Bài 4: Tìm hiểu về giao thức TCP và UDP - Technology Diver">
             <a:extLst>
               <a:ext uri="{FF2B5EF4-FFF2-40B4-BE49-F238E27FC236}">
-                <a16:creationId xmlns:a16="http://schemas.microsoft.com/office/drawing/2014/main" id="{4DF0FA5F-A365-4F3D-A973-2E30CB52E4CF}"/>
+                <a16:creationId xmlns:a16="http://schemas.microsoft.com/office/drawing/2014/main" id="{F6384D06-62C8-46BD-99A5-D9B907E0D116}"/>
               </a:ext>
             </a:extLst>
           </p:cNvPr>
@@ -6446,8 +7876,8 @@
         </p:blipFill>
         <p:spPr bwMode="auto">
           <a:xfrm>
-            <a:off x="2755900" y="2484756"/>
-            <a:ext cx="6146800" cy="4106334"/>
+            <a:off x="3862388" y="3403378"/>
+            <a:ext cx="5856203" cy="3359372"/>
           </a:xfrm>
           <a:prstGeom prst="rect">
             <a:avLst/>
@@ -6631,7 +8061,7 @@
                             </p:stCondLst>
                             <p:childTnLst>
                               <p:par>
-                                <p:cTn id="15" presetID="42" presetClass="entr" presetSubtype="0" fill="hold" nodeType="clickEffect">
+                                <p:cTn id="15" presetID="2" presetClass="entr" presetSubtype="4" fill="hold" nodeType="clickEffect">
                                   <p:stCondLst>
                                     <p:cond delay="0"/>
                                   </p:stCondLst>
@@ -6644,7 +8074,7 @@
                                           </p:stCondLst>
                                         </p:cTn>
                                         <p:tgtEl>
-                                          <p:spTgt spid="1030"/>
+                                          <p:spTgt spid="1026"/>
                                         </p:tgtEl>
                                         <p:attrNameLst>
                                           <p:attrName>style.visibility</p:attrName>
@@ -6654,19 +8084,11 @@
                                         <p:strVal val="visible"/>
                                       </p:to>
                                     </p:set>
-                                    <p:animEffect transition="in" filter="fade">
-                                      <p:cBhvr>
-                                        <p:cTn id="17" dur="1000"/>
+                                    <p:anim calcmode="lin" valueType="num">
+                                      <p:cBhvr additive="base">
+                                        <p:cTn id="17" dur="500" fill="hold"/>
                                         <p:tgtEl>
-                                          <p:spTgt spid="1030"/>
-                                        </p:tgtEl>
-                                      </p:cBhvr>
-                                    </p:animEffect>
-                                    <p:anim calcmode="lin" valueType="num">
-                                      <p:cBhvr>
-                                        <p:cTn id="18" dur="1000" fill="hold"/>
-                                        <p:tgtEl>
-                                          <p:spTgt spid="1030"/>
+                                          <p:spTgt spid="1026"/>
                                         </p:tgtEl>
                                         <p:attrNameLst>
                                           <p:attrName>ppt_x</p:attrName>
@@ -6686,10 +8108,10 @@
                                       </p:tavLst>
                                     </p:anim>
                                     <p:anim calcmode="lin" valueType="num">
-                                      <p:cBhvr>
-                                        <p:cTn id="19" dur="1000" fill="hold"/>
+                                      <p:cBhvr additive="base">
+                                        <p:cTn id="18" dur="500" fill="hold"/>
                                         <p:tgtEl>
-                                          <p:spTgt spid="1030"/>
+                                          <p:spTgt spid="1026"/>
                                         </p:tgtEl>
                                         <p:attrNameLst>
                                           <p:attrName>ppt_y</p:attrName>
@@ -6698,7 +8120,7 @@
                                       <p:tavLst>
                                         <p:tav tm="0">
                                           <p:val>
-                                            <p:strVal val="#ppt_y+.1"/>
+                                            <p:strVal val="1+#ppt_h/2"/>
                                           </p:val>
                                         </p:tav>
                                         <p:tav tm="100000">
@@ -6883,7 +8305,7 @@
         <p:spPr>
           <a:xfrm>
             <a:off x="1120775" y="1006182"/>
-            <a:ext cx="9661525" cy="2308324"/>
+            <a:ext cx="9661525" cy="1477328"/>
           </a:xfrm>
           <a:prstGeom prst="rect">
             <a:avLst/>
@@ -6905,21 +8327,91 @@
                 <a:latin typeface="Arial" panose="020B0604020202020204" pitchFamily="34" charset="0"/>
                 <a:cs typeface="Arial" panose="020B0604020202020204" pitchFamily="34" charset="0"/>
               </a:rPr>
-              <a:t>Sử</a:t>
-            </a:r>
-            <a:r>
-              <a:rPr lang="en-US" dirty="0">
-                <a:latin typeface="Arial" panose="020B0604020202020204" pitchFamily="34" charset="0"/>
-                <a:cs typeface="Arial" panose="020B0604020202020204" pitchFamily="34" charset="0"/>
-              </a:rPr>
-              <a:t> </a:t>
-            </a:r>
-            <a:r>
-              <a:rPr lang="en-US" dirty="0" err="1">
-                <a:latin typeface="Arial" panose="020B0604020202020204" pitchFamily="34" charset="0"/>
-                <a:cs typeface="Arial" panose="020B0604020202020204" pitchFamily="34" charset="0"/>
-              </a:rPr>
-              <a:t>dụng</a:t>
+              <a:t>Trong</a:t>
+            </a:r>
+            <a:r>
+              <a:rPr lang="en-US" dirty="0">
+                <a:latin typeface="Arial" panose="020B0604020202020204" pitchFamily="34" charset="0"/>
+                <a:cs typeface="Arial" panose="020B0604020202020204" pitchFamily="34" charset="0"/>
+              </a:rPr>
+              <a:t> </a:t>
+            </a:r>
+            <a:r>
+              <a:rPr lang="en-US" dirty="0" err="1">
+                <a:latin typeface="Arial" panose="020B0604020202020204" pitchFamily="34" charset="0"/>
+                <a:cs typeface="Arial" panose="020B0604020202020204" pitchFamily="34" charset="0"/>
+              </a:rPr>
+              <a:t>trường</a:t>
+            </a:r>
+            <a:r>
+              <a:rPr lang="en-US" dirty="0">
+                <a:latin typeface="Arial" panose="020B0604020202020204" pitchFamily="34" charset="0"/>
+                <a:cs typeface="Arial" panose="020B0604020202020204" pitchFamily="34" charset="0"/>
+              </a:rPr>
+              <a:t> </a:t>
+            </a:r>
+            <a:r>
+              <a:rPr lang="en-US" dirty="0" err="1">
+                <a:latin typeface="Arial" panose="020B0604020202020204" pitchFamily="34" charset="0"/>
+                <a:cs typeface="Arial" panose="020B0604020202020204" pitchFamily="34" charset="0"/>
+              </a:rPr>
+              <a:t>hợp</a:t>
+            </a:r>
+            <a:r>
+              <a:rPr lang="en-US" dirty="0">
+                <a:latin typeface="Arial" panose="020B0604020202020204" pitchFamily="34" charset="0"/>
+                <a:cs typeface="Arial" panose="020B0604020202020204" pitchFamily="34" charset="0"/>
+              </a:rPr>
+              <a:t> </a:t>
+            </a:r>
+            <a:r>
+              <a:rPr lang="en-US" dirty="0" err="1">
+                <a:latin typeface="Arial" panose="020B0604020202020204" pitchFamily="34" charset="0"/>
+                <a:cs typeface="Arial" panose="020B0604020202020204" pitchFamily="34" charset="0"/>
+              </a:rPr>
+              <a:t>tổng</a:t>
+            </a:r>
+            <a:r>
+              <a:rPr lang="en-US" dirty="0">
+                <a:latin typeface="Arial" panose="020B0604020202020204" pitchFamily="34" charset="0"/>
+                <a:cs typeface="Arial" panose="020B0604020202020204" pitchFamily="34" charset="0"/>
+              </a:rPr>
+              <a:t> </a:t>
+            </a:r>
+            <a:r>
+              <a:rPr lang="en-US" dirty="0" err="1">
+                <a:latin typeface="Arial" panose="020B0604020202020204" pitchFamily="34" charset="0"/>
+                <a:cs typeface="Arial" panose="020B0604020202020204" pitchFamily="34" charset="0"/>
+              </a:rPr>
+              <a:t>quát</a:t>
+            </a:r>
+            <a:r>
+              <a:rPr lang="en-US" dirty="0">
+                <a:latin typeface="Arial" panose="020B0604020202020204" pitchFamily="34" charset="0"/>
+                <a:cs typeface="Arial" panose="020B0604020202020204" pitchFamily="34" charset="0"/>
+              </a:rPr>
+              <a:t> </a:t>
+            </a:r>
+            <a:r>
+              <a:rPr lang="en-US" dirty="0" err="1">
+                <a:latin typeface="Arial" panose="020B0604020202020204" pitchFamily="34" charset="0"/>
+                <a:cs typeface="Arial" panose="020B0604020202020204" pitchFamily="34" charset="0"/>
+              </a:rPr>
+              <a:t>thì</a:t>
+            </a:r>
+            <a:r>
+              <a:rPr lang="en-US" dirty="0">
+                <a:latin typeface="Arial" panose="020B0604020202020204" pitchFamily="34" charset="0"/>
+                <a:cs typeface="Arial" panose="020B0604020202020204" pitchFamily="34" charset="0"/>
+              </a:rPr>
+              <a:t> </a:t>
+            </a:r>
+            <a:r>
+              <a:rPr lang="en-US" dirty="0" err="1">
+                <a:latin typeface="Arial" panose="020B0604020202020204" pitchFamily="34" charset="0"/>
+                <a:cs typeface="Arial" panose="020B0604020202020204" pitchFamily="34" charset="0"/>
+              </a:rPr>
+              <a:t>hai</a:t>
             </a:r>
             <a:r>
               <a:rPr lang="en-US" dirty="0">
@@ -6961,28 +8453,98 @@
                 <a:latin typeface="Arial" panose="020B0604020202020204" pitchFamily="34" charset="0"/>
                 <a:cs typeface="Arial" panose="020B0604020202020204" pitchFamily="34" charset="0"/>
               </a:rPr>
-              <a:t>trượt</a:t>
-            </a:r>
-            <a:r>
-              <a:rPr lang="en-US" dirty="0">
-                <a:latin typeface="Arial" panose="020B0604020202020204" pitchFamily="34" charset="0"/>
-                <a:cs typeface="Arial" panose="020B0604020202020204" pitchFamily="34" charset="0"/>
-              </a:rPr>
-              <a:t> </a:t>
-            </a:r>
-            <a:r>
-              <a:rPr lang="en-US" dirty="0" err="1">
-                <a:latin typeface="Arial" panose="020B0604020202020204" pitchFamily="34" charset="0"/>
-                <a:cs typeface="Arial" panose="020B0604020202020204" pitchFamily="34" charset="0"/>
-              </a:rPr>
-              <a:t>với</a:t>
-            </a:r>
-            <a:r>
-              <a:rPr lang="en-US" dirty="0">
-                <a:latin typeface="Arial" panose="020B0604020202020204" pitchFamily="34" charset="0"/>
-                <a:cs typeface="Arial" panose="020B0604020202020204" pitchFamily="34" charset="0"/>
-              </a:rPr>
-              <a:t> </a:t>
+              <a:t>này</a:t>
+            </a:r>
+            <a:r>
+              <a:rPr lang="en-US" dirty="0">
+                <a:latin typeface="Arial" panose="020B0604020202020204" pitchFamily="34" charset="0"/>
+                <a:cs typeface="Arial" panose="020B0604020202020204" pitchFamily="34" charset="0"/>
+              </a:rPr>
+              <a:t> </a:t>
+            </a:r>
+            <a:r>
+              <a:rPr lang="en-US" dirty="0" err="1">
+                <a:latin typeface="Arial" panose="020B0604020202020204" pitchFamily="34" charset="0"/>
+                <a:cs typeface="Arial" panose="020B0604020202020204" pitchFamily="34" charset="0"/>
+              </a:rPr>
+              <a:t>không</a:t>
+            </a:r>
+            <a:r>
+              <a:rPr lang="en-US" dirty="0">
+                <a:latin typeface="Arial" panose="020B0604020202020204" pitchFamily="34" charset="0"/>
+                <a:cs typeface="Arial" panose="020B0604020202020204" pitchFamily="34" charset="0"/>
+              </a:rPr>
+              <a:t> </a:t>
+            </a:r>
+            <a:r>
+              <a:rPr lang="en-US" dirty="0" err="1">
+                <a:latin typeface="Arial" panose="020B0604020202020204" pitchFamily="34" charset="0"/>
+                <a:cs typeface="Arial" panose="020B0604020202020204" pitchFamily="34" charset="0"/>
+              </a:rPr>
+              <a:t>nhất</a:t>
+            </a:r>
+            <a:r>
+              <a:rPr lang="en-US" dirty="0">
+                <a:latin typeface="Arial" panose="020B0604020202020204" pitchFamily="34" charset="0"/>
+                <a:cs typeface="Arial" panose="020B0604020202020204" pitchFamily="34" charset="0"/>
+              </a:rPr>
+              <a:t> </a:t>
+            </a:r>
+            <a:r>
+              <a:rPr lang="en-US" dirty="0" err="1">
+                <a:latin typeface="Arial" panose="020B0604020202020204" pitchFamily="34" charset="0"/>
+                <a:cs typeface="Arial" panose="020B0604020202020204" pitchFamily="34" charset="0"/>
+              </a:rPr>
+              <a:t>thiết</a:t>
+            </a:r>
+            <a:r>
+              <a:rPr lang="en-US" dirty="0">
+                <a:latin typeface="Arial" panose="020B0604020202020204" pitchFamily="34" charset="0"/>
+                <a:cs typeface="Arial" panose="020B0604020202020204" pitchFamily="34" charset="0"/>
+              </a:rPr>
+              <a:t> </a:t>
+            </a:r>
+            <a:r>
+              <a:rPr lang="en-US" dirty="0" err="1">
+                <a:latin typeface="Arial" panose="020B0604020202020204" pitchFamily="34" charset="0"/>
+                <a:cs typeface="Arial" panose="020B0604020202020204" pitchFamily="34" charset="0"/>
+              </a:rPr>
+              <a:t>phải</a:t>
+            </a:r>
+            <a:r>
+              <a:rPr lang="en-US" dirty="0">
+                <a:latin typeface="Arial" panose="020B0604020202020204" pitchFamily="34" charset="0"/>
+                <a:cs typeface="Arial" panose="020B0604020202020204" pitchFamily="34" charset="0"/>
+              </a:rPr>
+              <a:t> </a:t>
+            </a:r>
+            <a:r>
+              <a:rPr lang="en-US" dirty="0" err="1">
+                <a:latin typeface="Arial" panose="020B0604020202020204" pitchFamily="34" charset="0"/>
+                <a:cs typeface="Arial" panose="020B0604020202020204" pitchFamily="34" charset="0"/>
+              </a:rPr>
+              <a:t>có</a:t>
+            </a:r>
+            <a:r>
+              <a:rPr lang="en-US" dirty="0">
+                <a:latin typeface="Arial" panose="020B0604020202020204" pitchFamily="34" charset="0"/>
+                <a:cs typeface="Arial" panose="020B0604020202020204" pitchFamily="34" charset="0"/>
+              </a:rPr>
+              <a:t> </a:t>
+            </a:r>
+            <a:r>
+              <a:rPr lang="en-US" dirty="0" err="1">
+                <a:latin typeface="Arial" panose="020B0604020202020204" pitchFamily="34" charset="0"/>
+                <a:cs typeface="Arial" panose="020B0604020202020204" pitchFamily="34" charset="0"/>
+              </a:rPr>
+              <a:t>cùng</a:t>
+            </a:r>
+            <a:r>
+              <a:rPr lang="en-US" dirty="0">
+                <a:latin typeface="Arial" panose="020B0604020202020204" pitchFamily="34" charset="0"/>
+                <a:cs typeface="Arial" panose="020B0604020202020204" pitchFamily="34" charset="0"/>
+              </a:rPr>
+              <a:t>  </a:t>
             </a:r>
             <a:r>
               <a:rPr lang="en-US" dirty="0" err="1">
@@ -7004,118 +8566,6 @@
                 <a:cs typeface="Arial" panose="020B0604020202020204" pitchFamily="34" charset="0"/>
               </a:rPr>
               <a:t>thước</a:t>
-            </a:r>
-            <a:r>
-              <a:rPr lang="en-US" dirty="0">
-                <a:latin typeface="Arial" panose="020B0604020202020204" pitchFamily="34" charset="0"/>
-                <a:cs typeface="Arial" panose="020B0604020202020204" pitchFamily="34" charset="0"/>
-              </a:rPr>
-              <a:t> </a:t>
-            </a:r>
-            <a:r>
-              <a:rPr lang="en-US" dirty="0" err="1">
-                <a:latin typeface="Arial" panose="020B0604020202020204" pitchFamily="34" charset="0"/>
-                <a:cs typeface="Arial" panose="020B0604020202020204" pitchFamily="34" charset="0"/>
-              </a:rPr>
-              <a:t>bên</a:t>
-            </a:r>
-            <a:r>
-              <a:rPr lang="en-US" dirty="0">
-                <a:latin typeface="Arial" panose="020B0604020202020204" pitchFamily="34" charset="0"/>
-                <a:cs typeface="Arial" panose="020B0604020202020204" pitchFamily="34" charset="0"/>
-              </a:rPr>
-              <a:t> </a:t>
-            </a:r>
-            <a:r>
-              <a:rPr lang="en-US" dirty="0" err="1">
-                <a:latin typeface="Arial" panose="020B0604020202020204" pitchFamily="34" charset="0"/>
-                <a:cs typeface="Arial" panose="020B0604020202020204" pitchFamily="34" charset="0"/>
-              </a:rPr>
-              <a:t>gửi</a:t>
-            </a:r>
-            <a:r>
-              <a:rPr lang="en-US" dirty="0">
-                <a:latin typeface="Arial" panose="020B0604020202020204" pitchFamily="34" charset="0"/>
-                <a:cs typeface="Arial" panose="020B0604020202020204" pitchFamily="34" charset="0"/>
-              </a:rPr>
-              <a:t> </a:t>
-            </a:r>
-            <a:r>
-              <a:rPr lang="en-US" dirty="0" err="1">
-                <a:latin typeface="Arial" panose="020B0604020202020204" pitchFamily="34" charset="0"/>
-                <a:cs typeface="Arial" panose="020B0604020202020204" pitchFamily="34" charset="0"/>
-              </a:rPr>
-              <a:t>và</a:t>
-            </a:r>
-            <a:r>
-              <a:rPr lang="en-US" dirty="0">
-                <a:latin typeface="Arial" panose="020B0604020202020204" pitchFamily="34" charset="0"/>
-                <a:cs typeface="Arial" panose="020B0604020202020204" pitchFamily="34" charset="0"/>
-              </a:rPr>
-              <a:t> </a:t>
-            </a:r>
-            <a:r>
-              <a:rPr lang="en-US" dirty="0" err="1">
-                <a:latin typeface="Arial" panose="020B0604020202020204" pitchFamily="34" charset="0"/>
-                <a:cs typeface="Arial" panose="020B0604020202020204" pitchFamily="34" charset="0"/>
-              </a:rPr>
-              <a:t>bên</a:t>
-            </a:r>
-            <a:r>
-              <a:rPr lang="en-US" dirty="0">
-                <a:latin typeface="Arial" panose="020B0604020202020204" pitchFamily="34" charset="0"/>
-                <a:cs typeface="Arial" panose="020B0604020202020204" pitchFamily="34" charset="0"/>
-              </a:rPr>
-              <a:t> </a:t>
-            </a:r>
-            <a:r>
-              <a:rPr lang="en-US" dirty="0" err="1">
-                <a:latin typeface="Arial" panose="020B0604020202020204" pitchFamily="34" charset="0"/>
-                <a:cs typeface="Arial" panose="020B0604020202020204" pitchFamily="34" charset="0"/>
-              </a:rPr>
-              <a:t>nhận</a:t>
-            </a:r>
-            <a:r>
-              <a:rPr lang="en-US" dirty="0">
-                <a:latin typeface="Arial" panose="020B0604020202020204" pitchFamily="34" charset="0"/>
-                <a:cs typeface="Arial" panose="020B0604020202020204" pitchFamily="34" charset="0"/>
-              </a:rPr>
-              <a:t> </a:t>
-            </a:r>
-            <a:r>
-              <a:rPr lang="en-US" dirty="0" err="1">
-                <a:latin typeface="Arial" panose="020B0604020202020204" pitchFamily="34" charset="0"/>
-                <a:cs typeface="Arial" panose="020B0604020202020204" pitchFamily="34" charset="0"/>
-              </a:rPr>
-              <a:t>là</a:t>
-            </a:r>
-            <a:r>
-              <a:rPr lang="en-US" dirty="0">
-                <a:latin typeface="Arial" panose="020B0604020202020204" pitchFamily="34" charset="0"/>
-                <a:cs typeface="Arial" panose="020B0604020202020204" pitchFamily="34" charset="0"/>
-              </a:rPr>
-              <a:t> </a:t>
-            </a:r>
-            <a:r>
-              <a:rPr lang="en-US" dirty="0" err="1">
-                <a:latin typeface="Arial" panose="020B0604020202020204" pitchFamily="34" charset="0"/>
-                <a:cs typeface="Arial" panose="020B0604020202020204" pitchFamily="34" charset="0"/>
-              </a:rPr>
-              <a:t>khác</a:t>
-            </a:r>
-            <a:r>
-              <a:rPr lang="en-US" dirty="0">
-                <a:latin typeface="Arial" panose="020B0604020202020204" pitchFamily="34" charset="0"/>
-                <a:cs typeface="Arial" panose="020B0604020202020204" pitchFamily="34" charset="0"/>
-              </a:rPr>
-              <a:t> </a:t>
-            </a:r>
-            <a:r>
-              <a:rPr lang="en-US" dirty="0" err="1">
-                <a:latin typeface="Arial" panose="020B0604020202020204" pitchFamily="34" charset="0"/>
-                <a:cs typeface="Arial" panose="020B0604020202020204" pitchFamily="34" charset="0"/>
-              </a:rPr>
-              <a:t>nhau</a:t>
             </a:r>
             <a:endParaRPr lang="en-US" dirty="0">
               <a:latin typeface="Arial" panose="020B0604020202020204" pitchFamily="34" charset="0"/>
@@ -7132,21 +8582,245 @@
                 <a:latin typeface="Arial" panose="020B0604020202020204" pitchFamily="34" charset="0"/>
                 <a:cs typeface="Arial" panose="020B0604020202020204" pitchFamily="34" charset="0"/>
               </a:rPr>
-              <a:t>Cần</a:t>
-            </a:r>
-            <a:r>
-              <a:rPr lang="en-US" dirty="0">
-                <a:latin typeface="Arial" panose="020B0604020202020204" pitchFamily="34" charset="0"/>
-                <a:cs typeface="Arial" panose="020B0604020202020204" pitchFamily="34" charset="0"/>
-              </a:rPr>
-              <a:t> </a:t>
-            </a:r>
-            <a:r>
-              <a:rPr lang="en-US" dirty="0" err="1">
-                <a:latin typeface="Arial" panose="020B0604020202020204" pitchFamily="34" charset="0"/>
-                <a:cs typeface="Arial" panose="020B0604020202020204" pitchFamily="34" charset="0"/>
-              </a:rPr>
-              <a:t>phải</a:t>
+              <a:t>Các</a:t>
+            </a:r>
+            <a:r>
+              <a:rPr lang="en-US" dirty="0">
+                <a:latin typeface="Arial" panose="020B0604020202020204" pitchFamily="34" charset="0"/>
+                <a:cs typeface="Arial" panose="020B0604020202020204" pitchFamily="34" charset="0"/>
+              </a:rPr>
+              <a:t> </a:t>
+            </a:r>
+            <a:r>
+              <a:rPr lang="en-US" dirty="0" err="1">
+                <a:latin typeface="Arial" panose="020B0604020202020204" pitchFamily="34" charset="0"/>
+                <a:cs typeface="Arial" panose="020B0604020202020204" pitchFamily="34" charset="0"/>
+              </a:rPr>
+              <a:t>số</a:t>
+            </a:r>
+            <a:r>
+              <a:rPr lang="en-US" dirty="0">
+                <a:latin typeface="Arial" panose="020B0604020202020204" pitchFamily="34" charset="0"/>
+                <a:cs typeface="Arial" panose="020B0604020202020204" pitchFamily="34" charset="0"/>
+              </a:rPr>
+              <a:t> </a:t>
+            </a:r>
+            <a:r>
+              <a:rPr lang="en-US" dirty="0" err="1">
+                <a:latin typeface="Arial" panose="020B0604020202020204" pitchFamily="34" charset="0"/>
+                <a:cs typeface="Arial" panose="020B0604020202020204" pitchFamily="34" charset="0"/>
+              </a:rPr>
+              <a:t>thứ</a:t>
+            </a:r>
+            <a:r>
+              <a:rPr lang="en-US" dirty="0">
+                <a:latin typeface="Arial" panose="020B0604020202020204" pitchFamily="34" charset="0"/>
+                <a:cs typeface="Arial" panose="020B0604020202020204" pitchFamily="34" charset="0"/>
+              </a:rPr>
+              <a:t> </a:t>
+            </a:r>
+            <a:r>
+              <a:rPr lang="en-US" dirty="0" err="1">
+                <a:latin typeface="Arial" panose="020B0604020202020204" pitchFamily="34" charset="0"/>
+                <a:cs typeface="Arial" panose="020B0604020202020204" pitchFamily="34" charset="0"/>
+              </a:rPr>
+              <a:t>tự</a:t>
+            </a:r>
+            <a:r>
+              <a:rPr lang="en-US" dirty="0">
+                <a:latin typeface="Arial" panose="020B0604020202020204" pitchFamily="34" charset="0"/>
+                <a:cs typeface="Arial" panose="020B0604020202020204" pitchFamily="34" charset="0"/>
+              </a:rPr>
+              <a:t> </a:t>
+            </a:r>
+            <a:r>
+              <a:rPr lang="en-US" dirty="0" err="1">
+                <a:latin typeface="Arial" panose="020B0604020202020204" pitchFamily="34" charset="0"/>
+                <a:cs typeface="Arial" panose="020B0604020202020204" pitchFamily="34" charset="0"/>
+              </a:rPr>
+              <a:t>trong</a:t>
+            </a:r>
+            <a:r>
+              <a:rPr lang="en-US" dirty="0">
+                <a:latin typeface="Arial" panose="020B0604020202020204" pitchFamily="34" charset="0"/>
+                <a:cs typeface="Arial" panose="020B0604020202020204" pitchFamily="34" charset="0"/>
+              </a:rPr>
+              <a:t> </a:t>
+            </a:r>
+            <a:r>
+              <a:rPr lang="en-US" dirty="0" err="1">
+                <a:latin typeface="Arial" panose="020B0604020202020204" pitchFamily="34" charset="0"/>
+                <a:cs typeface="Arial" panose="020B0604020202020204" pitchFamily="34" charset="0"/>
+              </a:rPr>
+              <a:t>cửa</a:t>
+            </a:r>
+            <a:r>
+              <a:rPr lang="en-US" dirty="0">
+                <a:latin typeface="Arial" panose="020B0604020202020204" pitchFamily="34" charset="0"/>
+                <a:cs typeface="Arial" panose="020B0604020202020204" pitchFamily="34" charset="0"/>
+              </a:rPr>
+              <a:t> </a:t>
+            </a:r>
+            <a:r>
+              <a:rPr lang="en-US" dirty="0" err="1">
+                <a:latin typeface="Arial" panose="020B0604020202020204" pitchFamily="34" charset="0"/>
+                <a:cs typeface="Arial" panose="020B0604020202020204" pitchFamily="34" charset="0"/>
+              </a:rPr>
+              <a:t>sổ</a:t>
+            </a:r>
+            <a:r>
+              <a:rPr lang="en-US" dirty="0">
+                <a:latin typeface="Arial" panose="020B0604020202020204" pitchFamily="34" charset="0"/>
+                <a:cs typeface="Arial" panose="020B0604020202020204" pitchFamily="34" charset="0"/>
+              </a:rPr>
+              <a:t> </a:t>
+            </a:r>
+            <a:r>
+              <a:rPr lang="en-US" dirty="0" err="1">
+                <a:latin typeface="Arial" panose="020B0604020202020204" pitchFamily="34" charset="0"/>
+                <a:cs typeface="Arial" panose="020B0604020202020204" pitchFamily="34" charset="0"/>
+              </a:rPr>
+              <a:t>truyền</a:t>
+            </a:r>
+            <a:r>
+              <a:rPr lang="en-US" dirty="0">
+                <a:latin typeface="Arial" panose="020B0604020202020204" pitchFamily="34" charset="0"/>
+                <a:cs typeface="Arial" panose="020B0604020202020204" pitchFamily="34" charset="0"/>
+              </a:rPr>
+              <a:t> </a:t>
+            </a:r>
+            <a:r>
+              <a:rPr lang="en-US" dirty="0" err="1">
+                <a:latin typeface="Arial" panose="020B0604020202020204" pitchFamily="34" charset="0"/>
+                <a:cs typeface="Arial" panose="020B0604020202020204" pitchFamily="34" charset="0"/>
+              </a:rPr>
+              <a:t>cho</a:t>
+            </a:r>
+            <a:r>
+              <a:rPr lang="en-US" dirty="0">
+                <a:latin typeface="Arial" panose="020B0604020202020204" pitchFamily="34" charset="0"/>
+                <a:cs typeface="Arial" panose="020B0604020202020204" pitchFamily="34" charset="0"/>
+              </a:rPr>
+              <a:t> </a:t>
+            </a:r>
+            <a:r>
+              <a:rPr lang="en-US" dirty="0" err="1">
+                <a:latin typeface="Arial" panose="020B0604020202020204" pitchFamily="34" charset="0"/>
+                <a:cs typeface="Arial" panose="020B0604020202020204" pitchFamily="34" charset="0"/>
+              </a:rPr>
+              <a:t>biết</a:t>
+            </a:r>
+            <a:r>
+              <a:rPr lang="en-US" dirty="0">
+                <a:latin typeface="Arial" panose="020B0604020202020204" pitchFamily="34" charset="0"/>
+                <a:cs typeface="Arial" panose="020B0604020202020204" pitchFamily="34" charset="0"/>
+              </a:rPr>
+              <a:t> </a:t>
+            </a:r>
+            <a:r>
+              <a:rPr lang="en-US" dirty="0" err="1">
+                <a:latin typeface="Arial" panose="020B0604020202020204" pitchFamily="34" charset="0"/>
+                <a:cs typeface="Arial" panose="020B0604020202020204" pitchFamily="34" charset="0"/>
+              </a:rPr>
+              <a:t>số</a:t>
+            </a:r>
+            <a:r>
+              <a:rPr lang="en-US" dirty="0">
+                <a:latin typeface="Arial" panose="020B0604020202020204" pitchFamily="34" charset="0"/>
+                <a:cs typeface="Arial" panose="020B0604020202020204" pitchFamily="34" charset="0"/>
+              </a:rPr>
+              <a:t> </a:t>
+            </a:r>
+            <a:r>
+              <a:rPr lang="en-US" dirty="0" err="1">
+                <a:latin typeface="Arial" panose="020B0604020202020204" pitchFamily="34" charset="0"/>
+                <a:cs typeface="Arial" panose="020B0604020202020204" pitchFamily="34" charset="0"/>
+              </a:rPr>
+              <a:t>khung</a:t>
+            </a:r>
+            <a:r>
+              <a:rPr lang="en-US" dirty="0">
+                <a:latin typeface="Arial" panose="020B0604020202020204" pitchFamily="34" charset="0"/>
+                <a:cs typeface="Arial" panose="020B0604020202020204" pitchFamily="34" charset="0"/>
+              </a:rPr>
+              <a:t> </a:t>
+            </a:r>
+            <a:r>
+              <a:rPr lang="en-US" dirty="0" err="1">
+                <a:latin typeface="Arial" panose="020B0604020202020204" pitchFamily="34" charset="0"/>
+                <a:cs typeface="Arial" panose="020B0604020202020204" pitchFamily="34" charset="0"/>
+              </a:rPr>
+              <a:t>đã</a:t>
+            </a:r>
+            <a:r>
+              <a:rPr lang="en-US" dirty="0">
+                <a:latin typeface="Arial" panose="020B0604020202020204" pitchFamily="34" charset="0"/>
+                <a:cs typeface="Arial" panose="020B0604020202020204" pitchFamily="34" charset="0"/>
+              </a:rPr>
+              <a:t> </a:t>
+            </a:r>
+            <a:r>
+              <a:rPr lang="en-US" dirty="0" err="1">
+                <a:latin typeface="Arial" panose="020B0604020202020204" pitchFamily="34" charset="0"/>
+                <a:cs typeface="Arial" panose="020B0604020202020204" pitchFamily="34" charset="0"/>
+              </a:rPr>
+              <a:t>được</a:t>
+            </a:r>
+            <a:r>
+              <a:rPr lang="en-US" dirty="0">
+                <a:latin typeface="Arial" panose="020B0604020202020204" pitchFamily="34" charset="0"/>
+                <a:cs typeface="Arial" panose="020B0604020202020204" pitchFamily="34" charset="0"/>
+              </a:rPr>
+              <a:t> </a:t>
+            </a:r>
+            <a:r>
+              <a:rPr lang="en-US" dirty="0" err="1">
+                <a:latin typeface="Arial" panose="020B0604020202020204" pitchFamily="34" charset="0"/>
+                <a:cs typeface="Arial" panose="020B0604020202020204" pitchFamily="34" charset="0"/>
+              </a:rPr>
+              <a:t>gửi</a:t>
+            </a:r>
+            <a:r>
+              <a:rPr lang="en-US" dirty="0">
+                <a:latin typeface="Arial" panose="020B0604020202020204" pitchFamily="34" charset="0"/>
+                <a:cs typeface="Arial" panose="020B0604020202020204" pitchFamily="34" charset="0"/>
+              </a:rPr>
+              <a:t> </a:t>
+            </a:r>
+            <a:r>
+              <a:rPr lang="en-US" dirty="0" err="1">
+                <a:latin typeface="Arial" panose="020B0604020202020204" pitchFamily="34" charset="0"/>
+                <a:cs typeface="Arial" panose="020B0604020202020204" pitchFamily="34" charset="0"/>
+              </a:rPr>
+              <a:t>đi</a:t>
+            </a:r>
+            <a:r>
+              <a:rPr lang="en-US" dirty="0">
+                <a:latin typeface="Arial" panose="020B0604020202020204" pitchFamily="34" charset="0"/>
+                <a:cs typeface="Arial" panose="020B0604020202020204" pitchFamily="34" charset="0"/>
+              </a:rPr>
+              <a:t> </a:t>
+            </a:r>
+            <a:r>
+              <a:rPr lang="en-US" dirty="0" err="1">
+                <a:latin typeface="Arial" panose="020B0604020202020204" pitchFamily="34" charset="0"/>
+                <a:cs typeface="Arial" panose="020B0604020202020204" pitchFamily="34" charset="0"/>
+              </a:rPr>
+              <a:t>nhưng</a:t>
+            </a:r>
+            <a:r>
+              <a:rPr lang="en-US" dirty="0">
+                <a:latin typeface="Arial" panose="020B0604020202020204" pitchFamily="34" charset="0"/>
+                <a:cs typeface="Arial" panose="020B0604020202020204" pitchFamily="34" charset="0"/>
+              </a:rPr>
+              <a:t> </a:t>
+            </a:r>
+            <a:r>
+              <a:rPr lang="en-US" dirty="0" err="1">
+                <a:latin typeface="Arial" panose="020B0604020202020204" pitchFamily="34" charset="0"/>
+                <a:cs typeface="Arial" panose="020B0604020202020204" pitchFamily="34" charset="0"/>
+              </a:rPr>
+              <a:t>chưa</a:t>
             </a:r>
             <a:r>
               <a:rPr lang="en-US" dirty="0">
@@ -7174,1324 +8848,375 @@
                 <a:latin typeface="Arial" panose="020B0604020202020204" pitchFamily="34" charset="0"/>
                 <a:cs typeface="Arial" panose="020B0604020202020204" pitchFamily="34" charset="0"/>
               </a:rPr>
-              <a:t>sơ</a:t>
-            </a:r>
-            <a:r>
-              <a:rPr lang="en-US" dirty="0">
-                <a:latin typeface="Arial" panose="020B0604020202020204" pitchFamily="34" charset="0"/>
-                <a:cs typeface="Arial" panose="020B0604020202020204" pitchFamily="34" charset="0"/>
-              </a:rPr>
-              <a:t> </a:t>
-            </a:r>
-            <a:r>
-              <a:rPr lang="en-US" dirty="0" err="1">
-                <a:latin typeface="Arial" panose="020B0604020202020204" pitchFamily="34" charset="0"/>
-                <a:cs typeface="Arial" panose="020B0604020202020204" pitchFamily="34" charset="0"/>
-              </a:rPr>
-              <a:t>đồ</a:t>
-            </a:r>
-            <a:r>
-              <a:rPr lang="en-US" dirty="0">
-                <a:latin typeface="Arial" panose="020B0604020202020204" pitchFamily="34" charset="0"/>
-                <a:cs typeface="Arial" panose="020B0604020202020204" pitchFamily="34" charset="0"/>
-              </a:rPr>
-              <a:t> </a:t>
-            </a:r>
-            <a:r>
-              <a:rPr lang="en-US" dirty="0" err="1">
-                <a:latin typeface="Arial" panose="020B0604020202020204" pitchFamily="34" charset="0"/>
-                <a:cs typeface="Arial" panose="020B0604020202020204" pitchFamily="34" charset="0"/>
-              </a:rPr>
-              <a:t>cung</a:t>
-            </a:r>
-            <a:r>
-              <a:rPr lang="en-US" dirty="0">
-                <a:latin typeface="Arial" panose="020B0604020202020204" pitchFamily="34" charset="0"/>
-                <a:cs typeface="Arial" panose="020B0604020202020204" pitchFamily="34" charset="0"/>
-              </a:rPr>
-              <a:t> </a:t>
-            </a:r>
-            <a:r>
-              <a:rPr lang="en-US" dirty="0" err="1">
-                <a:latin typeface="Arial" panose="020B0604020202020204" pitchFamily="34" charset="0"/>
-                <a:cs typeface="Arial" panose="020B0604020202020204" pitchFamily="34" charset="0"/>
-              </a:rPr>
-              <a:t>cấp</a:t>
-            </a:r>
-            <a:r>
-              <a:rPr lang="en-US" dirty="0">
-                <a:latin typeface="Arial" panose="020B0604020202020204" pitchFamily="34" charset="0"/>
-                <a:cs typeface="Arial" panose="020B0604020202020204" pitchFamily="34" charset="0"/>
-              </a:rPr>
-              <a:t> buffer </a:t>
-            </a:r>
-            <a:r>
-              <a:rPr lang="en-US" dirty="0" err="1">
-                <a:latin typeface="Arial" panose="020B0604020202020204" pitchFamily="34" charset="0"/>
-                <a:cs typeface="Arial" panose="020B0604020202020204" pitchFamily="34" charset="0"/>
-              </a:rPr>
-              <a:t>động</a:t>
-            </a:r>
-            <a:r>
-              <a:rPr lang="en-US" dirty="0">
-                <a:latin typeface="Arial" panose="020B0604020202020204" pitchFamily="34" charset="0"/>
-                <a:cs typeface="Arial" panose="020B0604020202020204" pitchFamily="34" charset="0"/>
-              </a:rPr>
-              <a:t>:</a:t>
-            </a:r>
-          </a:p>
-          <a:p>
-            <a:pPr marL="742950" lvl="1" indent="-285750">
-              <a:buFont typeface="Arial" panose="020B0604020202020204" pitchFamily="34" charset="0"/>
-              <a:buChar char="•"/>
-            </a:pPr>
-            <a:r>
-              <a:rPr lang="en-US" dirty="0" err="1">
-                <a:latin typeface="Arial" panose="020B0604020202020204" pitchFamily="34" charset="0"/>
-                <a:cs typeface="Arial" panose="020B0604020202020204" pitchFamily="34" charset="0"/>
-              </a:rPr>
-              <a:t>Trươc</a:t>
-            </a:r>
-            <a:r>
-              <a:rPr lang="en-US" dirty="0">
-                <a:latin typeface="Arial" panose="020B0604020202020204" pitchFamily="34" charset="0"/>
-                <a:cs typeface="Arial" panose="020B0604020202020204" pitchFamily="34" charset="0"/>
-              </a:rPr>
-              <a:t> </a:t>
-            </a:r>
-            <a:r>
-              <a:rPr lang="en-US" dirty="0" err="1">
-                <a:latin typeface="Arial" panose="020B0604020202020204" pitchFamily="34" charset="0"/>
-                <a:cs typeface="Arial" panose="020B0604020202020204" pitchFamily="34" charset="0"/>
-              </a:rPr>
-              <a:t>tiên</a:t>
-            </a:r>
-            <a:r>
-              <a:rPr lang="en-US" dirty="0">
-                <a:latin typeface="Arial" panose="020B0604020202020204" pitchFamily="34" charset="0"/>
-                <a:cs typeface="Arial" panose="020B0604020202020204" pitchFamily="34" charset="0"/>
-              </a:rPr>
-              <a:t> </a:t>
-            </a:r>
-            <a:r>
-              <a:rPr lang="en-US" dirty="0" err="1">
-                <a:latin typeface="Arial" panose="020B0604020202020204" pitchFamily="34" charset="0"/>
-                <a:cs typeface="Arial" panose="020B0604020202020204" pitchFamily="34" charset="0"/>
-              </a:rPr>
-              <a:t>bên</a:t>
-            </a:r>
-            <a:r>
-              <a:rPr lang="en-US" dirty="0">
-                <a:latin typeface="Arial" panose="020B0604020202020204" pitchFamily="34" charset="0"/>
-                <a:cs typeface="Arial" panose="020B0604020202020204" pitchFamily="34" charset="0"/>
-              </a:rPr>
-              <a:t> </a:t>
-            </a:r>
-            <a:r>
-              <a:rPr lang="en-US" dirty="0" err="1">
-                <a:latin typeface="Arial" panose="020B0604020202020204" pitchFamily="34" charset="0"/>
-                <a:cs typeface="Arial" panose="020B0604020202020204" pitchFamily="34" charset="0"/>
-              </a:rPr>
-              <a:t>gửi</a:t>
-            </a:r>
-            <a:r>
-              <a:rPr lang="en-US" dirty="0">
-                <a:latin typeface="Arial" panose="020B0604020202020204" pitchFamily="34" charset="0"/>
-                <a:cs typeface="Arial" panose="020B0604020202020204" pitchFamily="34" charset="0"/>
-              </a:rPr>
-              <a:t> </a:t>
-            </a:r>
-            <a:r>
-              <a:rPr lang="en-US" dirty="0" err="1">
-                <a:latin typeface="Arial" panose="020B0604020202020204" pitchFamily="34" charset="0"/>
-                <a:cs typeface="Arial" panose="020B0604020202020204" pitchFamily="34" charset="0"/>
-              </a:rPr>
-              <a:t>phải</a:t>
-            </a:r>
-            <a:r>
-              <a:rPr lang="en-US" dirty="0">
-                <a:latin typeface="Arial" panose="020B0604020202020204" pitchFamily="34" charset="0"/>
-                <a:cs typeface="Arial" panose="020B0604020202020204" pitchFamily="34" charset="0"/>
-              </a:rPr>
-              <a:t> </a:t>
-            </a:r>
-            <a:r>
-              <a:rPr lang="en-US" dirty="0" err="1">
-                <a:latin typeface="Arial" panose="020B0604020202020204" pitchFamily="34" charset="0"/>
-                <a:cs typeface="Arial" panose="020B0604020202020204" pitchFamily="34" charset="0"/>
-              </a:rPr>
-              <a:t>gửi</a:t>
-            </a:r>
-            <a:r>
-              <a:rPr lang="en-US" dirty="0">
-                <a:latin typeface="Arial" panose="020B0604020202020204" pitchFamily="34" charset="0"/>
-                <a:cs typeface="Arial" panose="020B0604020202020204" pitchFamily="34" charset="0"/>
-              </a:rPr>
-              <a:t> </a:t>
-            </a:r>
-            <a:r>
-              <a:rPr lang="en-US" dirty="0" err="1">
-                <a:latin typeface="Arial" panose="020B0604020202020204" pitchFamily="34" charset="0"/>
-                <a:cs typeface="Arial" panose="020B0604020202020204" pitchFamily="34" charset="0"/>
-              </a:rPr>
-              <a:t>đến</a:t>
-            </a:r>
-            <a:r>
-              <a:rPr lang="en-US" dirty="0">
-                <a:latin typeface="Arial" panose="020B0604020202020204" pitchFamily="34" charset="0"/>
-                <a:cs typeface="Arial" panose="020B0604020202020204" pitchFamily="34" charset="0"/>
-              </a:rPr>
-              <a:t> </a:t>
-            </a:r>
-            <a:r>
-              <a:rPr lang="en-US" dirty="0" err="1">
-                <a:latin typeface="Arial" panose="020B0604020202020204" pitchFamily="34" charset="0"/>
-                <a:cs typeface="Arial" panose="020B0604020202020204" pitchFamily="34" charset="0"/>
-              </a:rPr>
-              <a:t>bên</a:t>
-            </a:r>
-            <a:r>
-              <a:rPr lang="en-US" dirty="0">
-                <a:latin typeface="Arial" panose="020B0604020202020204" pitchFamily="34" charset="0"/>
-                <a:cs typeface="Arial" panose="020B0604020202020204" pitchFamily="34" charset="0"/>
-              </a:rPr>
-              <a:t> </a:t>
-            </a:r>
-            <a:r>
-              <a:rPr lang="en-US" dirty="0" err="1">
-                <a:latin typeface="Arial" panose="020B0604020202020204" pitchFamily="34" charset="0"/>
-                <a:cs typeface="Arial" panose="020B0604020202020204" pitchFamily="34" charset="0"/>
-              </a:rPr>
-              <a:t>nhận</a:t>
-            </a:r>
-            <a:r>
-              <a:rPr lang="en-US" dirty="0">
-                <a:latin typeface="Arial" panose="020B0604020202020204" pitchFamily="34" charset="0"/>
-                <a:cs typeface="Arial" panose="020B0604020202020204" pitchFamily="34" charset="0"/>
-              </a:rPr>
-              <a:t> </a:t>
-            </a:r>
-            <a:r>
-              <a:rPr lang="en-US" dirty="0" err="1">
-                <a:latin typeface="Arial" panose="020B0604020202020204" pitchFamily="34" charset="0"/>
-                <a:cs typeface="Arial" panose="020B0604020202020204" pitchFamily="34" charset="0"/>
-              </a:rPr>
-              <a:t>một</a:t>
-            </a:r>
-            <a:r>
-              <a:rPr lang="en-US" dirty="0">
-                <a:latin typeface="Arial" panose="020B0604020202020204" pitchFamily="34" charset="0"/>
-                <a:cs typeface="Arial" panose="020B0604020202020204" pitchFamily="34" charset="0"/>
-              </a:rPr>
-              <a:t> </a:t>
-            </a:r>
-            <a:r>
-              <a:rPr lang="en-US" dirty="0" err="1">
-                <a:latin typeface="Arial" panose="020B0604020202020204" pitchFamily="34" charset="0"/>
-                <a:cs typeface="Arial" panose="020B0604020202020204" pitchFamily="34" charset="0"/>
-              </a:rPr>
-              <a:t>yêu</a:t>
-            </a:r>
-            <a:r>
-              <a:rPr lang="en-US" dirty="0">
-                <a:latin typeface="Arial" panose="020B0604020202020204" pitchFamily="34" charset="0"/>
-                <a:cs typeface="Arial" panose="020B0604020202020204" pitchFamily="34" charset="0"/>
-              </a:rPr>
-              <a:t> </a:t>
-            </a:r>
-            <a:r>
-              <a:rPr lang="en-US" dirty="0" err="1">
-                <a:latin typeface="Arial" panose="020B0604020202020204" pitchFamily="34" charset="0"/>
-                <a:cs typeface="Arial" panose="020B0604020202020204" pitchFamily="34" charset="0"/>
-              </a:rPr>
-              <a:t>cầu</a:t>
-            </a:r>
-            <a:r>
-              <a:rPr lang="en-US" dirty="0">
-                <a:latin typeface="Arial" panose="020B0604020202020204" pitchFamily="34" charset="0"/>
-                <a:cs typeface="Arial" panose="020B0604020202020204" pitchFamily="34" charset="0"/>
-              </a:rPr>
-              <a:t> </a:t>
-            </a:r>
-            <a:r>
-              <a:rPr lang="en-US" dirty="0" err="1">
-                <a:latin typeface="Arial" panose="020B0604020202020204" pitchFamily="34" charset="0"/>
-                <a:cs typeface="Arial" panose="020B0604020202020204" pitchFamily="34" charset="0"/>
-              </a:rPr>
-              <a:t>dành</a:t>
-            </a:r>
-            <a:r>
-              <a:rPr lang="en-US" dirty="0">
-                <a:latin typeface="Arial" panose="020B0604020202020204" pitchFamily="34" charset="0"/>
-                <a:cs typeface="Arial" panose="020B0604020202020204" pitchFamily="34" charset="0"/>
-              </a:rPr>
-              <a:t> </a:t>
-            </a:r>
-            <a:r>
-              <a:rPr lang="en-US" dirty="0" err="1">
-                <a:latin typeface="Arial" panose="020B0604020202020204" pitchFamily="34" charset="0"/>
-                <a:cs typeface="Arial" panose="020B0604020202020204" pitchFamily="34" charset="0"/>
-              </a:rPr>
-              <a:t>riêng</a:t>
-            </a:r>
-            <a:r>
-              <a:rPr lang="en-US" dirty="0">
-                <a:latin typeface="Arial" panose="020B0604020202020204" pitchFamily="34" charset="0"/>
-                <a:cs typeface="Arial" panose="020B0604020202020204" pitchFamily="34" charset="0"/>
-              </a:rPr>
-              <a:t> </a:t>
-            </a:r>
-            <a:r>
-              <a:rPr lang="en-US" dirty="0" err="1">
-                <a:latin typeface="Arial" panose="020B0604020202020204" pitchFamily="34" charset="0"/>
-                <a:cs typeface="Arial" panose="020B0604020202020204" pitchFamily="34" charset="0"/>
-              </a:rPr>
-              <a:t>sô</a:t>
-            </a:r>
-            <a:r>
-              <a:rPr lang="en-US" dirty="0">
-                <a:latin typeface="Arial" panose="020B0604020202020204" pitchFamily="34" charset="0"/>
-                <a:cs typeface="Arial" panose="020B0604020202020204" pitchFamily="34" charset="0"/>
-              </a:rPr>
-              <a:t> </a:t>
-            </a:r>
-            <a:r>
-              <a:rPr lang="en-US" dirty="0" err="1">
-                <a:latin typeface="Arial" panose="020B0604020202020204" pitchFamily="34" charset="0"/>
-                <a:cs typeface="Arial" panose="020B0604020202020204" pitchFamily="34" charset="0"/>
-              </a:rPr>
-              <a:t>lượng</a:t>
-            </a:r>
-            <a:r>
-              <a:rPr lang="en-US" dirty="0">
-                <a:latin typeface="Arial" panose="020B0604020202020204" pitchFamily="34" charset="0"/>
-                <a:cs typeface="Arial" panose="020B0604020202020204" pitchFamily="34" charset="0"/>
-              </a:rPr>
-              <a:t> buffer </a:t>
-            </a:r>
-            <a:r>
-              <a:rPr lang="en-US" dirty="0" err="1">
-                <a:latin typeface="Arial" panose="020B0604020202020204" pitchFamily="34" charset="0"/>
-                <a:cs typeface="Arial" panose="020B0604020202020204" pitchFamily="34" charset="0"/>
-              </a:rPr>
-              <a:t>để</a:t>
-            </a:r>
-            <a:r>
-              <a:rPr lang="en-US" dirty="0">
-                <a:latin typeface="Arial" panose="020B0604020202020204" pitchFamily="34" charset="0"/>
-                <a:cs typeface="Arial" panose="020B0604020202020204" pitchFamily="34" charset="0"/>
-              </a:rPr>
-              <a:t> </a:t>
-            </a:r>
-            <a:r>
-              <a:rPr lang="en-US" dirty="0" err="1">
-                <a:latin typeface="Arial" panose="020B0604020202020204" pitchFamily="34" charset="0"/>
-                <a:cs typeface="Arial" panose="020B0604020202020204" pitchFamily="34" charset="0"/>
-              </a:rPr>
-              <a:t>chứa</a:t>
-            </a:r>
-            <a:r>
-              <a:rPr lang="en-US" dirty="0">
-                <a:latin typeface="Arial" panose="020B0604020202020204" pitchFamily="34" charset="0"/>
-                <a:cs typeface="Arial" panose="020B0604020202020204" pitchFamily="34" charset="0"/>
-              </a:rPr>
-              <a:t> </a:t>
-            </a:r>
-            <a:r>
-              <a:rPr lang="en-US" dirty="0" err="1">
-                <a:latin typeface="Arial" panose="020B0604020202020204" pitchFamily="34" charset="0"/>
-                <a:cs typeface="Arial" panose="020B0604020202020204" pitchFamily="34" charset="0"/>
-              </a:rPr>
-              <a:t>các</a:t>
-            </a:r>
-            <a:r>
-              <a:rPr lang="en-US" dirty="0">
-                <a:latin typeface="Arial" panose="020B0604020202020204" pitchFamily="34" charset="0"/>
-                <a:cs typeface="Arial" panose="020B0604020202020204" pitchFamily="34" charset="0"/>
-              </a:rPr>
-              <a:t> </a:t>
-            </a:r>
-            <a:r>
-              <a:rPr lang="en-US" dirty="0" err="1">
-                <a:latin typeface="Arial" panose="020B0604020202020204" pitchFamily="34" charset="0"/>
-                <a:cs typeface="Arial" panose="020B0604020202020204" pitchFamily="34" charset="0"/>
-              </a:rPr>
-              <a:t>gói</a:t>
-            </a:r>
-            <a:r>
-              <a:rPr lang="en-US" dirty="0">
-                <a:latin typeface="Arial" panose="020B0604020202020204" pitchFamily="34" charset="0"/>
-                <a:cs typeface="Arial" panose="020B0604020202020204" pitchFamily="34" charset="0"/>
-              </a:rPr>
-              <a:t> </a:t>
-            </a:r>
-            <a:r>
-              <a:rPr lang="en-US" dirty="0" err="1">
-                <a:latin typeface="Arial" panose="020B0604020202020204" pitchFamily="34" charset="0"/>
-                <a:cs typeface="Arial" panose="020B0604020202020204" pitchFamily="34" charset="0"/>
-              </a:rPr>
-              <a:t>bên</a:t>
-            </a:r>
-            <a:r>
-              <a:rPr lang="en-US" dirty="0">
-                <a:latin typeface="Arial" panose="020B0604020202020204" pitchFamily="34" charset="0"/>
-                <a:cs typeface="Arial" panose="020B0604020202020204" pitchFamily="34" charset="0"/>
-              </a:rPr>
-              <a:t> </a:t>
-            </a:r>
-            <a:r>
-              <a:rPr lang="en-US" dirty="0" err="1">
-                <a:latin typeface="Arial" panose="020B0604020202020204" pitchFamily="34" charset="0"/>
-                <a:cs typeface="Arial" panose="020B0604020202020204" pitchFamily="34" charset="0"/>
-              </a:rPr>
-              <a:t>gửi</a:t>
-            </a:r>
-            <a:r>
-              <a:rPr lang="en-US" dirty="0">
-                <a:latin typeface="Arial" panose="020B0604020202020204" pitchFamily="34" charset="0"/>
-                <a:cs typeface="Arial" panose="020B0604020202020204" pitchFamily="34" charset="0"/>
-              </a:rPr>
-              <a:t> </a:t>
-            </a:r>
-            <a:r>
-              <a:rPr lang="en-US" dirty="0" err="1">
-                <a:latin typeface="Arial" panose="020B0604020202020204" pitchFamily="34" charset="0"/>
-                <a:cs typeface="Arial" panose="020B0604020202020204" pitchFamily="34" charset="0"/>
-              </a:rPr>
-              <a:t>gửi</a:t>
-            </a:r>
-            <a:r>
-              <a:rPr lang="en-US" dirty="0">
-                <a:latin typeface="Arial" panose="020B0604020202020204" pitchFamily="34" charset="0"/>
-                <a:cs typeface="Arial" panose="020B0604020202020204" pitchFamily="34" charset="0"/>
-              </a:rPr>
-              <a:t> </a:t>
-            </a:r>
-            <a:r>
-              <a:rPr lang="en-US" dirty="0" err="1">
-                <a:latin typeface="Arial" panose="020B0604020202020204" pitchFamily="34" charset="0"/>
-                <a:cs typeface="Arial" panose="020B0604020202020204" pitchFamily="34" charset="0"/>
-              </a:rPr>
-              <a:t>đến</a:t>
-            </a:r>
-            <a:r>
-              <a:rPr lang="en-US" dirty="0">
-                <a:latin typeface="Arial" panose="020B0604020202020204" pitchFamily="34" charset="0"/>
-                <a:cs typeface="Arial" panose="020B0604020202020204" pitchFamily="34" charset="0"/>
-              </a:rPr>
-              <a:t>.</a:t>
-            </a:r>
-          </a:p>
-          <a:p>
-            <a:pPr marL="742950" lvl="1" indent="-285750">
-              <a:buFont typeface="Arial" panose="020B0604020202020204" pitchFamily="34" charset="0"/>
-              <a:buChar char="•"/>
-            </a:pPr>
-            <a:r>
-              <a:rPr lang="en-US" dirty="0" err="1">
-                <a:latin typeface="Arial" panose="020B0604020202020204" pitchFamily="34" charset="0"/>
-                <a:cs typeface="Arial" panose="020B0604020202020204" pitchFamily="34" charset="0"/>
-              </a:rPr>
-              <a:t>Bên</a:t>
-            </a:r>
-            <a:r>
-              <a:rPr lang="en-US" dirty="0">
-                <a:latin typeface="Arial" panose="020B0604020202020204" pitchFamily="34" charset="0"/>
-                <a:cs typeface="Arial" panose="020B0604020202020204" pitchFamily="34" charset="0"/>
-              </a:rPr>
-              <a:t> </a:t>
-            </a:r>
-            <a:r>
-              <a:rPr lang="en-US" dirty="0" err="1">
-                <a:latin typeface="Arial" panose="020B0604020202020204" pitchFamily="34" charset="0"/>
-                <a:cs typeface="Arial" panose="020B0604020202020204" pitchFamily="34" charset="0"/>
-              </a:rPr>
-              <a:t>nhận</a:t>
-            </a:r>
-            <a:r>
-              <a:rPr lang="en-US" dirty="0">
-                <a:latin typeface="Arial" panose="020B0604020202020204" pitchFamily="34" charset="0"/>
-                <a:cs typeface="Arial" panose="020B0604020202020204" pitchFamily="34" charset="0"/>
-              </a:rPr>
-              <a:t> </a:t>
-            </a:r>
-            <a:r>
-              <a:rPr lang="en-US" dirty="0" err="1">
-                <a:latin typeface="Arial" panose="020B0604020202020204" pitchFamily="34" charset="0"/>
-                <a:cs typeface="Arial" panose="020B0604020202020204" pitchFamily="34" charset="0"/>
-              </a:rPr>
-              <a:t>cũng</a:t>
-            </a:r>
-            <a:r>
-              <a:rPr lang="en-US" dirty="0">
-                <a:latin typeface="Arial" panose="020B0604020202020204" pitchFamily="34" charset="0"/>
-                <a:cs typeface="Arial" panose="020B0604020202020204" pitchFamily="34" charset="0"/>
-              </a:rPr>
-              <a:t> </a:t>
-            </a:r>
-            <a:r>
-              <a:rPr lang="en-US" dirty="0" err="1">
-                <a:latin typeface="Arial" panose="020B0604020202020204" pitchFamily="34" charset="0"/>
-                <a:cs typeface="Arial" panose="020B0604020202020204" pitchFamily="34" charset="0"/>
-              </a:rPr>
-              <a:t>phải</a:t>
-            </a:r>
-            <a:r>
-              <a:rPr lang="en-US" dirty="0">
-                <a:latin typeface="Arial" panose="020B0604020202020204" pitchFamily="34" charset="0"/>
-                <a:cs typeface="Arial" panose="020B0604020202020204" pitchFamily="34" charset="0"/>
-              </a:rPr>
-              <a:t> </a:t>
-            </a:r>
-            <a:r>
-              <a:rPr lang="en-US" dirty="0" err="1">
-                <a:latin typeface="Arial" panose="020B0604020202020204" pitchFamily="34" charset="0"/>
-                <a:cs typeface="Arial" panose="020B0604020202020204" pitchFamily="34" charset="0"/>
-              </a:rPr>
-              <a:t>trả</a:t>
-            </a:r>
-            <a:r>
-              <a:rPr lang="en-US" dirty="0">
-                <a:latin typeface="Arial" panose="020B0604020202020204" pitchFamily="34" charset="0"/>
-                <a:cs typeface="Arial" panose="020B0604020202020204" pitchFamily="34" charset="0"/>
-              </a:rPr>
-              <a:t> </a:t>
-            </a:r>
-            <a:r>
-              <a:rPr lang="en-US" dirty="0" err="1">
-                <a:latin typeface="Arial" panose="020B0604020202020204" pitchFamily="34" charset="0"/>
-                <a:cs typeface="Arial" panose="020B0604020202020204" pitchFamily="34" charset="0"/>
-              </a:rPr>
-              <a:t>lời</a:t>
-            </a:r>
-            <a:r>
-              <a:rPr lang="en-US" dirty="0">
-                <a:latin typeface="Arial" panose="020B0604020202020204" pitchFamily="34" charset="0"/>
-                <a:cs typeface="Arial" panose="020B0604020202020204" pitchFamily="34" charset="0"/>
-              </a:rPr>
-              <a:t> </a:t>
-            </a:r>
-            <a:r>
-              <a:rPr lang="en-US" dirty="0" err="1">
-                <a:latin typeface="Arial" panose="020B0604020202020204" pitchFamily="34" charset="0"/>
-                <a:cs typeface="Arial" panose="020B0604020202020204" pitchFamily="34" charset="0"/>
-              </a:rPr>
-              <a:t>cho</a:t>
-            </a:r>
-            <a:r>
-              <a:rPr lang="en-US" dirty="0">
-                <a:latin typeface="Arial" panose="020B0604020202020204" pitchFamily="34" charset="0"/>
-                <a:cs typeface="Arial" panose="020B0604020202020204" pitchFamily="34" charset="0"/>
-              </a:rPr>
-              <a:t> </a:t>
-            </a:r>
-            <a:r>
-              <a:rPr lang="en-US" dirty="0" err="1">
-                <a:latin typeface="Arial" panose="020B0604020202020204" pitchFamily="34" charset="0"/>
-                <a:cs typeface="Arial" panose="020B0604020202020204" pitchFamily="34" charset="0"/>
-              </a:rPr>
-              <a:t>bên</a:t>
-            </a:r>
-            <a:r>
-              <a:rPr lang="en-US" dirty="0">
-                <a:latin typeface="Arial" panose="020B0604020202020204" pitchFamily="34" charset="0"/>
-                <a:cs typeface="Arial" panose="020B0604020202020204" pitchFamily="34" charset="0"/>
-              </a:rPr>
-              <a:t> </a:t>
-            </a:r>
-            <a:r>
-              <a:rPr lang="en-US" dirty="0" err="1">
-                <a:latin typeface="Arial" panose="020B0604020202020204" pitchFamily="34" charset="0"/>
-                <a:cs typeface="Arial" panose="020B0604020202020204" pitchFamily="34" charset="0"/>
-              </a:rPr>
-              <a:t>gửi</a:t>
-            </a:r>
-            <a:r>
-              <a:rPr lang="en-US" dirty="0">
-                <a:latin typeface="Arial" panose="020B0604020202020204" pitchFamily="34" charset="0"/>
-                <a:cs typeface="Arial" panose="020B0604020202020204" pitchFamily="34" charset="0"/>
-              </a:rPr>
-              <a:t> </a:t>
-            </a:r>
-            <a:r>
-              <a:rPr lang="en-US" dirty="0" err="1">
-                <a:latin typeface="Arial" panose="020B0604020202020204" pitchFamily="34" charset="0"/>
-                <a:cs typeface="Arial" panose="020B0604020202020204" pitchFamily="34" charset="0"/>
-              </a:rPr>
-              <a:t>số</a:t>
-            </a:r>
-            <a:r>
-              <a:rPr lang="en-US" dirty="0">
-                <a:latin typeface="Arial" panose="020B0604020202020204" pitchFamily="34" charset="0"/>
-                <a:cs typeface="Arial" panose="020B0604020202020204" pitchFamily="34" charset="0"/>
-              </a:rPr>
-              <a:t> </a:t>
-            </a:r>
-            <a:r>
-              <a:rPr lang="en-US" dirty="0" err="1">
-                <a:latin typeface="Arial" panose="020B0604020202020204" pitchFamily="34" charset="0"/>
-                <a:cs typeface="Arial" panose="020B0604020202020204" pitchFamily="34" charset="0"/>
-              </a:rPr>
-              <a:t>lượng</a:t>
-            </a:r>
-            <a:r>
-              <a:rPr lang="en-US" dirty="0">
-                <a:latin typeface="Arial" panose="020B0604020202020204" pitchFamily="34" charset="0"/>
-                <a:cs typeface="Arial" panose="020B0604020202020204" pitchFamily="34" charset="0"/>
-              </a:rPr>
-              <a:t> buffer </a:t>
-            </a:r>
-            <a:r>
-              <a:rPr lang="en-US" dirty="0" err="1">
-                <a:latin typeface="Arial" panose="020B0604020202020204" pitchFamily="34" charset="0"/>
-                <a:cs typeface="Arial" panose="020B0604020202020204" pitchFamily="34" charset="0"/>
-              </a:rPr>
-              <a:t>tối</a:t>
-            </a:r>
-            <a:r>
-              <a:rPr lang="en-US" dirty="0">
-                <a:latin typeface="Arial" panose="020B0604020202020204" pitchFamily="34" charset="0"/>
-                <a:cs typeface="Arial" panose="020B0604020202020204" pitchFamily="34" charset="0"/>
-              </a:rPr>
-              <a:t> </a:t>
-            </a:r>
-            <a:r>
-              <a:rPr lang="en-US" dirty="0" err="1">
-                <a:latin typeface="Arial" panose="020B0604020202020204" pitchFamily="34" charset="0"/>
-                <a:cs typeface="Arial" panose="020B0604020202020204" pitchFamily="34" charset="0"/>
-              </a:rPr>
-              <a:t>đa</a:t>
-            </a:r>
-            <a:r>
-              <a:rPr lang="en-US" dirty="0">
-                <a:latin typeface="Arial" panose="020B0604020202020204" pitchFamily="34" charset="0"/>
-                <a:cs typeface="Arial" panose="020B0604020202020204" pitchFamily="34" charset="0"/>
-              </a:rPr>
-              <a:t> </a:t>
-            </a:r>
-            <a:r>
-              <a:rPr lang="en-US" dirty="0" err="1">
-                <a:latin typeface="Arial" panose="020B0604020202020204" pitchFamily="34" charset="0"/>
-                <a:cs typeface="Arial" panose="020B0604020202020204" pitchFamily="34" charset="0"/>
-              </a:rPr>
-              <a:t>mà</a:t>
-            </a:r>
-            <a:r>
-              <a:rPr lang="en-US" dirty="0">
-                <a:latin typeface="Arial" panose="020B0604020202020204" pitchFamily="34" charset="0"/>
-                <a:cs typeface="Arial" panose="020B0604020202020204" pitchFamily="34" charset="0"/>
-              </a:rPr>
-              <a:t> </a:t>
-            </a:r>
-            <a:r>
-              <a:rPr lang="en-US" dirty="0" err="1">
-                <a:latin typeface="Arial" panose="020B0604020202020204" pitchFamily="34" charset="0"/>
-                <a:cs typeface="Arial" panose="020B0604020202020204" pitchFamily="34" charset="0"/>
-              </a:rPr>
-              <a:t>nó</a:t>
-            </a:r>
-            <a:r>
-              <a:rPr lang="en-US" dirty="0">
-                <a:latin typeface="Arial" panose="020B0604020202020204" pitchFamily="34" charset="0"/>
-                <a:cs typeface="Arial" panose="020B0604020202020204" pitchFamily="34" charset="0"/>
-              </a:rPr>
-              <a:t> </a:t>
-            </a:r>
-            <a:r>
-              <a:rPr lang="en-US" dirty="0" err="1">
-                <a:latin typeface="Arial" panose="020B0604020202020204" pitchFamily="34" charset="0"/>
-                <a:cs typeface="Arial" panose="020B0604020202020204" pitchFamily="34" charset="0"/>
-              </a:rPr>
-              <a:t>có</a:t>
-            </a:r>
-            <a:r>
-              <a:rPr lang="en-US" dirty="0">
-                <a:latin typeface="Arial" panose="020B0604020202020204" pitchFamily="34" charset="0"/>
-                <a:cs typeface="Arial" panose="020B0604020202020204" pitchFamily="34" charset="0"/>
-              </a:rPr>
-              <a:t> </a:t>
-            </a:r>
-            <a:r>
-              <a:rPr lang="en-US" dirty="0" err="1">
-                <a:latin typeface="Arial" panose="020B0604020202020204" pitchFamily="34" charset="0"/>
-                <a:cs typeface="Arial" panose="020B0604020202020204" pitchFamily="34" charset="0"/>
-              </a:rPr>
-              <a:t>thể</a:t>
-            </a:r>
-            <a:r>
-              <a:rPr lang="en-US" dirty="0">
-                <a:latin typeface="Arial" panose="020B0604020202020204" pitchFamily="34" charset="0"/>
-                <a:cs typeface="Arial" panose="020B0604020202020204" pitchFamily="34" charset="0"/>
-              </a:rPr>
-              <a:t> </a:t>
-            </a:r>
-            <a:r>
-              <a:rPr lang="en-US" dirty="0" err="1">
-                <a:latin typeface="Arial" panose="020B0604020202020204" pitchFamily="34" charset="0"/>
-                <a:cs typeface="Arial" panose="020B0604020202020204" pitchFamily="34" charset="0"/>
-              </a:rPr>
-              <a:t>cung</a:t>
-            </a:r>
-            <a:r>
-              <a:rPr lang="en-US" dirty="0">
-                <a:latin typeface="Arial" panose="020B0604020202020204" pitchFamily="34" charset="0"/>
-                <a:cs typeface="Arial" panose="020B0604020202020204" pitchFamily="34" charset="0"/>
-              </a:rPr>
-              <a:t> </a:t>
-            </a:r>
-            <a:r>
-              <a:rPr lang="en-US" dirty="0" err="1">
-                <a:latin typeface="Arial" panose="020B0604020202020204" pitchFamily="34" charset="0"/>
-                <a:cs typeface="Arial" panose="020B0604020202020204" pitchFamily="34" charset="0"/>
-              </a:rPr>
-              <a:t>cấp</a:t>
-            </a:r>
-            <a:r>
-              <a:rPr lang="en-US" dirty="0">
-                <a:latin typeface="Arial" panose="020B0604020202020204" pitchFamily="34" charset="0"/>
-                <a:cs typeface="Arial" panose="020B0604020202020204" pitchFamily="34" charset="0"/>
-              </a:rPr>
-              <a:t>.</a:t>
-            </a:r>
-          </a:p>
-          <a:p>
-            <a:pPr marL="742950" lvl="1" indent="-285750">
-              <a:buFont typeface="Arial" panose="020B0604020202020204" pitchFamily="34" charset="0"/>
-              <a:buChar char="•"/>
-            </a:pPr>
-            <a:r>
-              <a:rPr lang="en-US" dirty="0" err="1">
-                <a:latin typeface="Arial" panose="020B0604020202020204" pitchFamily="34" charset="0"/>
-                <a:cs typeface="Arial" panose="020B0604020202020204" pitchFamily="34" charset="0"/>
-              </a:rPr>
-              <a:t>Mỗi</a:t>
-            </a:r>
-            <a:r>
-              <a:rPr lang="en-US" dirty="0">
-                <a:latin typeface="Arial" panose="020B0604020202020204" pitchFamily="34" charset="0"/>
-                <a:cs typeface="Arial" panose="020B0604020202020204" pitchFamily="34" charset="0"/>
-              </a:rPr>
-              <a:t> </a:t>
-            </a:r>
-            <a:r>
-              <a:rPr lang="en-US" dirty="0" err="1">
-                <a:latin typeface="Arial" panose="020B0604020202020204" pitchFamily="34" charset="0"/>
-                <a:cs typeface="Arial" panose="020B0604020202020204" pitchFamily="34" charset="0"/>
-              </a:rPr>
-              <a:t>khi</a:t>
-            </a:r>
-            <a:r>
-              <a:rPr lang="en-US" dirty="0">
-                <a:latin typeface="Arial" panose="020B0604020202020204" pitchFamily="34" charset="0"/>
-                <a:cs typeface="Arial" panose="020B0604020202020204" pitchFamily="34" charset="0"/>
-              </a:rPr>
-              <a:t> </a:t>
-            </a:r>
-            <a:r>
-              <a:rPr lang="en-US" dirty="0" err="1">
-                <a:latin typeface="Arial" panose="020B0604020202020204" pitchFamily="34" charset="0"/>
-                <a:cs typeface="Arial" panose="020B0604020202020204" pitchFamily="34" charset="0"/>
-              </a:rPr>
-              <a:t>báo</a:t>
-            </a:r>
-            <a:r>
-              <a:rPr lang="en-US" dirty="0">
-                <a:latin typeface="Arial" panose="020B0604020202020204" pitchFamily="34" charset="0"/>
-                <a:cs typeface="Arial" panose="020B0604020202020204" pitchFamily="34" charset="0"/>
-              </a:rPr>
-              <a:t> </a:t>
-            </a:r>
-            <a:r>
-              <a:rPr lang="en-US" dirty="0" err="1">
-                <a:latin typeface="Arial" panose="020B0604020202020204" pitchFamily="34" charset="0"/>
-                <a:cs typeface="Arial" panose="020B0604020202020204" pitchFamily="34" charset="0"/>
-              </a:rPr>
-              <a:t>nhận</a:t>
-            </a:r>
-            <a:r>
-              <a:rPr lang="en-US" dirty="0">
-                <a:latin typeface="Arial" panose="020B0604020202020204" pitchFamily="34" charset="0"/>
-                <a:cs typeface="Arial" panose="020B0604020202020204" pitchFamily="34" charset="0"/>
-              </a:rPr>
-              <a:t> ACK </a:t>
-            </a:r>
-            <a:r>
-              <a:rPr lang="en-US" dirty="0" err="1">
-                <a:latin typeface="Arial" panose="020B0604020202020204" pitchFamily="34" charset="0"/>
-                <a:cs typeface="Arial" panose="020B0604020202020204" pitchFamily="34" charset="0"/>
-              </a:rPr>
-              <a:t>cho</a:t>
-            </a:r>
-            <a:r>
-              <a:rPr lang="en-US" dirty="0">
-                <a:latin typeface="Arial" panose="020B0604020202020204" pitchFamily="34" charset="0"/>
-                <a:cs typeface="Arial" panose="020B0604020202020204" pitchFamily="34" charset="0"/>
-              </a:rPr>
-              <a:t> </a:t>
-            </a:r>
-            <a:r>
-              <a:rPr lang="en-US" dirty="0" err="1">
-                <a:latin typeface="Arial" panose="020B0604020202020204" pitchFamily="34" charset="0"/>
-                <a:cs typeface="Arial" panose="020B0604020202020204" pitchFamily="34" charset="0"/>
-              </a:rPr>
-              <a:t>mỗi</a:t>
-            </a:r>
-            <a:r>
-              <a:rPr lang="en-US" dirty="0">
-                <a:latin typeface="Arial" panose="020B0604020202020204" pitchFamily="34" charset="0"/>
-                <a:cs typeface="Arial" panose="020B0604020202020204" pitchFamily="34" charset="0"/>
-              </a:rPr>
-              <a:t> </a:t>
-            </a:r>
-            <a:r>
-              <a:rPr lang="en-US" dirty="0" err="1">
-                <a:latin typeface="Arial" panose="020B0604020202020204" pitchFamily="34" charset="0"/>
-                <a:cs typeface="Arial" panose="020B0604020202020204" pitchFamily="34" charset="0"/>
-              </a:rPr>
-              <a:t>gói</a:t>
-            </a:r>
-            <a:r>
-              <a:rPr lang="en-US" dirty="0">
-                <a:latin typeface="Arial" panose="020B0604020202020204" pitchFamily="34" charset="0"/>
-                <a:cs typeface="Arial" panose="020B0604020202020204" pitchFamily="34" charset="0"/>
-              </a:rPr>
-              <a:t> tin </a:t>
-            </a:r>
-            <a:r>
-              <a:rPr lang="en-US" dirty="0" err="1">
-                <a:latin typeface="Arial" panose="020B0604020202020204" pitchFamily="34" charset="0"/>
-                <a:cs typeface="Arial" panose="020B0604020202020204" pitchFamily="34" charset="0"/>
-              </a:rPr>
-              <a:t>có</a:t>
-            </a:r>
-            <a:r>
-              <a:rPr lang="en-US" dirty="0">
-                <a:latin typeface="Arial" panose="020B0604020202020204" pitchFamily="34" charset="0"/>
-                <a:cs typeface="Arial" panose="020B0604020202020204" pitchFamily="34" charset="0"/>
-              </a:rPr>
-              <a:t> </a:t>
-            </a:r>
-            <a:r>
-              <a:rPr lang="en-US" dirty="0" err="1">
-                <a:latin typeface="Arial" panose="020B0604020202020204" pitchFamily="34" charset="0"/>
-                <a:cs typeface="Arial" panose="020B0604020202020204" pitchFamily="34" charset="0"/>
-              </a:rPr>
-              <a:t>số</a:t>
-            </a:r>
-            <a:r>
-              <a:rPr lang="en-US" dirty="0">
-                <a:latin typeface="Arial" panose="020B0604020202020204" pitchFamily="34" charset="0"/>
-                <a:cs typeface="Arial" panose="020B0604020202020204" pitchFamily="34" charset="0"/>
-              </a:rPr>
-              <a:t> </a:t>
-            </a:r>
-            <a:r>
-              <a:rPr lang="en-US" dirty="0" err="1">
-                <a:latin typeface="Arial" panose="020B0604020202020204" pitchFamily="34" charset="0"/>
-                <a:cs typeface="Arial" panose="020B0604020202020204" pitchFamily="34" charset="0"/>
-              </a:rPr>
-              <a:t>thứ</a:t>
-            </a:r>
-            <a:r>
-              <a:rPr lang="en-US" dirty="0">
-                <a:latin typeface="Arial" panose="020B0604020202020204" pitchFamily="34" charset="0"/>
-                <a:cs typeface="Arial" panose="020B0604020202020204" pitchFamily="34" charset="0"/>
-              </a:rPr>
-              <a:t> </a:t>
-            </a:r>
-            <a:r>
-              <a:rPr lang="en-US" dirty="0" err="1">
-                <a:latin typeface="Arial" panose="020B0604020202020204" pitchFamily="34" charset="0"/>
-                <a:cs typeface="Arial" panose="020B0604020202020204" pitchFamily="34" charset="0"/>
-              </a:rPr>
-              <a:t>tự</a:t>
-            </a:r>
-            <a:r>
-              <a:rPr lang="en-US" dirty="0">
-                <a:latin typeface="Arial" panose="020B0604020202020204" pitchFamily="34" charset="0"/>
-                <a:cs typeface="Arial" panose="020B0604020202020204" pitchFamily="34" charset="0"/>
-              </a:rPr>
-              <a:t> SEQ_NUM, </a:t>
-            </a:r>
-            <a:r>
-              <a:rPr lang="en-US" dirty="0" err="1">
-                <a:latin typeface="Arial" panose="020B0604020202020204" pitchFamily="34" charset="0"/>
-                <a:cs typeface="Arial" panose="020B0604020202020204" pitchFamily="34" charset="0"/>
-              </a:rPr>
-              <a:t>bên</a:t>
-            </a:r>
-            <a:r>
-              <a:rPr lang="en-US" dirty="0">
-                <a:latin typeface="Arial" panose="020B0604020202020204" pitchFamily="34" charset="0"/>
-                <a:cs typeface="Arial" panose="020B0604020202020204" pitchFamily="34" charset="0"/>
-              </a:rPr>
-              <a:t> </a:t>
-            </a:r>
-            <a:r>
-              <a:rPr lang="en-US" dirty="0" err="1">
-                <a:latin typeface="Arial" panose="020B0604020202020204" pitchFamily="34" charset="0"/>
-                <a:cs typeface="Arial" panose="020B0604020202020204" pitchFamily="34" charset="0"/>
-              </a:rPr>
-              <a:t>nhận</a:t>
-            </a:r>
-            <a:r>
-              <a:rPr lang="en-US" dirty="0">
-                <a:latin typeface="Arial" panose="020B0604020202020204" pitchFamily="34" charset="0"/>
-                <a:cs typeface="Arial" panose="020B0604020202020204" pitchFamily="34" charset="0"/>
-              </a:rPr>
-              <a:t> </a:t>
-            </a:r>
-            <a:r>
-              <a:rPr lang="en-US" dirty="0" err="1">
-                <a:latin typeface="Arial" panose="020B0604020202020204" pitchFamily="34" charset="0"/>
-                <a:cs typeface="Arial" panose="020B0604020202020204" pitchFamily="34" charset="0"/>
-              </a:rPr>
-              <a:t>cũng</a:t>
-            </a:r>
-            <a:r>
-              <a:rPr lang="en-US" dirty="0">
-                <a:latin typeface="Arial" panose="020B0604020202020204" pitchFamily="34" charset="0"/>
-                <a:cs typeface="Arial" panose="020B0604020202020204" pitchFamily="34" charset="0"/>
-              </a:rPr>
-              <a:t> </a:t>
-            </a:r>
-            <a:r>
-              <a:rPr lang="en-US" dirty="0" err="1">
-                <a:latin typeface="Arial" panose="020B0604020202020204" pitchFamily="34" charset="0"/>
-                <a:cs typeface="Arial" panose="020B0604020202020204" pitchFamily="34" charset="0"/>
-              </a:rPr>
-              <a:t>phải</a:t>
-            </a:r>
-            <a:r>
-              <a:rPr lang="en-US" dirty="0">
-                <a:latin typeface="Arial" panose="020B0604020202020204" pitchFamily="34" charset="0"/>
-                <a:cs typeface="Arial" panose="020B0604020202020204" pitchFamily="34" charset="0"/>
-              </a:rPr>
-              <a:t> </a:t>
-            </a:r>
-            <a:r>
-              <a:rPr lang="en-US" dirty="0" err="1">
-                <a:latin typeface="Arial" panose="020B0604020202020204" pitchFamily="34" charset="0"/>
-                <a:cs typeface="Arial" panose="020B0604020202020204" pitchFamily="34" charset="0"/>
-              </a:rPr>
-              <a:t>gửi</a:t>
-            </a:r>
-            <a:r>
-              <a:rPr lang="en-US" dirty="0">
-                <a:latin typeface="Arial" panose="020B0604020202020204" pitchFamily="34" charset="0"/>
-                <a:cs typeface="Arial" panose="020B0604020202020204" pitchFamily="34" charset="0"/>
-              </a:rPr>
-              <a:t> </a:t>
-            </a:r>
-            <a:r>
-              <a:rPr lang="en-US" dirty="0" err="1">
-                <a:latin typeface="Arial" panose="020B0604020202020204" pitchFamily="34" charset="0"/>
-                <a:cs typeface="Arial" panose="020B0604020202020204" pitchFamily="34" charset="0"/>
-              </a:rPr>
-              <a:t>kèm</a:t>
-            </a:r>
-            <a:r>
-              <a:rPr lang="en-US" dirty="0">
-                <a:latin typeface="Arial" panose="020B0604020202020204" pitchFamily="34" charset="0"/>
-                <a:cs typeface="Arial" panose="020B0604020202020204" pitchFamily="34" charset="0"/>
-              </a:rPr>
-              <a:t> </a:t>
-            </a:r>
-            <a:r>
-              <a:rPr lang="en-US" dirty="0" err="1">
-                <a:latin typeface="Arial" panose="020B0604020202020204" pitchFamily="34" charset="0"/>
-                <a:cs typeface="Arial" panose="020B0604020202020204" pitchFamily="34" charset="0"/>
-              </a:rPr>
-              <a:t>theo</a:t>
-            </a:r>
-            <a:r>
-              <a:rPr lang="en-US" dirty="0">
-                <a:latin typeface="Arial" panose="020B0604020202020204" pitchFamily="34" charset="0"/>
-                <a:cs typeface="Arial" panose="020B0604020202020204" pitchFamily="34" charset="0"/>
-              </a:rPr>
-              <a:t> </a:t>
-            </a:r>
-            <a:r>
-              <a:rPr lang="en-US" dirty="0" err="1">
-                <a:latin typeface="Arial" panose="020B0604020202020204" pitchFamily="34" charset="0"/>
-                <a:cs typeface="Arial" panose="020B0604020202020204" pitchFamily="34" charset="0"/>
-              </a:rPr>
-              <a:t>thông</a:t>
-            </a:r>
-            <a:r>
-              <a:rPr lang="en-US" dirty="0">
-                <a:latin typeface="Arial" panose="020B0604020202020204" pitchFamily="34" charset="0"/>
-                <a:cs typeface="Arial" panose="020B0604020202020204" pitchFamily="34" charset="0"/>
-              </a:rPr>
-              <a:t> </a:t>
-            </a:r>
-            <a:r>
-              <a:rPr lang="en-US" dirty="0" err="1">
-                <a:latin typeface="Arial" panose="020B0604020202020204" pitchFamily="34" charset="0"/>
-                <a:cs typeface="Arial" panose="020B0604020202020204" pitchFamily="34" charset="0"/>
-              </a:rPr>
-              <a:t>báo</a:t>
-            </a:r>
-            <a:r>
-              <a:rPr lang="en-US" dirty="0">
-                <a:latin typeface="Arial" panose="020B0604020202020204" pitchFamily="34" charset="0"/>
-                <a:cs typeface="Arial" panose="020B0604020202020204" pitchFamily="34" charset="0"/>
-              </a:rPr>
-              <a:t> </a:t>
-            </a:r>
-            <a:r>
-              <a:rPr lang="en-US" dirty="0" err="1">
-                <a:latin typeface="Arial" panose="020B0604020202020204" pitchFamily="34" charset="0"/>
-                <a:cs typeface="Arial" panose="020B0604020202020204" pitchFamily="34" charset="0"/>
-              </a:rPr>
-              <a:t>cho</a:t>
-            </a:r>
-            <a:r>
-              <a:rPr lang="en-US" dirty="0">
-                <a:latin typeface="Arial" panose="020B0604020202020204" pitchFamily="34" charset="0"/>
-                <a:cs typeface="Arial" panose="020B0604020202020204" pitchFamily="34" charset="0"/>
-              </a:rPr>
-              <a:t> </a:t>
-            </a:r>
-            <a:r>
-              <a:rPr lang="en-US" dirty="0" err="1">
-                <a:latin typeface="Arial" panose="020B0604020202020204" pitchFamily="34" charset="0"/>
-                <a:cs typeface="Arial" panose="020B0604020202020204" pitchFamily="34" charset="0"/>
-              </a:rPr>
-              <a:t>bên</a:t>
-            </a:r>
-            <a:r>
-              <a:rPr lang="en-US" dirty="0">
-                <a:latin typeface="Arial" panose="020B0604020202020204" pitchFamily="34" charset="0"/>
-                <a:cs typeface="Arial" panose="020B0604020202020204" pitchFamily="34" charset="0"/>
-              </a:rPr>
-              <a:t> </a:t>
-            </a:r>
-            <a:r>
-              <a:rPr lang="en-US" dirty="0" err="1">
-                <a:latin typeface="Arial" panose="020B0604020202020204" pitchFamily="34" charset="0"/>
-                <a:cs typeface="Arial" panose="020B0604020202020204" pitchFamily="34" charset="0"/>
-              </a:rPr>
-              <a:t>gửi</a:t>
-            </a:r>
-            <a:r>
-              <a:rPr lang="en-US" dirty="0">
-                <a:latin typeface="Arial" panose="020B0604020202020204" pitchFamily="34" charset="0"/>
-                <a:cs typeface="Arial" panose="020B0604020202020204" pitchFamily="34" charset="0"/>
-              </a:rPr>
-              <a:t> </a:t>
-            </a:r>
-            <a:r>
-              <a:rPr lang="en-US" dirty="0" err="1">
-                <a:latin typeface="Arial" panose="020B0604020202020204" pitchFamily="34" charset="0"/>
-                <a:cs typeface="Arial" panose="020B0604020202020204" pitchFamily="34" charset="0"/>
-              </a:rPr>
-              <a:t>biết</a:t>
-            </a:r>
-            <a:r>
-              <a:rPr lang="en-US" dirty="0">
-                <a:latin typeface="Arial" panose="020B0604020202020204" pitchFamily="34" charset="0"/>
-                <a:cs typeface="Arial" panose="020B0604020202020204" pitchFamily="34" charset="0"/>
-              </a:rPr>
-              <a:t> </a:t>
-            </a:r>
-            <a:r>
-              <a:rPr lang="en-US" dirty="0" err="1">
-                <a:latin typeface="Arial" panose="020B0604020202020204" pitchFamily="34" charset="0"/>
-                <a:cs typeface="Arial" panose="020B0604020202020204" pitchFamily="34" charset="0"/>
-              </a:rPr>
-              <a:t>số</a:t>
-            </a:r>
-            <a:r>
-              <a:rPr lang="en-US" dirty="0">
-                <a:latin typeface="Arial" panose="020B0604020202020204" pitchFamily="34" charset="0"/>
-                <a:cs typeface="Arial" panose="020B0604020202020204" pitchFamily="34" charset="0"/>
-              </a:rPr>
-              <a:t> </a:t>
-            </a:r>
-            <a:r>
-              <a:rPr lang="en-US" dirty="0" err="1">
-                <a:latin typeface="Arial" panose="020B0604020202020204" pitchFamily="34" charset="0"/>
-                <a:cs typeface="Arial" panose="020B0604020202020204" pitchFamily="34" charset="0"/>
-              </a:rPr>
-              <a:t>lượng</a:t>
-            </a:r>
-            <a:r>
-              <a:rPr lang="en-US" dirty="0">
-                <a:latin typeface="Arial" panose="020B0604020202020204" pitchFamily="34" charset="0"/>
-                <a:cs typeface="Arial" panose="020B0604020202020204" pitchFamily="34" charset="0"/>
-              </a:rPr>
-              <a:t> buffer </a:t>
-            </a:r>
-            <a:r>
-              <a:rPr lang="en-US" dirty="0" err="1">
-                <a:latin typeface="Arial" panose="020B0604020202020204" pitchFamily="34" charset="0"/>
-                <a:cs typeface="Arial" panose="020B0604020202020204" pitchFamily="34" charset="0"/>
-              </a:rPr>
-              <a:t>nào</a:t>
-            </a:r>
-            <a:r>
-              <a:rPr lang="en-US" dirty="0">
-                <a:latin typeface="Arial" panose="020B0604020202020204" pitchFamily="34" charset="0"/>
-                <a:cs typeface="Arial" panose="020B0604020202020204" pitchFamily="34" charset="0"/>
-              </a:rPr>
-              <a:t> </a:t>
-            </a:r>
-            <a:r>
-              <a:rPr lang="en-US" dirty="0" err="1">
-                <a:latin typeface="Arial" panose="020B0604020202020204" pitchFamily="34" charset="0"/>
-                <a:cs typeface="Arial" panose="020B0604020202020204" pitchFamily="34" charset="0"/>
-              </a:rPr>
-              <a:t>còn</a:t>
-            </a:r>
-            <a:r>
-              <a:rPr lang="en-US" dirty="0">
-                <a:latin typeface="Arial" panose="020B0604020202020204" pitchFamily="34" charset="0"/>
-                <a:cs typeface="Arial" panose="020B0604020202020204" pitchFamily="34" charset="0"/>
-              </a:rPr>
-              <a:t> </a:t>
-            </a:r>
-            <a:r>
-              <a:rPr lang="en-US" dirty="0" err="1">
-                <a:latin typeface="Arial" panose="020B0604020202020204" pitchFamily="34" charset="0"/>
-                <a:cs typeface="Arial" panose="020B0604020202020204" pitchFamily="34" charset="0"/>
-              </a:rPr>
-              <a:t>lại</a:t>
-            </a:r>
-            <a:r>
-              <a:rPr lang="en-US" dirty="0">
-                <a:latin typeface="Arial" panose="020B0604020202020204" pitchFamily="34" charset="0"/>
-                <a:cs typeface="Arial" panose="020B0604020202020204" pitchFamily="34" charset="0"/>
-              </a:rPr>
-              <a:t> </a:t>
-            </a:r>
-            <a:r>
-              <a:rPr lang="en-US" dirty="0" err="1">
-                <a:latin typeface="Arial" panose="020B0604020202020204" pitchFamily="34" charset="0"/>
-                <a:cs typeface="Arial" panose="020B0604020202020204" pitchFamily="34" charset="0"/>
-              </a:rPr>
-              <a:t>là</a:t>
-            </a:r>
-            <a:r>
-              <a:rPr lang="en-US" dirty="0">
-                <a:latin typeface="Arial" panose="020B0604020202020204" pitchFamily="34" charset="0"/>
-                <a:cs typeface="Arial" panose="020B0604020202020204" pitchFamily="34" charset="0"/>
-              </a:rPr>
-              <a:t> bao </a:t>
-            </a:r>
-            <a:r>
-              <a:rPr lang="en-US" dirty="0" err="1">
-                <a:latin typeface="Arial" panose="020B0604020202020204" pitchFamily="34" charset="0"/>
-                <a:cs typeface="Arial" panose="020B0604020202020204" pitchFamily="34" charset="0"/>
-              </a:rPr>
-              <a:t>nhiêu</a:t>
-            </a:r>
-            <a:r>
-              <a:rPr lang="en-US" dirty="0">
-                <a:latin typeface="Arial" panose="020B0604020202020204" pitchFamily="34" charset="0"/>
-                <a:cs typeface="Arial" panose="020B0604020202020204" pitchFamily="34" charset="0"/>
-              </a:rPr>
-              <a:t> </a:t>
-            </a:r>
-            <a:r>
-              <a:rPr lang="en-US" dirty="0" err="1">
-                <a:latin typeface="Arial" panose="020B0604020202020204" pitchFamily="34" charset="0"/>
-                <a:cs typeface="Arial" panose="020B0604020202020204" pitchFamily="34" charset="0"/>
-              </a:rPr>
-              <a:t>để</a:t>
-            </a:r>
-            <a:r>
-              <a:rPr lang="en-US" dirty="0">
-                <a:latin typeface="Arial" panose="020B0604020202020204" pitchFamily="34" charset="0"/>
-                <a:cs typeface="Arial" panose="020B0604020202020204" pitchFamily="34" charset="0"/>
-              </a:rPr>
-              <a:t> </a:t>
-            </a:r>
-            <a:r>
-              <a:rPr lang="en-US" dirty="0" err="1">
-                <a:latin typeface="Arial" panose="020B0604020202020204" pitchFamily="34" charset="0"/>
-                <a:cs typeface="Arial" panose="020B0604020202020204" pitchFamily="34" charset="0"/>
-              </a:rPr>
-              <a:t>bên</a:t>
-            </a:r>
-            <a:r>
-              <a:rPr lang="en-US" dirty="0">
-                <a:latin typeface="Arial" panose="020B0604020202020204" pitchFamily="34" charset="0"/>
-                <a:cs typeface="Arial" panose="020B0604020202020204" pitchFamily="34" charset="0"/>
-              </a:rPr>
-              <a:t> </a:t>
-            </a:r>
-            <a:r>
-              <a:rPr lang="en-US" dirty="0" err="1">
-                <a:latin typeface="Arial" panose="020B0604020202020204" pitchFamily="34" charset="0"/>
-                <a:cs typeface="Arial" panose="020B0604020202020204" pitchFamily="34" charset="0"/>
-              </a:rPr>
-              <a:t>gửi</a:t>
-            </a:r>
-            <a:r>
-              <a:rPr lang="en-US" dirty="0">
-                <a:latin typeface="Arial" panose="020B0604020202020204" pitchFamily="34" charset="0"/>
-                <a:cs typeface="Arial" panose="020B0604020202020204" pitchFamily="34" charset="0"/>
-              </a:rPr>
-              <a:t> </a:t>
-            </a:r>
-            <a:r>
-              <a:rPr lang="en-US" dirty="0" err="1">
-                <a:latin typeface="Arial" panose="020B0604020202020204" pitchFamily="34" charset="0"/>
-                <a:cs typeface="Arial" panose="020B0604020202020204" pitchFamily="34" charset="0"/>
-              </a:rPr>
-              <a:t>không</a:t>
-            </a:r>
-            <a:r>
-              <a:rPr lang="en-US" dirty="0">
-                <a:latin typeface="Arial" panose="020B0604020202020204" pitchFamily="34" charset="0"/>
-                <a:cs typeface="Arial" panose="020B0604020202020204" pitchFamily="34" charset="0"/>
-              </a:rPr>
-              <a:t> </a:t>
-            </a:r>
-            <a:r>
-              <a:rPr lang="en-US" dirty="0" err="1">
-                <a:latin typeface="Arial" panose="020B0604020202020204" pitchFamily="34" charset="0"/>
-                <a:cs typeface="Arial" panose="020B0604020202020204" pitchFamily="34" charset="0"/>
-              </a:rPr>
-              <a:t>làm</a:t>
-            </a:r>
-            <a:r>
-              <a:rPr lang="en-US" dirty="0">
-                <a:latin typeface="Arial" panose="020B0604020202020204" pitchFamily="34" charset="0"/>
-                <a:cs typeface="Arial" panose="020B0604020202020204" pitchFamily="34" charset="0"/>
-              </a:rPr>
-              <a:t> </a:t>
-            </a:r>
-            <a:r>
-              <a:rPr lang="en-US" dirty="0" err="1">
-                <a:latin typeface="Arial" panose="020B0604020202020204" pitchFamily="34" charset="0"/>
-                <a:cs typeface="Arial" panose="020B0604020202020204" pitchFamily="34" charset="0"/>
-              </a:rPr>
-              <a:t>ngập</a:t>
-            </a:r>
-            <a:r>
-              <a:rPr lang="en-US" dirty="0">
-                <a:latin typeface="Arial" panose="020B0604020202020204" pitchFamily="34" charset="0"/>
-                <a:cs typeface="Arial" panose="020B0604020202020204" pitchFamily="34" charset="0"/>
-              </a:rPr>
-              <a:t> </a:t>
-            </a:r>
-            <a:r>
-              <a:rPr lang="en-US" dirty="0" err="1">
-                <a:latin typeface="Arial" panose="020B0604020202020204" pitchFamily="34" charset="0"/>
-                <a:cs typeface="Arial" panose="020B0604020202020204" pitchFamily="34" charset="0"/>
-              </a:rPr>
-              <a:t>bên</a:t>
-            </a:r>
-            <a:r>
-              <a:rPr lang="en-US" dirty="0">
-                <a:latin typeface="Arial" panose="020B0604020202020204" pitchFamily="34" charset="0"/>
-                <a:cs typeface="Arial" panose="020B0604020202020204" pitchFamily="34" charset="0"/>
-              </a:rPr>
-              <a:t> </a:t>
-            </a:r>
-            <a:r>
-              <a:rPr lang="en-US" dirty="0" err="1">
-                <a:latin typeface="Arial" panose="020B0604020202020204" pitchFamily="34" charset="0"/>
-                <a:cs typeface="Arial" panose="020B0604020202020204" pitchFamily="34" charset="0"/>
-              </a:rPr>
-              <a:t>nhận</a:t>
-            </a:r>
-            <a:r>
-              <a:rPr lang="en-US" dirty="0">
-                <a:latin typeface="Arial" panose="020B0604020202020204" pitchFamily="34" charset="0"/>
-                <a:cs typeface="Arial" panose="020B0604020202020204" pitchFamily="34" charset="0"/>
-              </a:rPr>
-              <a:t> </a:t>
-            </a:r>
-            <a:r>
-              <a:rPr lang="en-US" dirty="0" err="1">
-                <a:latin typeface="Arial" panose="020B0604020202020204" pitchFamily="34" charset="0"/>
-                <a:cs typeface="Arial" panose="020B0604020202020204" pitchFamily="34" charset="0"/>
-              </a:rPr>
-              <a:t>gây</a:t>
-            </a:r>
-            <a:r>
-              <a:rPr lang="en-US" dirty="0">
-                <a:latin typeface="Arial" panose="020B0604020202020204" pitchFamily="34" charset="0"/>
-                <a:cs typeface="Arial" panose="020B0604020202020204" pitchFamily="34" charset="0"/>
-              </a:rPr>
-              <a:t> ra </a:t>
-            </a:r>
-            <a:r>
-              <a:rPr lang="en-US" dirty="0" err="1">
-                <a:latin typeface="Arial" panose="020B0604020202020204" pitchFamily="34" charset="0"/>
-                <a:cs typeface="Arial" panose="020B0604020202020204" pitchFamily="34" charset="0"/>
-              </a:rPr>
-              <a:t>tắc</a:t>
-            </a:r>
-            <a:r>
-              <a:rPr lang="en-US" dirty="0">
-                <a:latin typeface="Arial" panose="020B0604020202020204" pitchFamily="34" charset="0"/>
-                <a:cs typeface="Arial" panose="020B0604020202020204" pitchFamily="34" charset="0"/>
-              </a:rPr>
-              <a:t> </a:t>
-            </a:r>
-            <a:r>
-              <a:rPr lang="en-US" dirty="0" err="1">
-                <a:latin typeface="Arial" panose="020B0604020202020204" pitchFamily="34" charset="0"/>
-                <a:cs typeface="Arial" panose="020B0604020202020204" pitchFamily="34" charset="0"/>
-              </a:rPr>
-              <a:t>nghẽn</a:t>
+              <a:t>phản</a:t>
+            </a:r>
+            <a:r>
+              <a:rPr lang="en-US" dirty="0">
+                <a:latin typeface="Arial" panose="020B0604020202020204" pitchFamily="34" charset="0"/>
+                <a:cs typeface="Arial" panose="020B0604020202020204" pitchFamily="34" charset="0"/>
+              </a:rPr>
+              <a:t> </a:t>
+            </a:r>
+            <a:r>
+              <a:rPr lang="en-US" dirty="0" err="1">
+                <a:latin typeface="Arial" panose="020B0604020202020204" pitchFamily="34" charset="0"/>
+                <a:cs typeface="Arial" panose="020B0604020202020204" pitchFamily="34" charset="0"/>
+              </a:rPr>
+              <a:t>hồi</a:t>
             </a:r>
             <a:endParaRPr lang="en-US" dirty="0">
               <a:latin typeface="Arial" panose="020B0604020202020204" pitchFamily="34" charset="0"/>
               <a:cs typeface="Arial" panose="020B0604020202020204" pitchFamily="34" charset="0"/>
             </a:endParaRPr>
           </a:p>
+          <a:p>
+            <a:pPr marL="285750" indent="-285750">
+              <a:buFont typeface="Arial" panose="020B0604020202020204" pitchFamily="34" charset="0"/>
+              <a:buChar char="•"/>
+            </a:pPr>
+            <a:r>
+              <a:rPr lang="en-US" dirty="0">
+                <a:latin typeface="Arial" panose="020B0604020202020204" pitchFamily="34" charset="0"/>
+                <a:cs typeface="Arial" panose="020B0604020202020204" pitchFamily="34" charset="0"/>
+              </a:rPr>
+              <a:t>Do </a:t>
+            </a:r>
+            <a:r>
+              <a:rPr lang="en-US" dirty="0" err="1">
+                <a:latin typeface="Arial" panose="020B0604020202020204" pitchFamily="34" charset="0"/>
+                <a:cs typeface="Arial" panose="020B0604020202020204" pitchFamily="34" charset="0"/>
+              </a:rPr>
+              <a:t>các</a:t>
+            </a:r>
+            <a:r>
+              <a:rPr lang="en-US" dirty="0">
+                <a:latin typeface="Arial" panose="020B0604020202020204" pitchFamily="34" charset="0"/>
+                <a:cs typeface="Arial" panose="020B0604020202020204" pitchFamily="34" charset="0"/>
+              </a:rPr>
+              <a:t> </a:t>
+            </a:r>
+            <a:r>
+              <a:rPr lang="en-US" dirty="0" err="1">
+                <a:latin typeface="Arial" panose="020B0604020202020204" pitchFamily="34" charset="0"/>
+                <a:cs typeface="Arial" panose="020B0604020202020204" pitchFamily="34" charset="0"/>
+              </a:rPr>
+              <a:t>khung</a:t>
+            </a:r>
+            <a:r>
+              <a:rPr lang="en-US" dirty="0">
+                <a:latin typeface="Arial" panose="020B0604020202020204" pitchFamily="34" charset="0"/>
+                <a:cs typeface="Arial" panose="020B0604020202020204" pitchFamily="34" charset="0"/>
+              </a:rPr>
+              <a:t> </a:t>
+            </a:r>
+            <a:r>
+              <a:rPr lang="en-US" dirty="0" err="1">
+                <a:latin typeface="Arial" panose="020B0604020202020204" pitchFamily="34" charset="0"/>
+                <a:cs typeface="Arial" panose="020B0604020202020204" pitchFamily="34" charset="0"/>
+              </a:rPr>
+              <a:t>có</a:t>
+            </a:r>
+            <a:r>
+              <a:rPr lang="en-US" dirty="0">
+                <a:latin typeface="Arial" panose="020B0604020202020204" pitchFamily="34" charset="0"/>
+                <a:cs typeface="Arial" panose="020B0604020202020204" pitchFamily="34" charset="0"/>
+              </a:rPr>
+              <a:t> </a:t>
+            </a:r>
+            <a:r>
+              <a:rPr lang="en-US" dirty="0" err="1">
+                <a:latin typeface="Arial" panose="020B0604020202020204" pitchFamily="34" charset="0"/>
+                <a:cs typeface="Arial" panose="020B0604020202020204" pitchFamily="34" charset="0"/>
+              </a:rPr>
+              <a:t>thể</a:t>
+            </a:r>
+            <a:r>
+              <a:rPr lang="en-US" dirty="0">
+                <a:latin typeface="Arial" panose="020B0604020202020204" pitchFamily="34" charset="0"/>
+                <a:cs typeface="Arial" panose="020B0604020202020204" pitchFamily="34" charset="0"/>
+              </a:rPr>
+              <a:t> </a:t>
+            </a:r>
+            <a:r>
+              <a:rPr lang="en-US" dirty="0" err="1">
+                <a:latin typeface="Arial" panose="020B0604020202020204" pitchFamily="34" charset="0"/>
+                <a:cs typeface="Arial" panose="020B0604020202020204" pitchFamily="34" charset="0"/>
+              </a:rPr>
+              <a:t>bị</a:t>
+            </a:r>
+            <a:r>
+              <a:rPr lang="en-US" dirty="0">
+                <a:latin typeface="Arial" panose="020B0604020202020204" pitchFamily="34" charset="0"/>
+                <a:cs typeface="Arial" panose="020B0604020202020204" pitchFamily="34" charset="0"/>
+              </a:rPr>
+              <a:t> </a:t>
+            </a:r>
+            <a:r>
+              <a:rPr lang="en-US" dirty="0" err="1">
+                <a:latin typeface="Arial" panose="020B0604020202020204" pitchFamily="34" charset="0"/>
+                <a:cs typeface="Arial" panose="020B0604020202020204" pitchFamily="34" charset="0"/>
+              </a:rPr>
+              <a:t>thất</a:t>
+            </a:r>
+            <a:r>
+              <a:rPr lang="en-US" dirty="0">
+                <a:latin typeface="Arial" panose="020B0604020202020204" pitchFamily="34" charset="0"/>
+                <a:cs typeface="Arial" panose="020B0604020202020204" pitchFamily="34" charset="0"/>
+              </a:rPr>
+              <a:t> </a:t>
+            </a:r>
+            <a:r>
+              <a:rPr lang="en-US" dirty="0" err="1">
+                <a:latin typeface="Arial" panose="020B0604020202020204" pitchFamily="34" charset="0"/>
+                <a:cs typeface="Arial" panose="020B0604020202020204" pitchFamily="34" charset="0"/>
+              </a:rPr>
+              <a:t>lạc</a:t>
+            </a:r>
+            <a:r>
+              <a:rPr lang="en-US" dirty="0">
+                <a:latin typeface="Arial" panose="020B0604020202020204" pitchFamily="34" charset="0"/>
+                <a:cs typeface="Arial" panose="020B0604020202020204" pitchFamily="34" charset="0"/>
+              </a:rPr>
+              <a:t> </a:t>
+            </a:r>
+            <a:r>
+              <a:rPr lang="en-US" dirty="0" err="1">
+                <a:latin typeface="Arial" panose="020B0604020202020204" pitchFamily="34" charset="0"/>
+                <a:cs typeface="Arial" panose="020B0604020202020204" pitchFamily="34" charset="0"/>
+              </a:rPr>
+              <a:t>nên</a:t>
+            </a:r>
+            <a:r>
+              <a:rPr lang="en-US" dirty="0">
+                <a:latin typeface="Arial" panose="020B0604020202020204" pitchFamily="34" charset="0"/>
+                <a:cs typeface="Arial" panose="020B0604020202020204" pitchFamily="34" charset="0"/>
+              </a:rPr>
+              <a:t> </a:t>
+            </a:r>
+            <a:r>
+              <a:rPr lang="en-US" dirty="0" err="1">
+                <a:latin typeface="Arial" panose="020B0604020202020204" pitchFamily="34" charset="0"/>
+                <a:cs typeface="Arial" panose="020B0604020202020204" pitchFamily="34" charset="0"/>
+              </a:rPr>
+              <a:t>chúng</a:t>
+            </a:r>
+            <a:r>
+              <a:rPr lang="en-US" dirty="0">
+                <a:latin typeface="Arial" panose="020B0604020202020204" pitchFamily="34" charset="0"/>
+                <a:cs typeface="Arial" panose="020B0604020202020204" pitchFamily="34" charset="0"/>
+              </a:rPr>
+              <a:t> </a:t>
+            </a:r>
+            <a:r>
+              <a:rPr lang="en-US" dirty="0" err="1">
+                <a:latin typeface="Arial" panose="020B0604020202020204" pitchFamily="34" charset="0"/>
+                <a:cs typeface="Arial" panose="020B0604020202020204" pitchFamily="34" charset="0"/>
+              </a:rPr>
+              <a:t>được</a:t>
+            </a:r>
+            <a:r>
+              <a:rPr lang="en-US" dirty="0">
+                <a:latin typeface="Arial" panose="020B0604020202020204" pitchFamily="34" charset="0"/>
+                <a:cs typeface="Arial" panose="020B0604020202020204" pitchFamily="34" charset="0"/>
+              </a:rPr>
+              <a:t> </a:t>
+            </a:r>
+            <a:r>
+              <a:rPr lang="en-US" dirty="0" err="1">
+                <a:latin typeface="Arial" panose="020B0604020202020204" pitchFamily="34" charset="0"/>
+                <a:cs typeface="Arial" panose="020B0604020202020204" pitchFamily="34" charset="0"/>
+              </a:rPr>
+              <a:t>lưu</a:t>
+            </a:r>
+            <a:r>
+              <a:rPr lang="en-US" dirty="0">
+                <a:latin typeface="Arial" panose="020B0604020202020204" pitchFamily="34" charset="0"/>
+                <a:cs typeface="Arial" panose="020B0604020202020204" pitchFamily="34" charset="0"/>
+              </a:rPr>
+              <a:t> </a:t>
+            </a:r>
+            <a:r>
+              <a:rPr lang="en-US" dirty="0" err="1">
+                <a:latin typeface="Arial" panose="020B0604020202020204" pitchFamily="34" charset="0"/>
+                <a:cs typeface="Arial" panose="020B0604020202020204" pitchFamily="34" charset="0"/>
+              </a:rPr>
+              <a:t>vào</a:t>
+            </a:r>
+            <a:r>
+              <a:rPr lang="en-US" dirty="0">
+                <a:latin typeface="Arial" panose="020B0604020202020204" pitchFamily="34" charset="0"/>
+                <a:cs typeface="Arial" panose="020B0604020202020204" pitchFamily="34" charset="0"/>
+              </a:rPr>
+              <a:t> </a:t>
+            </a:r>
+            <a:r>
+              <a:rPr lang="en-US" dirty="0" err="1">
+                <a:latin typeface="Arial" panose="020B0604020202020204" pitchFamily="34" charset="0"/>
+                <a:cs typeface="Arial" panose="020B0604020202020204" pitchFamily="34" charset="0"/>
+              </a:rPr>
+              <a:t>bộ</a:t>
+            </a:r>
+            <a:r>
+              <a:rPr lang="en-US" dirty="0">
+                <a:latin typeface="Arial" panose="020B0604020202020204" pitchFamily="34" charset="0"/>
+                <a:cs typeface="Arial" panose="020B0604020202020204" pitchFamily="34" charset="0"/>
+              </a:rPr>
+              <a:t> </a:t>
+            </a:r>
+            <a:r>
+              <a:rPr lang="en-US" dirty="0" err="1">
+                <a:latin typeface="Arial" panose="020B0604020202020204" pitchFamily="34" charset="0"/>
+                <a:cs typeface="Arial" panose="020B0604020202020204" pitchFamily="34" charset="0"/>
+              </a:rPr>
+              <a:t>đệm</a:t>
+            </a:r>
+            <a:r>
+              <a:rPr lang="en-US" dirty="0">
+                <a:latin typeface="Arial" panose="020B0604020202020204" pitchFamily="34" charset="0"/>
+                <a:cs typeface="Arial" panose="020B0604020202020204" pitchFamily="34" charset="0"/>
+              </a:rPr>
+              <a:t> </a:t>
+            </a:r>
+            <a:r>
+              <a:rPr lang="en-US" dirty="0" err="1">
+                <a:latin typeface="Arial" panose="020B0604020202020204" pitchFamily="34" charset="0"/>
+                <a:cs typeface="Arial" panose="020B0604020202020204" pitchFamily="34" charset="0"/>
+              </a:rPr>
+              <a:t>phát</a:t>
+            </a:r>
+            <a:r>
+              <a:rPr lang="en-US" dirty="0">
+                <a:latin typeface="Arial" panose="020B0604020202020204" pitchFamily="34" charset="0"/>
+                <a:cs typeface="Arial" panose="020B0604020202020204" pitchFamily="34" charset="0"/>
+              </a:rPr>
+              <a:t> </a:t>
+            </a:r>
+            <a:r>
+              <a:rPr lang="en-US" dirty="0" err="1">
+                <a:latin typeface="Arial" panose="020B0604020202020204" pitchFamily="34" charset="0"/>
+                <a:cs typeface="Arial" panose="020B0604020202020204" pitchFamily="34" charset="0"/>
+              </a:rPr>
+              <a:t>để</a:t>
+            </a:r>
+            <a:r>
+              <a:rPr lang="en-US" dirty="0">
+                <a:latin typeface="Arial" panose="020B0604020202020204" pitchFamily="34" charset="0"/>
+                <a:cs typeface="Arial" panose="020B0604020202020204" pitchFamily="34" charset="0"/>
+              </a:rPr>
+              <a:t> </a:t>
+            </a:r>
+            <a:r>
+              <a:rPr lang="en-US" dirty="0" err="1">
+                <a:latin typeface="Arial" panose="020B0604020202020204" pitchFamily="34" charset="0"/>
+                <a:cs typeface="Arial" panose="020B0604020202020204" pitchFamily="34" charset="0"/>
+              </a:rPr>
+              <a:t>khi</a:t>
+            </a:r>
+            <a:r>
+              <a:rPr lang="en-US" dirty="0">
+                <a:latin typeface="Arial" panose="020B0604020202020204" pitchFamily="34" charset="0"/>
+                <a:cs typeface="Arial" panose="020B0604020202020204" pitchFamily="34" charset="0"/>
+              </a:rPr>
+              <a:t> </a:t>
+            </a:r>
+            <a:r>
+              <a:rPr lang="en-US" dirty="0" err="1">
+                <a:latin typeface="Arial" panose="020B0604020202020204" pitchFamily="34" charset="0"/>
+                <a:cs typeface="Arial" panose="020B0604020202020204" pitchFamily="34" charset="0"/>
+              </a:rPr>
+              <a:t>cần</a:t>
+            </a:r>
+            <a:r>
+              <a:rPr lang="en-US" dirty="0">
+                <a:latin typeface="Arial" panose="020B0604020202020204" pitchFamily="34" charset="0"/>
+                <a:cs typeface="Arial" panose="020B0604020202020204" pitchFamily="34" charset="0"/>
+              </a:rPr>
+              <a:t> </a:t>
+            </a:r>
+            <a:r>
+              <a:rPr lang="en-US" dirty="0" err="1">
+                <a:latin typeface="Arial" panose="020B0604020202020204" pitchFamily="34" charset="0"/>
+                <a:cs typeface="Arial" panose="020B0604020202020204" pitchFamily="34" charset="0"/>
+              </a:rPr>
+              <a:t>có</a:t>
+            </a:r>
+            <a:r>
+              <a:rPr lang="en-US" dirty="0">
+                <a:latin typeface="Arial" panose="020B0604020202020204" pitchFamily="34" charset="0"/>
+                <a:cs typeface="Arial" panose="020B0604020202020204" pitchFamily="34" charset="0"/>
+              </a:rPr>
+              <a:t> </a:t>
+            </a:r>
+            <a:r>
+              <a:rPr lang="en-US" dirty="0" err="1">
+                <a:latin typeface="Arial" panose="020B0604020202020204" pitchFamily="34" charset="0"/>
+                <a:cs typeface="Arial" panose="020B0604020202020204" pitchFamily="34" charset="0"/>
+              </a:rPr>
+              <a:t>thể</a:t>
+            </a:r>
+            <a:r>
+              <a:rPr lang="en-US" dirty="0">
+                <a:latin typeface="Arial" panose="020B0604020202020204" pitchFamily="34" charset="0"/>
+                <a:cs typeface="Arial" panose="020B0604020202020204" pitchFamily="34" charset="0"/>
+              </a:rPr>
+              <a:t> </a:t>
+            </a:r>
+            <a:r>
+              <a:rPr lang="en-US" dirty="0" err="1">
+                <a:latin typeface="Arial" panose="020B0604020202020204" pitchFamily="34" charset="0"/>
+                <a:cs typeface="Arial" panose="020B0604020202020204" pitchFamily="34" charset="0"/>
+              </a:rPr>
+              <a:t>truyền</a:t>
+            </a:r>
+            <a:r>
+              <a:rPr lang="en-US" dirty="0">
+                <a:latin typeface="Arial" panose="020B0604020202020204" pitchFamily="34" charset="0"/>
+                <a:cs typeface="Arial" panose="020B0604020202020204" pitchFamily="34" charset="0"/>
+              </a:rPr>
+              <a:t> </a:t>
+            </a:r>
+            <a:r>
+              <a:rPr lang="en-US" dirty="0" err="1">
+                <a:latin typeface="Arial" panose="020B0604020202020204" pitchFamily="34" charset="0"/>
+                <a:cs typeface="Arial" panose="020B0604020202020204" pitchFamily="34" charset="0"/>
+              </a:rPr>
+              <a:t>lại</a:t>
+            </a:r>
+            <a:endParaRPr lang="en-US" dirty="0">
+              <a:latin typeface="Arial" panose="020B0604020202020204" pitchFamily="34" charset="0"/>
+              <a:cs typeface="Arial" panose="020B0604020202020204" pitchFamily="34" charset="0"/>
+            </a:endParaRPr>
+          </a:p>
         </p:txBody>
       </p:sp>
       <p:pic>
         <p:nvPicPr>
-          <p:cNvPr id="2052" name="Picture 4" descr="Giáo trình mạng máy tính: Tầng vận chuyển trong mạng Internet - VOER">
+          <p:cNvPr id="2" name="Picture 1">
             <a:extLst>
               <a:ext uri="{FF2B5EF4-FFF2-40B4-BE49-F238E27FC236}">
-                <a16:creationId xmlns:a16="http://schemas.microsoft.com/office/drawing/2014/main" id="{26FCAB86-60DB-4C64-93D8-3C432F210333}"/>
+                <a16:creationId xmlns:a16="http://schemas.microsoft.com/office/drawing/2014/main" id="{219D78B7-A55D-4B80-A1F4-4E80805641CD}"/>
               </a:ext>
             </a:extLst>
           </p:cNvPr>
           <p:cNvPicPr>
-            <a:picLocks noChangeAspect="1" noChangeArrowheads="1"/>
+            <a:picLocks noChangeAspect="1"/>
           </p:cNvPicPr>
           <p:nvPr/>
         </p:nvPicPr>
         <p:blipFill>
-          <a:blip r:embed="rId2">
-            <a:extLst>
-              <a:ext uri="{28A0092B-C50C-407E-A947-70E740481C1C}">
-                <a14:useLocalDpi xmlns:a14="http://schemas.microsoft.com/office/drawing/2010/main" val="0"/>
-              </a:ext>
-            </a:extLst>
-          </a:blip>
-          <a:srcRect/>
+          <a:blip r:embed="rId2"/>
           <a:stretch>
             <a:fillRect/>
           </a:stretch>
         </p:blipFill>
-        <p:spPr bwMode="auto">
+        <p:spPr>
           <a:xfrm>
-            <a:off x="4876800" y="3314505"/>
-            <a:ext cx="5321300" cy="3484157"/>
+            <a:off x="2109304" y="2480954"/>
+            <a:ext cx="7034696" cy="4069677"/>
           </a:xfrm>
           <a:prstGeom prst="rect">
             <a:avLst/>
           </a:prstGeom>
-          <a:noFill/>
-          <a:extLst>
-            <a:ext uri="{909E8E84-426E-40DD-AFC4-6F175D3DCCD1}">
-              <a14:hiddenFill xmlns:a14="http://schemas.microsoft.com/office/drawing/2010/main">
-                <a:solidFill>
-                  <a:srgbClr val="FFFFFF"/>
-                </a:solidFill>
-              </a14:hiddenFill>
-            </a:ext>
-          </a:extLst>
         </p:spPr>
       </p:pic>
     </p:spTree>
@@ -8669,7 +9394,7 @@
                             </p:stCondLst>
                             <p:childTnLst>
                               <p:par>
-                                <p:cTn id="16" presetID="16" presetClass="entr" presetSubtype="21" fill="hold" nodeType="clickEffect">
+                                <p:cTn id="16" presetID="2" presetClass="entr" presetSubtype="4" fill="hold" nodeType="clickEffect">
                                   <p:stCondLst>
                                     <p:cond delay="0"/>
                                   </p:stCondLst>
@@ -8682,7 +9407,7 @@
                                           </p:stCondLst>
                                         </p:cTn>
                                         <p:tgtEl>
-                                          <p:spTgt spid="2052"/>
+                                          <p:spTgt spid="2"/>
                                         </p:tgtEl>
                                         <p:attrNameLst>
                                           <p:attrName>style.visibility</p:attrName>
@@ -8692,14 +9417,52 @@
                                         <p:strVal val="visible"/>
                                       </p:to>
                                     </p:set>
-                                    <p:animEffect transition="in" filter="barn(inVertical)">
-                                      <p:cBhvr>
-                                        <p:cTn id="18" dur="500"/>
+                                    <p:anim calcmode="lin" valueType="num">
+                                      <p:cBhvr additive="base">
+                                        <p:cTn id="18" dur="500" fill="hold"/>
                                         <p:tgtEl>
-                                          <p:spTgt spid="2052"/>
+                                          <p:spTgt spid="2"/>
                                         </p:tgtEl>
+                                        <p:attrNameLst>
+                                          <p:attrName>ppt_x</p:attrName>
+                                        </p:attrNameLst>
                                       </p:cBhvr>
-                                    </p:animEffect>
+                                      <p:tavLst>
+                                        <p:tav tm="0">
+                                          <p:val>
+                                            <p:strVal val="#ppt_x"/>
+                                          </p:val>
+                                        </p:tav>
+                                        <p:tav tm="100000">
+                                          <p:val>
+                                            <p:strVal val="#ppt_x"/>
+                                          </p:val>
+                                        </p:tav>
+                                      </p:tavLst>
+                                    </p:anim>
+                                    <p:anim calcmode="lin" valueType="num">
+                                      <p:cBhvr additive="base">
+                                        <p:cTn id="19" dur="500" fill="hold"/>
+                                        <p:tgtEl>
+                                          <p:spTgt spid="2"/>
+                                        </p:tgtEl>
+                                        <p:attrNameLst>
+                                          <p:attrName>ppt_y</p:attrName>
+                                        </p:attrNameLst>
+                                      </p:cBhvr>
+                                      <p:tavLst>
+                                        <p:tav tm="0">
+                                          <p:val>
+                                            <p:strVal val="1+#ppt_h/2"/>
+                                          </p:val>
+                                        </p:tav>
+                                        <p:tav tm="100000">
+                                          <p:val>
+                                            <p:strVal val="#ppt_y"/>
+                                          </p:val>
+                                        </p:tav>
+                                      </p:tavLst>
+                                    </p:anim>
                                   </p:childTnLst>
                                 </p:cTn>
                               </p:par>
@@ -8755,12 +9518,59 @@
           <a:chExt cx="0" cy="0"/>
         </a:xfrm>
       </p:grpSpPr>
+      <p:pic>
+        <p:nvPicPr>
+          <p:cNvPr id="4" name="Picture 4" descr="Giáo trình mạng máy tính: Tầng vận chuyển trong mạng Internet - VOER">
+            <a:extLst>
+              <a:ext uri="{FF2B5EF4-FFF2-40B4-BE49-F238E27FC236}">
+                <a16:creationId xmlns:a16="http://schemas.microsoft.com/office/drawing/2014/main" id="{FAB46856-CE30-44CC-B489-E379218D0C1D}"/>
+              </a:ext>
+            </a:extLst>
+          </p:cNvPr>
+          <p:cNvPicPr>
+            <a:picLocks noChangeAspect="1" noChangeArrowheads="1"/>
+          </p:cNvPicPr>
+          <p:nvPr/>
+        </p:nvPicPr>
+        <p:blipFill>
+          <a:blip r:embed="rId2">
+            <a:extLst>
+              <a:ext uri="{28A0092B-C50C-407E-A947-70E740481C1C}">
+                <a14:useLocalDpi xmlns:a14="http://schemas.microsoft.com/office/drawing/2010/main" val="0"/>
+              </a:ext>
+            </a:extLst>
+          </a:blip>
+          <a:srcRect/>
+          <a:stretch>
+            <a:fillRect/>
+          </a:stretch>
+        </p:blipFill>
+        <p:spPr bwMode="auto">
+          <a:xfrm>
+            <a:off x="3775231" y="2848352"/>
+            <a:ext cx="5131492" cy="3359879"/>
+          </a:xfrm>
+          <a:prstGeom prst="rect">
+            <a:avLst/>
+          </a:prstGeom>
+          <a:noFill/>
+          <a:extLst>
+            <a:ext uri="{909E8E84-426E-40DD-AFC4-6F175D3DCCD1}">
+              <a14:hiddenFill xmlns:a14="http://schemas.microsoft.com/office/drawing/2010/main">
+                <a:solidFill>
+                  <a:srgbClr val="FFFFFF"/>
+                </a:solidFill>
+              </a14:hiddenFill>
+            </a:ext>
+          </a:extLst>
+        </p:spPr>
+      </p:pic>
       <p:sp>
         <p:nvSpPr>
-          <p:cNvPr id="2" name="TextBox 1">
+          <p:cNvPr id="6" name="TextBox 5">
             <a:extLst>
               <a:ext uri="{FF2B5EF4-FFF2-40B4-BE49-F238E27FC236}">
-                <a16:creationId xmlns:a16="http://schemas.microsoft.com/office/drawing/2014/main" id="{9445B446-907B-4319-BAFB-6590C657DED9}"/>
+                <a16:creationId xmlns:a16="http://schemas.microsoft.com/office/drawing/2014/main" id="{84807833-493B-49B3-82F6-82A8DCF68D07}"/>
               </a:ext>
             </a:extLst>
           </p:cNvPr>
@@ -8769,8 +9579,1778 @@
         </p:nvSpPr>
         <p:spPr>
           <a:xfrm>
-            <a:off x="1511300" y="469900"/>
-            <a:ext cx="5384800" cy="369332"/>
+            <a:off x="1381539" y="944146"/>
+            <a:ext cx="10231342" cy="1754326"/>
+          </a:xfrm>
+          <a:prstGeom prst="rect">
+            <a:avLst/>
+          </a:prstGeom>
+          <a:noFill/>
+        </p:spPr>
+        <p:txBody>
+          <a:bodyPr wrap="square">
+            <a:spAutoFit/>
+          </a:bodyPr>
+          <a:lstStyle/>
+          <a:p>
+            <a:pPr marL="285750" indent="-285750">
+              <a:buFont typeface="Arial" panose="020B0604020202020204" pitchFamily="34" charset="0"/>
+              <a:buChar char="•"/>
+            </a:pPr>
+            <a:r>
+              <a:rPr lang="en-US" dirty="0" err="1">
+                <a:latin typeface="Arial" panose="020B0604020202020204" pitchFamily="34" charset="0"/>
+                <a:cs typeface="Arial" panose="020B0604020202020204" pitchFamily="34" charset="0"/>
+              </a:rPr>
+              <a:t>Nếu</a:t>
+            </a:r>
+            <a:r>
+              <a:rPr lang="en-US" dirty="0">
+                <a:latin typeface="Arial" panose="020B0604020202020204" pitchFamily="34" charset="0"/>
+                <a:cs typeface="Arial" panose="020B0604020202020204" pitchFamily="34" charset="0"/>
+              </a:rPr>
+              <a:t> </a:t>
+            </a:r>
+            <a:r>
+              <a:rPr lang="en-US" dirty="0" err="1">
+                <a:latin typeface="Arial" panose="020B0604020202020204" pitchFamily="34" charset="0"/>
+                <a:cs typeface="Arial" panose="020B0604020202020204" pitchFamily="34" charset="0"/>
+              </a:rPr>
+              <a:t>kích</a:t>
+            </a:r>
+            <a:r>
+              <a:rPr lang="en-US" dirty="0">
+                <a:latin typeface="Arial" panose="020B0604020202020204" pitchFamily="34" charset="0"/>
+                <a:cs typeface="Arial" panose="020B0604020202020204" pitchFamily="34" charset="0"/>
+              </a:rPr>
+              <a:t> </a:t>
+            </a:r>
+            <a:r>
+              <a:rPr lang="en-US" dirty="0" err="1">
+                <a:latin typeface="Arial" panose="020B0604020202020204" pitchFamily="34" charset="0"/>
+                <a:cs typeface="Arial" panose="020B0604020202020204" pitchFamily="34" charset="0"/>
+              </a:rPr>
+              <a:t>thước</a:t>
+            </a:r>
+            <a:r>
+              <a:rPr lang="en-US" dirty="0">
+                <a:latin typeface="Arial" panose="020B0604020202020204" pitchFamily="34" charset="0"/>
+                <a:cs typeface="Arial" panose="020B0604020202020204" pitchFamily="34" charset="0"/>
+              </a:rPr>
+              <a:t> </a:t>
+            </a:r>
+            <a:r>
+              <a:rPr lang="en-US" dirty="0" err="1">
+                <a:latin typeface="Arial" panose="020B0604020202020204" pitchFamily="34" charset="0"/>
+                <a:cs typeface="Arial" panose="020B0604020202020204" pitchFamily="34" charset="0"/>
+              </a:rPr>
+              <a:t>lớn</a:t>
+            </a:r>
+            <a:r>
+              <a:rPr lang="en-US" dirty="0">
+                <a:latin typeface="Arial" panose="020B0604020202020204" pitchFamily="34" charset="0"/>
+                <a:cs typeface="Arial" panose="020B0604020202020204" pitchFamily="34" charset="0"/>
+              </a:rPr>
+              <a:t> </a:t>
+            </a:r>
+            <a:r>
+              <a:rPr lang="en-US" dirty="0" err="1">
+                <a:latin typeface="Arial" panose="020B0604020202020204" pitchFamily="34" charset="0"/>
+                <a:cs typeface="Arial" panose="020B0604020202020204" pitchFamily="34" charset="0"/>
+              </a:rPr>
+              <a:t>nhất</a:t>
+            </a:r>
+            <a:r>
+              <a:rPr lang="en-US" dirty="0">
+                <a:latin typeface="Arial" panose="020B0604020202020204" pitchFamily="34" charset="0"/>
+                <a:cs typeface="Arial" panose="020B0604020202020204" pitchFamily="34" charset="0"/>
+              </a:rPr>
+              <a:t> </a:t>
+            </a:r>
+            <a:r>
+              <a:rPr lang="en-US" dirty="0" err="1">
+                <a:latin typeface="Arial" panose="020B0604020202020204" pitchFamily="34" charset="0"/>
+                <a:cs typeface="Arial" panose="020B0604020202020204" pitchFamily="34" charset="0"/>
+              </a:rPr>
+              <a:t>của</a:t>
+            </a:r>
+            <a:r>
+              <a:rPr lang="en-US" dirty="0">
+                <a:latin typeface="Arial" panose="020B0604020202020204" pitchFamily="34" charset="0"/>
+                <a:cs typeface="Arial" panose="020B0604020202020204" pitchFamily="34" charset="0"/>
+              </a:rPr>
+              <a:t> </a:t>
+            </a:r>
+            <a:r>
+              <a:rPr lang="en-US" dirty="0" err="1">
+                <a:latin typeface="Arial" panose="020B0604020202020204" pitchFamily="34" charset="0"/>
+                <a:cs typeface="Arial" panose="020B0604020202020204" pitchFamily="34" charset="0"/>
+              </a:rPr>
+              <a:t>cửa</a:t>
+            </a:r>
+            <a:r>
+              <a:rPr lang="en-US" dirty="0">
+                <a:latin typeface="Arial" panose="020B0604020202020204" pitchFamily="34" charset="0"/>
+                <a:cs typeface="Arial" panose="020B0604020202020204" pitchFamily="34" charset="0"/>
+              </a:rPr>
+              <a:t> </a:t>
+            </a:r>
+            <a:r>
+              <a:rPr lang="en-US" dirty="0" err="1">
+                <a:latin typeface="Arial" panose="020B0604020202020204" pitchFamily="34" charset="0"/>
+                <a:cs typeface="Arial" panose="020B0604020202020204" pitchFamily="34" charset="0"/>
+              </a:rPr>
+              <a:t>sổ</a:t>
+            </a:r>
+            <a:r>
+              <a:rPr lang="en-US" dirty="0">
+                <a:latin typeface="Arial" panose="020B0604020202020204" pitchFamily="34" charset="0"/>
+                <a:cs typeface="Arial" panose="020B0604020202020204" pitchFamily="34" charset="0"/>
+              </a:rPr>
+              <a:t> </a:t>
+            </a:r>
+            <a:r>
+              <a:rPr lang="en-US" dirty="0" err="1">
+                <a:latin typeface="Arial" panose="020B0604020202020204" pitchFamily="34" charset="0"/>
+                <a:cs typeface="Arial" panose="020B0604020202020204" pitchFamily="34" charset="0"/>
+              </a:rPr>
+              <a:t>là</a:t>
+            </a:r>
+            <a:r>
+              <a:rPr lang="en-US" dirty="0">
+                <a:latin typeface="Arial" panose="020B0604020202020204" pitchFamily="34" charset="0"/>
+                <a:cs typeface="Arial" panose="020B0604020202020204" pitchFamily="34" charset="0"/>
+              </a:rPr>
+              <a:t> n </a:t>
+            </a:r>
+            <a:r>
+              <a:rPr lang="en-US" dirty="0" err="1">
+                <a:latin typeface="Arial" panose="020B0604020202020204" pitchFamily="34" charset="0"/>
+                <a:cs typeface="Arial" panose="020B0604020202020204" pitchFamily="34" charset="0"/>
+              </a:rPr>
+              <a:t>thì</a:t>
+            </a:r>
+            <a:r>
+              <a:rPr lang="en-US" dirty="0">
+                <a:latin typeface="Arial" panose="020B0604020202020204" pitchFamily="34" charset="0"/>
+                <a:cs typeface="Arial" panose="020B0604020202020204" pitchFamily="34" charset="0"/>
+              </a:rPr>
+              <a:t> </a:t>
+            </a:r>
+            <a:r>
+              <a:rPr lang="en-US" dirty="0" err="1">
+                <a:latin typeface="Arial" panose="020B0604020202020204" pitchFamily="34" charset="0"/>
+                <a:cs typeface="Arial" panose="020B0604020202020204" pitchFamily="34" charset="0"/>
+              </a:rPr>
+              <a:t>nó</a:t>
+            </a:r>
+            <a:r>
+              <a:rPr lang="en-US" dirty="0">
+                <a:latin typeface="Arial" panose="020B0604020202020204" pitchFamily="34" charset="0"/>
+                <a:cs typeface="Arial" panose="020B0604020202020204" pitchFamily="34" charset="0"/>
+              </a:rPr>
+              <a:t> </a:t>
+            </a:r>
+            <a:r>
+              <a:rPr lang="en-US" dirty="0" err="1">
+                <a:latin typeface="Arial" panose="020B0604020202020204" pitchFamily="34" charset="0"/>
+                <a:cs typeface="Arial" panose="020B0604020202020204" pitchFamily="34" charset="0"/>
+              </a:rPr>
+              <a:t>phải</a:t>
+            </a:r>
+            <a:r>
+              <a:rPr lang="en-US" dirty="0">
+                <a:latin typeface="Arial" panose="020B0604020202020204" pitchFamily="34" charset="0"/>
+                <a:cs typeface="Arial" panose="020B0604020202020204" pitchFamily="34" charset="0"/>
+              </a:rPr>
+              <a:t> </a:t>
+            </a:r>
+            <a:r>
+              <a:rPr lang="en-US" dirty="0" err="1">
+                <a:latin typeface="Arial" panose="020B0604020202020204" pitchFamily="34" charset="0"/>
+                <a:cs typeface="Arial" panose="020B0604020202020204" pitchFamily="34" charset="0"/>
+              </a:rPr>
+              <a:t>có</a:t>
+            </a:r>
+            <a:r>
+              <a:rPr lang="en-US" dirty="0">
+                <a:latin typeface="Arial" panose="020B0604020202020204" pitchFamily="34" charset="0"/>
+                <a:cs typeface="Arial" panose="020B0604020202020204" pitchFamily="34" charset="0"/>
+              </a:rPr>
+              <a:t> </a:t>
+            </a:r>
+            <a:r>
+              <a:rPr lang="en-US" dirty="0" err="1">
+                <a:latin typeface="Arial" panose="020B0604020202020204" pitchFamily="34" charset="0"/>
+                <a:cs typeface="Arial" panose="020B0604020202020204" pitchFamily="34" charset="0"/>
+              </a:rPr>
+              <a:t>ít</a:t>
+            </a:r>
+            <a:r>
+              <a:rPr lang="en-US" dirty="0">
+                <a:latin typeface="Arial" panose="020B0604020202020204" pitchFamily="34" charset="0"/>
+                <a:cs typeface="Arial" panose="020B0604020202020204" pitchFamily="34" charset="0"/>
+              </a:rPr>
+              <a:t> </a:t>
+            </a:r>
+            <a:r>
+              <a:rPr lang="en-US" dirty="0" err="1">
+                <a:latin typeface="Arial" panose="020B0604020202020204" pitchFamily="34" charset="0"/>
+                <a:cs typeface="Arial" panose="020B0604020202020204" pitchFamily="34" charset="0"/>
+              </a:rPr>
+              <a:t>nhất</a:t>
+            </a:r>
+            <a:r>
+              <a:rPr lang="en-US" dirty="0">
+                <a:latin typeface="Arial" panose="020B0604020202020204" pitchFamily="34" charset="0"/>
+                <a:cs typeface="Arial" panose="020B0604020202020204" pitchFamily="34" charset="0"/>
+              </a:rPr>
+              <a:t> n </a:t>
+            </a:r>
+            <a:r>
+              <a:rPr lang="en-US" dirty="0" err="1">
+                <a:latin typeface="Arial" panose="020B0604020202020204" pitchFamily="34" charset="0"/>
+                <a:cs typeface="Arial" panose="020B0604020202020204" pitchFamily="34" charset="0"/>
+              </a:rPr>
+              <a:t>vùng</a:t>
+            </a:r>
+            <a:r>
+              <a:rPr lang="en-US" dirty="0">
+                <a:latin typeface="Arial" panose="020B0604020202020204" pitchFamily="34" charset="0"/>
+                <a:cs typeface="Arial" panose="020B0604020202020204" pitchFamily="34" charset="0"/>
+              </a:rPr>
+              <a:t> </a:t>
+            </a:r>
+            <a:r>
+              <a:rPr lang="en-US" dirty="0" err="1">
+                <a:latin typeface="Arial" panose="020B0604020202020204" pitchFamily="34" charset="0"/>
+                <a:cs typeface="Arial" panose="020B0604020202020204" pitchFamily="34" charset="0"/>
+              </a:rPr>
+              <a:t>đệm</a:t>
+            </a:r>
+            <a:r>
+              <a:rPr lang="en-US" dirty="0">
+                <a:latin typeface="Arial" panose="020B0604020202020204" pitchFamily="34" charset="0"/>
+                <a:cs typeface="Arial" panose="020B0604020202020204" pitchFamily="34" charset="0"/>
+              </a:rPr>
+              <a:t> </a:t>
+            </a:r>
+            <a:r>
+              <a:rPr lang="en-US" dirty="0" err="1">
+                <a:latin typeface="Arial" panose="020B0604020202020204" pitchFamily="34" charset="0"/>
+                <a:cs typeface="Arial" panose="020B0604020202020204" pitchFamily="34" charset="0"/>
+              </a:rPr>
+              <a:t>để</a:t>
+            </a:r>
+            <a:r>
+              <a:rPr lang="en-US" dirty="0">
+                <a:latin typeface="Arial" panose="020B0604020202020204" pitchFamily="34" charset="0"/>
+                <a:cs typeface="Arial" panose="020B0604020202020204" pitchFamily="34" charset="0"/>
+              </a:rPr>
+              <a:t> </a:t>
+            </a:r>
+            <a:r>
+              <a:rPr lang="en-US" dirty="0" err="1">
+                <a:latin typeface="Arial" panose="020B0604020202020204" pitchFamily="34" charset="0"/>
+                <a:cs typeface="Arial" panose="020B0604020202020204" pitchFamily="34" charset="0"/>
+              </a:rPr>
+              <a:t>lưu</a:t>
+            </a:r>
+            <a:r>
+              <a:rPr lang="en-US" dirty="0">
+                <a:latin typeface="Arial" panose="020B0604020202020204" pitchFamily="34" charset="0"/>
+                <a:cs typeface="Arial" panose="020B0604020202020204" pitchFamily="34" charset="0"/>
+              </a:rPr>
+              <a:t> n </a:t>
+            </a:r>
+            <a:r>
+              <a:rPr lang="en-US" dirty="0" err="1">
+                <a:latin typeface="Arial" panose="020B0604020202020204" pitchFamily="34" charset="0"/>
+                <a:cs typeface="Arial" panose="020B0604020202020204" pitchFamily="34" charset="0"/>
+              </a:rPr>
+              <a:t>khung</a:t>
+            </a:r>
+            <a:r>
+              <a:rPr lang="en-US" dirty="0">
+                <a:latin typeface="Arial" panose="020B0604020202020204" pitchFamily="34" charset="0"/>
+                <a:cs typeface="Arial" panose="020B0604020202020204" pitchFamily="34" charset="0"/>
+              </a:rPr>
+              <a:t> </a:t>
+            </a:r>
+            <a:r>
+              <a:rPr lang="en-US" dirty="0" err="1">
+                <a:latin typeface="Arial" panose="020B0604020202020204" pitchFamily="34" charset="0"/>
+                <a:cs typeface="Arial" panose="020B0604020202020204" pitchFamily="34" charset="0"/>
+              </a:rPr>
+              <a:t>chưa</a:t>
+            </a:r>
+            <a:r>
+              <a:rPr lang="en-US" dirty="0">
+                <a:latin typeface="Arial" panose="020B0604020202020204" pitchFamily="34" charset="0"/>
+                <a:cs typeface="Arial" panose="020B0604020202020204" pitchFamily="34" charset="0"/>
+              </a:rPr>
+              <a:t> </a:t>
+            </a:r>
+            <a:r>
+              <a:rPr lang="en-US" dirty="0" err="1">
+                <a:latin typeface="Arial" panose="020B0604020202020204" pitchFamily="34" charset="0"/>
+                <a:cs typeface="Arial" panose="020B0604020202020204" pitchFamily="34" charset="0"/>
+              </a:rPr>
+              <a:t>có</a:t>
+            </a:r>
+            <a:r>
+              <a:rPr lang="en-US" dirty="0">
+                <a:latin typeface="Arial" panose="020B0604020202020204" pitchFamily="34" charset="0"/>
+                <a:cs typeface="Arial" panose="020B0604020202020204" pitchFamily="34" charset="0"/>
+              </a:rPr>
+              <a:t> </a:t>
+            </a:r>
+            <a:r>
+              <a:rPr lang="en-US" dirty="0" err="1">
+                <a:latin typeface="Arial" panose="020B0604020202020204" pitchFamily="34" charset="0"/>
+                <a:cs typeface="Arial" panose="020B0604020202020204" pitchFamily="34" charset="0"/>
+              </a:rPr>
+              <a:t>phản</a:t>
+            </a:r>
+            <a:r>
+              <a:rPr lang="en-US" dirty="0">
+                <a:latin typeface="Arial" panose="020B0604020202020204" pitchFamily="34" charset="0"/>
+                <a:cs typeface="Arial" panose="020B0604020202020204" pitchFamily="34" charset="0"/>
+              </a:rPr>
+              <a:t> </a:t>
+            </a:r>
+            <a:r>
+              <a:rPr lang="en-US" dirty="0" err="1">
+                <a:latin typeface="Arial" panose="020B0604020202020204" pitchFamily="34" charset="0"/>
+                <a:cs typeface="Arial" panose="020B0604020202020204" pitchFamily="34" charset="0"/>
+              </a:rPr>
+              <a:t>hồi</a:t>
+            </a:r>
+            <a:endParaRPr lang="en-US" dirty="0">
+              <a:latin typeface="Arial" panose="020B0604020202020204" pitchFamily="34" charset="0"/>
+              <a:cs typeface="Arial" panose="020B0604020202020204" pitchFamily="34" charset="0"/>
+            </a:endParaRPr>
+          </a:p>
+          <a:p>
+            <a:pPr marL="285750" indent="-285750">
+              <a:buFont typeface="Arial" panose="020B0604020202020204" pitchFamily="34" charset="0"/>
+              <a:buChar char="•"/>
+            </a:pPr>
+            <a:r>
+              <a:rPr lang="en-US" dirty="0" err="1">
+                <a:latin typeface="Arial" panose="020B0604020202020204" pitchFamily="34" charset="0"/>
+                <a:cs typeface="Arial" panose="020B0604020202020204" pitchFamily="34" charset="0"/>
+              </a:rPr>
+              <a:t>Với</a:t>
+            </a:r>
+            <a:r>
+              <a:rPr lang="en-US" dirty="0">
+                <a:latin typeface="Arial" panose="020B0604020202020204" pitchFamily="34" charset="0"/>
+                <a:cs typeface="Arial" panose="020B0604020202020204" pitchFamily="34" charset="0"/>
+              </a:rPr>
+              <a:t> </a:t>
+            </a:r>
+            <a:r>
+              <a:rPr lang="en-US" dirty="0" err="1">
+                <a:latin typeface="Arial" panose="020B0604020202020204" pitchFamily="34" charset="0"/>
+                <a:cs typeface="Arial" panose="020B0604020202020204" pitchFamily="34" charset="0"/>
+              </a:rPr>
+              <a:t>bên</a:t>
+            </a:r>
+            <a:r>
+              <a:rPr lang="en-US" dirty="0">
+                <a:latin typeface="Arial" panose="020B0604020202020204" pitchFamily="34" charset="0"/>
+                <a:cs typeface="Arial" panose="020B0604020202020204" pitchFamily="34" charset="0"/>
+              </a:rPr>
+              <a:t> </a:t>
+            </a:r>
+            <a:r>
+              <a:rPr lang="en-US" dirty="0" err="1">
+                <a:latin typeface="Arial" panose="020B0604020202020204" pitchFamily="34" charset="0"/>
+                <a:cs typeface="Arial" panose="020B0604020202020204" pitchFamily="34" charset="0"/>
+              </a:rPr>
+              <a:t>thu</a:t>
+            </a:r>
+            <a:r>
+              <a:rPr lang="en-US" dirty="0">
+                <a:latin typeface="Arial" panose="020B0604020202020204" pitchFamily="34" charset="0"/>
+                <a:cs typeface="Arial" panose="020B0604020202020204" pitchFamily="34" charset="0"/>
+              </a:rPr>
+              <a:t>, </a:t>
+            </a:r>
+            <a:r>
+              <a:rPr lang="en-US" dirty="0" err="1">
+                <a:latin typeface="Arial" panose="020B0604020202020204" pitchFamily="34" charset="0"/>
+                <a:cs typeface="Arial" panose="020B0604020202020204" pitchFamily="34" charset="0"/>
+              </a:rPr>
+              <a:t>kích</a:t>
+            </a:r>
+            <a:r>
+              <a:rPr lang="en-US" dirty="0">
+                <a:latin typeface="Arial" panose="020B0604020202020204" pitchFamily="34" charset="0"/>
+                <a:cs typeface="Arial" panose="020B0604020202020204" pitchFamily="34" charset="0"/>
+              </a:rPr>
+              <a:t> </a:t>
+            </a:r>
+            <a:r>
+              <a:rPr lang="en-US" dirty="0" err="1">
+                <a:latin typeface="Arial" panose="020B0604020202020204" pitchFamily="34" charset="0"/>
+                <a:cs typeface="Arial" panose="020B0604020202020204" pitchFamily="34" charset="0"/>
+              </a:rPr>
+              <a:t>thước</a:t>
+            </a:r>
+            <a:r>
+              <a:rPr lang="en-US" dirty="0">
+                <a:latin typeface="Arial" panose="020B0604020202020204" pitchFamily="34" charset="0"/>
+                <a:cs typeface="Arial" panose="020B0604020202020204" pitchFamily="34" charset="0"/>
+              </a:rPr>
+              <a:t> </a:t>
+            </a:r>
+            <a:r>
+              <a:rPr lang="en-US" dirty="0" err="1">
+                <a:latin typeface="Arial" panose="020B0604020202020204" pitchFamily="34" charset="0"/>
+                <a:cs typeface="Arial" panose="020B0604020202020204" pitchFamily="34" charset="0"/>
+              </a:rPr>
+              <a:t>cửa</a:t>
+            </a:r>
+            <a:r>
+              <a:rPr lang="en-US" dirty="0">
+                <a:latin typeface="Arial" panose="020B0604020202020204" pitchFamily="34" charset="0"/>
+                <a:cs typeface="Arial" panose="020B0604020202020204" pitchFamily="34" charset="0"/>
+              </a:rPr>
+              <a:t> </a:t>
+            </a:r>
+            <a:r>
+              <a:rPr lang="en-US" dirty="0" err="1">
+                <a:latin typeface="Arial" panose="020B0604020202020204" pitchFamily="34" charset="0"/>
+                <a:cs typeface="Arial" panose="020B0604020202020204" pitchFamily="34" charset="0"/>
+              </a:rPr>
+              <a:t>sổ</a:t>
+            </a:r>
+            <a:r>
+              <a:rPr lang="en-US" dirty="0">
+                <a:latin typeface="Arial" panose="020B0604020202020204" pitchFamily="34" charset="0"/>
+                <a:cs typeface="Arial" panose="020B0604020202020204" pitchFamily="34" charset="0"/>
+              </a:rPr>
+              <a:t> </a:t>
+            </a:r>
+            <a:r>
+              <a:rPr lang="en-US" dirty="0" err="1">
+                <a:latin typeface="Arial" panose="020B0604020202020204" pitchFamily="34" charset="0"/>
+                <a:cs typeface="Arial" panose="020B0604020202020204" pitchFamily="34" charset="0"/>
+              </a:rPr>
+              <a:t>là</a:t>
+            </a:r>
+            <a:r>
+              <a:rPr lang="en-US" dirty="0">
+                <a:latin typeface="Arial" panose="020B0604020202020204" pitchFamily="34" charset="0"/>
+                <a:cs typeface="Arial" panose="020B0604020202020204" pitchFamily="34" charset="0"/>
+              </a:rPr>
+              <a:t> </a:t>
+            </a:r>
+            <a:r>
+              <a:rPr lang="en-US" dirty="0" err="1">
+                <a:latin typeface="Arial" panose="020B0604020202020204" pitchFamily="34" charset="0"/>
+                <a:cs typeface="Arial" panose="020B0604020202020204" pitchFamily="34" charset="0"/>
+              </a:rPr>
+              <a:t>hữu</a:t>
+            </a:r>
+            <a:r>
+              <a:rPr lang="en-US" dirty="0">
+                <a:latin typeface="Arial" panose="020B0604020202020204" pitchFamily="34" charset="0"/>
+                <a:cs typeface="Arial" panose="020B0604020202020204" pitchFamily="34" charset="0"/>
+              </a:rPr>
+              <a:t> </a:t>
+            </a:r>
+            <a:r>
+              <a:rPr lang="en-US" dirty="0" err="1">
+                <a:latin typeface="Arial" panose="020B0604020202020204" pitchFamily="34" charset="0"/>
+                <a:cs typeface="Arial" panose="020B0604020202020204" pitchFamily="34" charset="0"/>
+              </a:rPr>
+              <a:t>hạn</a:t>
+            </a:r>
+            <a:r>
+              <a:rPr lang="en-US" dirty="0">
+                <a:latin typeface="Arial" panose="020B0604020202020204" pitchFamily="34" charset="0"/>
+                <a:cs typeface="Arial" panose="020B0604020202020204" pitchFamily="34" charset="0"/>
+              </a:rPr>
+              <a:t> </a:t>
+            </a:r>
+            <a:r>
+              <a:rPr lang="en-US" dirty="0" err="1">
+                <a:latin typeface="Arial" panose="020B0604020202020204" pitchFamily="34" charset="0"/>
+                <a:cs typeface="Arial" panose="020B0604020202020204" pitchFamily="34" charset="0"/>
+              </a:rPr>
+              <a:t>nên</a:t>
+            </a:r>
+            <a:r>
+              <a:rPr lang="en-US" dirty="0">
+                <a:latin typeface="Arial" panose="020B0604020202020204" pitchFamily="34" charset="0"/>
+                <a:cs typeface="Arial" panose="020B0604020202020204" pitchFamily="34" charset="0"/>
+              </a:rPr>
+              <a:t> </a:t>
+            </a:r>
+            <a:r>
+              <a:rPr lang="en-US" dirty="0" err="1">
+                <a:latin typeface="Arial" panose="020B0604020202020204" pitchFamily="34" charset="0"/>
+                <a:cs typeface="Arial" panose="020B0604020202020204" pitchFamily="34" charset="0"/>
+              </a:rPr>
+              <a:t>khi</a:t>
+            </a:r>
+            <a:r>
+              <a:rPr lang="en-US" dirty="0">
+                <a:latin typeface="Arial" panose="020B0604020202020204" pitchFamily="34" charset="0"/>
+                <a:cs typeface="Arial" panose="020B0604020202020204" pitchFamily="34" charset="0"/>
+              </a:rPr>
+              <a:t> </a:t>
+            </a:r>
+            <a:r>
+              <a:rPr lang="en-US" dirty="0" err="1">
+                <a:latin typeface="Arial" panose="020B0604020202020204" pitchFamily="34" charset="0"/>
+                <a:cs typeface="Arial" panose="020B0604020202020204" pitchFamily="34" charset="0"/>
+              </a:rPr>
+              <a:t>số</a:t>
+            </a:r>
+            <a:r>
+              <a:rPr lang="en-US" dirty="0">
+                <a:latin typeface="Arial" panose="020B0604020202020204" pitchFamily="34" charset="0"/>
+                <a:cs typeface="Arial" panose="020B0604020202020204" pitchFamily="34" charset="0"/>
+              </a:rPr>
+              <a:t> </a:t>
+            </a:r>
+            <a:r>
+              <a:rPr lang="en-US" dirty="0" err="1">
+                <a:latin typeface="Arial" panose="020B0604020202020204" pitchFamily="34" charset="0"/>
+                <a:cs typeface="Arial" panose="020B0604020202020204" pitchFamily="34" charset="0"/>
+              </a:rPr>
+              <a:t>lượng</a:t>
+            </a:r>
+            <a:r>
+              <a:rPr lang="en-US" dirty="0">
+                <a:latin typeface="Arial" panose="020B0604020202020204" pitchFamily="34" charset="0"/>
+                <a:cs typeface="Arial" panose="020B0604020202020204" pitchFamily="34" charset="0"/>
+              </a:rPr>
+              <a:t> </a:t>
+            </a:r>
+            <a:r>
+              <a:rPr lang="en-US" dirty="0" err="1">
+                <a:latin typeface="Arial" panose="020B0604020202020204" pitchFamily="34" charset="0"/>
+                <a:cs typeface="Arial" panose="020B0604020202020204" pitchFamily="34" charset="0"/>
+              </a:rPr>
+              <a:t>khung</a:t>
+            </a:r>
+            <a:r>
+              <a:rPr lang="en-US" dirty="0">
+                <a:latin typeface="Arial" panose="020B0604020202020204" pitchFamily="34" charset="0"/>
+                <a:cs typeface="Arial" panose="020B0604020202020204" pitchFamily="34" charset="0"/>
+              </a:rPr>
+              <a:t> </a:t>
+            </a:r>
+            <a:r>
+              <a:rPr lang="en-US" dirty="0" err="1">
+                <a:latin typeface="Arial" panose="020B0604020202020204" pitchFamily="34" charset="0"/>
+                <a:cs typeface="Arial" panose="020B0604020202020204" pitchFamily="34" charset="0"/>
+              </a:rPr>
+              <a:t>đến</a:t>
+            </a:r>
+            <a:r>
+              <a:rPr lang="en-US" dirty="0">
+                <a:latin typeface="Arial" panose="020B0604020202020204" pitchFamily="34" charset="0"/>
+                <a:cs typeface="Arial" panose="020B0604020202020204" pitchFamily="34" charset="0"/>
+              </a:rPr>
+              <a:t> </a:t>
+            </a:r>
+            <a:r>
+              <a:rPr lang="en-US" dirty="0" err="1">
+                <a:latin typeface="Arial" panose="020B0604020202020204" pitchFamily="34" charset="0"/>
+                <a:cs typeface="Arial" panose="020B0604020202020204" pitchFamily="34" charset="0"/>
+              </a:rPr>
+              <a:t>vượt</a:t>
+            </a:r>
+            <a:r>
+              <a:rPr lang="en-US" dirty="0">
+                <a:latin typeface="Arial" panose="020B0604020202020204" pitchFamily="34" charset="0"/>
+                <a:cs typeface="Arial" panose="020B0604020202020204" pitchFamily="34" charset="0"/>
+              </a:rPr>
+              <a:t> </a:t>
+            </a:r>
+            <a:r>
+              <a:rPr lang="en-US" dirty="0" err="1">
+                <a:latin typeface="Arial" panose="020B0604020202020204" pitchFamily="34" charset="0"/>
+                <a:cs typeface="Arial" panose="020B0604020202020204" pitchFamily="34" charset="0"/>
+              </a:rPr>
+              <a:t>quá</a:t>
+            </a:r>
+            <a:r>
+              <a:rPr lang="en-US" dirty="0">
+                <a:latin typeface="Arial" panose="020B0604020202020204" pitchFamily="34" charset="0"/>
+                <a:cs typeface="Arial" panose="020B0604020202020204" pitchFamily="34" charset="0"/>
+              </a:rPr>
+              <a:t> </a:t>
+            </a:r>
+            <a:r>
+              <a:rPr lang="en-US" dirty="0" err="1">
+                <a:latin typeface="Arial" panose="020B0604020202020204" pitchFamily="34" charset="0"/>
+                <a:cs typeface="Arial" panose="020B0604020202020204" pitchFamily="34" charset="0"/>
+              </a:rPr>
+              <a:t>giá</a:t>
+            </a:r>
+            <a:r>
+              <a:rPr lang="en-US" dirty="0">
+                <a:latin typeface="Arial" panose="020B0604020202020204" pitchFamily="34" charset="0"/>
+                <a:cs typeface="Arial" panose="020B0604020202020204" pitchFamily="34" charset="0"/>
+              </a:rPr>
+              <a:t> </a:t>
+            </a:r>
+            <a:r>
+              <a:rPr lang="en-US" dirty="0" err="1">
+                <a:latin typeface="Arial" panose="020B0604020202020204" pitchFamily="34" charset="0"/>
+                <a:cs typeface="Arial" panose="020B0604020202020204" pitchFamily="34" charset="0"/>
+              </a:rPr>
+              <a:t>trị</a:t>
+            </a:r>
+            <a:r>
+              <a:rPr lang="en-US" dirty="0">
+                <a:latin typeface="Arial" panose="020B0604020202020204" pitchFamily="34" charset="0"/>
+                <a:cs typeface="Arial" panose="020B0604020202020204" pitchFamily="34" charset="0"/>
+              </a:rPr>
+              <a:t> </a:t>
+            </a:r>
+            <a:r>
+              <a:rPr lang="en-US" dirty="0" err="1">
+                <a:latin typeface="Arial" panose="020B0604020202020204" pitchFamily="34" charset="0"/>
+                <a:cs typeface="Arial" panose="020B0604020202020204" pitchFamily="34" charset="0"/>
+              </a:rPr>
+              <a:t>của</a:t>
+            </a:r>
+            <a:r>
+              <a:rPr lang="en-US" dirty="0">
+                <a:latin typeface="Arial" panose="020B0604020202020204" pitchFamily="34" charset="0"/>
+                <a:cs typeface="Arial" panose="020B0604020202020204" pitchFamily="34" charset="0"/>
+              </a:rPr>
+              <a:t> </a:t>
+            </a:r>
+            <a:r>
+              <a:rPr lang="en-US" dirty="0" err="1">
+                <a:latin typeface="Arial" panose="020B0604020202020204" pitchFamily="34" charset="0"/>
+                <a:cs typeface="Arial" panose="020B0604020202020204" pitchFamily="34" charset="0"/>
+              </a:rPr>
+              <a:t>cửa</a:t>
+            </a:r>
+            <a:r>
+              <a:rPr lang="en-US" dirty="0">
+                <a:latin typeface="Arial" panose="020B0604020202020204" pitchFamily="34" charset="0"/>
+                <a:cs typeface="Arial" panose="020B0604020202020204" pitchFamily="34" charset="0"/>
+              </a:rPr>
+              <a:t> </a:t>
+            </a:r>
+            <a:r>
+              <a:rPr lang="en-US" dirty="0" err="1">
+                <a:latin typeface="Arial" panose="020B0604020202020204" pitchFamily="34" charset="0"/>
+                <a:cs typeface="Arial" panose="020B0604020202020204" pitchFamily="34" charset="0"/>
+              </a:rPr>
+              <a:t>sổ</a:t>
+            </a:r>
+            <a:r>
+              <a:rPr lang="en-US" dirty="0">
+                <a:latin typeface="Arial" panose="020B0604020202020204" pitchFamily="34" charset="0"/>
+                <a:cs typeface="Arial" panose="020B0604020202020204" pitchFamily="34" charset="0"/>
+              </a:rPr>
+              <a:t> </a:t>
+            </a:r>
+            <a:r>
+              <a:rPr lang="en-US" dirty="0" err="1">
+                <a:latin typeface="Arial" panose="020B0604020202020204" pitchFamily="34" charset="0"/>
+                <a:cs typeface="Arial" panose="020B0604020202020204" pitchFamily="34" charset="0"/>
+              </a:rPr>
+              <a:t>thì</a:t>
+            </a:r>
+            <a:r>
+              <a:rPr lang="en-US" dirty="0">
+                <a:latin typeface="Arial" panose="020B0604020202020204" pitchFamily="34" charset="0"/>
+                <a:cs typeface="Arial" panose="020B0604020202020204" pitchFamily="34" charset="0"/>
+              </a:rPr>
+              <a:t> </a:t>
+            </a:r>
+            <a:r>
+              <a:rPr lang="en-US" dirty="0" err="1">
+                <a:latin typeface="Arial" panose="020B0604020202020204" pitchFamily="34" charset="0"/>
+                <a:cs typeface="Arial" panose="020B0604020202020204" pitchFamily="34" charset="0"/>
+              </a:rPr>
+              <a:t>nó</a:t>
+            </a:r>
+            <a:r>
+              <a:rPr lang="en-US" dirty="0">
+                <a:latin typeface="Arial" panose="020B0604020202020204" pitchFamily="34" charset="0"/>
+                <a:cs typeface="Arial" panose="020B0604020202020204" pitchFamily="34" charset="0"/>
+              </a:rPr>
+              <a:t> </a:t>
+            </a:r>
+            <a:r>
+              <a:rPr lang="en-US" dirty="0" err="1">
+                <a:latin typeface="Arial" panose="020B0604020202020204" pitchFamily="34" charset="0"/>
+                <a:cs typeface="Arial" panose="020B0604020202020204" pitchFamily="34" charset="0"/>
+              </a:rPr>
+              <a:t>sẽ</a:t>
+            </a:r>
+            <a:r>
+              <a:rPr lang="en-US" dirty="0">
+                <a:latin typeface="Arial" panose="020B0604020202020204" pitchFamily="34" charset="0"/>
+                <a:cs typeface="Arial" panose="020B0604020202020204" pitchFamily="34" charset="0"/>
+              </a:rPr>
+              <a:t> </a:t>
+            </a:r>
+            <a:r>
+              <a:rPr lang="en-US" dirty="0" err="1">
+                <a:latin typeface="Arial" panose="020B0604020202020204" pitchFamily="34" charset="0"/>
+                <a:cs typeface="Arial" panose="020B0604020202020204" pitchFamily="34" charset="0"/>
+              </a:rPr>
+              <a:t>hủy</a:t>
+            </a:r>
+            <a:r>
+              <a:rPr lang="en-US" dirty="0">
+                <a:latin typeface="Arial" panose="020B0604020202020204" pitchFamily="34" charset="0"/>
+                <a:cs typeface="Arial" panose="020B0604020202020204" pitchFamily="34" charset="0"/>
+              </a:rPr>
+              <a:t> </a:t>
+            </a:r>
+            <a:r>
+              <a:rPr lang="en-US" dirty="0" err="1">
+                <a:latin typeface="Arial" panose="020B0604020202020204" pitchFamily="34" charset="0"/>
+                <a:cs typeface="Arial" panose="020B0604020202020204" pitchFamily="34" charset="0"/>
+              </a:rPr>
+              <a:t>khung</a:t>
+            </a:r>
+            <a:r>
+              <a:rPr lang="en-US" dirty="0">
+                <a:latin typeface="Arial" panose="020B0604020202020204" pitchFamily="34" charset="0"/>
+                <a:cs typeface="Arial" panose="020B0604020202020204" pitchFamily="34" charset="0"/>
+              </a:rPr>
+              <a:t> </a:t>
+            </a:r>
+            <a:r>
+              <a:rPr lang="en-US" dirty="0" err="1">
+                <a:latin typeface="Arial" panose="020B0604020202020204" pitchFamily="34" charset="0"/>
+                <a:cs typeface="Arial" panose="020B0604020202020204" pitchFamily="34" charset="0"/>
+              </a:rPr>
+              <a:t>và</a:t>
+            </a:r>
+            <a:r>
+              <a:rPr lang="en-US" dirty="0">
+                <a:latin typeface="Arial" panose="020B0604020202020204" pitchFamily="34" charset="0"/>
+                <a:cs typeface="Arial" panose="020B0604020202020204" pitchFamily="34" charset="0"/>
+              </a:rPr>
+              <a:t> </a:t>
+            </a:r>
+            <a:r>
+              <a:rPr lang="en-US" dirty="0" err="1">
+                <a:latin typeface="Arial" panose="020B0604020202020204" pitchFamily="34" charset="0"/>
+                <a:cs typeface="Arial" panose="020B0604020202020204" pitchFamily="34" charset="0"/>
+              </a:rPr>
+              <a:t>yêu</a:t>
+            </a:r>
+            <a:r>
+              <a:rPr lang="en-US" dirty="0">
+                <a:latin typeface="Arial" panose="020B0604020202020204" pitchFamily="34" charset="0"/>
+                <a:cs typeface="Arial" panose="020B0604020202020204" pitchFamily="34" charset="0"/>
+              </a:rPr>
+              <a:t> </a:t>
+            </a:r>
+            <a:r>
+              <a:rPr lang="en-US" dirty="0" err="1">
+                <a:latin typeface="Arial" panose="020B0604020202020204" pitchFamily="34" charset="0"/>
+                <a:cs typeface="Arial" panose="020B0604020202020204" pitchFamily="34" charset="0"/>
+              </a:rPr>
+              <a:t>cầu</a:t>
+            </a:r>
+            <a:r>
+              <a:rPr lang="en-US" dirty="0">
+                <a:latin typeface="Arial" panose="020B0604020202020204" pitchFamily="34" charset="0"/>
+                <a:cs typeface="Arial" panose="020B0604020202020204" pitchFamily="34" charset="0"/>
+              </a:rPr>
+              <a:t> </a:t>
+            </a:r>
+            <a:r>
+              <a:rPr lang="en-US" dirty="0" err="1">
+                <a:latin typeface="Arial" panose="020B0604020202020204" pitchFamily="34" charset="0"/>
+                <a:cs typeface="Arial" panose="020B0604020202020204" pitchFamily="34" charset="0"/>
+              </a:rPr>
+              <a:t>truyền</a:t>
+            </a:r>
+            <a:r>
+              <a:rPr lang="en-US" dirty="0">
+                <a:latin typeface="Arial" panose="020B0604020202020204" pitchFamily="34" charset="0"/>
+                <a:cs typeface="Arial" panose="020B0604020202020204" pitchFamily="34" charset="0"/>
+              </a:rPr>
+              <a:t> </a:t>
+            </a:r>
+            <a:r>
+              <a:rPr lang="en-US" dirty="0" err="1">
+                <a:latin typeface="Arial" panose="020B0604020202020204" pitchFamily="34" charset="0"/>
+                <a:cs typeface="Arial" panose="020B0604020202020204" pitchFamily="34" charset="0"/>
+              </a:rPr>
+              <a:t>lại</a:t>
+            </a:r>
+            <a:endParaRPr lang="en-US" dirty="0">
+              <a:latin typeface="Arial" panose="020B0604020202020204" pitchFamily="34" charset="0"/>
+              <a:cs typeface="Arial" panose="020B0604020202020204" pitchFamily="34" charset="0"/>
+            </a:endParaRPr>
+          </a:p>
+          <a:p>
+            <a:pPr marL="285750" indent="-285750">
+              <a:buFont typeface="Arial" panose="020B0604020202020204" pitchFamily="34" charset="0"/>
+              <a:buChar char="•"/>
+            </a:pPr>
+            <a:r>
+              <a:rPr lang="en-US" dirty="0">
+                <a:latin typeface="Arial" panose="020B0604020202020204" pitchFamily="34" charset="0"/>
+                <a:cs typeface="Arial" panose="020B0604020202020204" pitchFamily="34" charset="0"/>
+              </a:rPr>
+              <a:t>Khi </a:t>
+            </a:r>
+            <a:r>
+              <a:rPr lang="en-US" dirty="0" err="1">
+                <a:latin typeface="Arial" panose="020B0604020202020204" pitchFamily="34" charset="0"/>
+                <a:cs typeface="Arial" panose="020B0604020202020204" pitchFamily="34" charset="0"/>
+              </a:rPr>
+              <a:t>khung</a:t>
+            </a:r>
+            <a:r>
+              <a:rPr lang="en-US" dirty="0">
+                <a:latin typeface="Arial" panose="020B0604020202020204" pitchFamily="34" charset="0"/>
+                <a:cs typeface="Arial" panose="020B0604020202020204" pitchFamily="34" charset="0"/>
+              </a:rPr>
+              <a:t> </a:t>
+            </a:r>
+            <a:r>
+              <a:rPr lang="en-US" dirty="0" err="1">
+                <a:latin typeface="Arial" panose="020B0604020202020204" pitchFamily="34" charset="0"/>
+                <a:cs typeface="Arial" panose="020B0604020202020204" pitchFamily="34" charset="0"/>
+              </a:rPr>
+              <a:t>đến</a:t>
+            </a:r>
+            <a:r>
+              <a:rPr lang="en-US" dirty="0">
+                <a:latin typeface="Arial" panose="020B0604020202020204" pitchFamily="34" charset="0"/>
+                <a:cs typeface="Arial" panose="020B0604020202020204" pitchFamily="34" charset="0"/>
+              </a:rPr>
+              <a:t> </a:t>
+            </a:r>
+            <a:r>
+              <a:rPr lang="en-US" dirty="0" err="1">
+                <a:latin typeface="Arial" panose="020B0604020202020204" pitchFamily="34" charset="0"/>
+                <a:cs typeface="Arial" panose="020B0604020202020204" pitchFamily="34" charset="0"/>
+              </a:rPr>
+              <a:t>có</a:t>
+            </a:r>
+            <a:r>
+              <a:rPr lang="en-US" dirty="0">
+                <a:latin typeface="Arial" panose="020B0604020202020204" pitchFamily="34" charset="0"/>
+                <a:cs typeface="Arial" panose="020B0604020202020204" pitchFamily="34" charset="0"/>
+              </a:rPr>
+              <a:t> </a:t>
+            </a:r>
+            <a:r>
+              <a:rPr lang="en-US" dirty="0" err="1">
+                <a:latin typeface="Arial" panose="020B0604020202020204" pitchFamily="34" charset="0"/>
+                <a:cs typeface="Arial" panose="020B0604020202020204" pitchFamily="34" charset="0"/>
+              </a:rPr>
+              <a:t>số</a:t>
+            </a:r>
+            <a:r>
+              <a:rPr lang="en-US" dirty="0">
+                <a:latin typeface="Arial" panose="020B0604020202020204" pitchFamily="34" charset="0"/>
+                <a:cs typeface="Arial" panose="020B0604020202020204" pitchFamily="34" charset="0"/>
+              </a:rPr>
+              <a:t> </a:t>
+            </a:r>
+            <a:r>
+              <a:rPr lang="en-US" dirty="0" err="1">
+                <a:latin typeface="Arial" panose="020B0604020202020204" pitchFamily="34" charset="0"/>
+                <a:cs typeface="Arial" panose="020B0604020202020204" pitchFamily="34" charset="0"/>
+              </a:rPr>
+              <a:t>thứ</a:t>
+            </a:r>
+            <a:r>
+              <a:rPr lang="en-US" dirty="0">
+                <a:latin typeface="Arial" panose="020B0604020202020204" pitchFamily="34" charset="0"/>
+                <a:cs typeface="Arial" panose="020B0604020202020204" pitchFamily="34" charset="0"/>
+              </a:rPr>
+              <a:t> </a:t>
+            </a:r>
+            <a:r>
+              <a:rPr lang="en-US" dirty="0" err="1">
+                <a:latin typeface="Arial" panose="020B0604020202020204" pitchFamily="34" charset="0"/>
+                <a:cs typeface="Arial" panose="020B0604020202020204" pitchFamily="34" charset="0"/>
+              </a:rPr>
+              <a:t>tự</a:t>
+            </a:r>
+            <a:r>
+              <a:rPr lang="en-US" dirty="0">
+                <a:latin typeface="Arial" panose="020B0604020202020204" pitchFamily="34" charset="0"/>
+                <a:cs typeface="Arial" panose="020B0604020202020204" pitchFamily="34" charset="0"/>
+              </a:rPr>
+              <a:t> </a:t>
+            </a:r>
+            <a:r>
+              <a:rPr lang="en-US" dirty="0" err="1">
+                <a:latin typeface="Arial" panose="020B0604020202020204" pitchFamily="34" charset="0"/>
+                <a:cs typeface="Arial" panose="020B0604020202020204" pitchFamily="34" charset="0"/>
+              </a:rPr>
+              <a:t>trùng</a:t>
+            </a:r>
+            <a:r>
+              <a:rPr lang="en-US" dirty="0">
+                <a:latin typeface="Arial" panose="020B0604020202020204" pitchFamily="34" charset="0"/>
+                <a:cs typeface="Arial" panose="020B0604020202020204" pitchFamily="34" charset="0"/>
+              </a:rPr>
+              <a:t> </a:t>
+            </a:r>
+            <a:r>
+              <a:rPr lang="en-US" dirty="0" err="1">
+                <a:latin typeface="Arial" panose="020B0604020202020204" pitchFamily="34" charset="0"/>
+                <a:cs typeface="Arial" panose="020B0604020202020204" pitchFamily="34" charset="0"/>
+              </a:rPr>
+              <a:t>với</a:t>
+            </a:r>
+            <a:r>
+              <a:rPr lang="en-US" dirty="0">
+                <a:latin typeface="Arial" panose="020B0604020202020204" pitchFamily="34" charset="0"/>
+                <a:cs typeface="Arial" panose="020B0604020202020204" pitchFamily="34" charset="0"/>
+              </a:rPr>
+              <a:t> </a:t>
+            </a:r>
+            <a:r>
+              <a:rPr lang="en-US" dirty="0" err="1">
+                <a:latin typeface="Arial" panose="020B0604020202020204" pitchFamily="34" charset="0"/>
+                <a:cs typeface="Arial" panose="020B0604020202020204" pitchFamily="34" charset="0"/>
+              </a:rPr>
+              <a:t>cạnh</a:t>
+            </a:r>
+            <a:r>
+              <a:rPr lang="en-US" dirty="0">
+                <a:latin typeface="Arial" panose="020B0604020202020204" pitchFamily="34" charset="0"/>
+                <a:cs typeface="Arial" panose="020B0604020202020204" pitchFamily="34" charset="0"/>
+              </a:rPr>
+              <a:t> </a:t>
+            </a:r>
+            <a:r>
+              <a:rPr lang="en-US" dirty="0" err="1">
+                <a:latin typeface="Arial" panose="020B0604020202020204" pitchFamily="34" charset="0"/>
+                <a:cs typeface="Arial" panose="020B0604020202020204" pitchFamily="34" charset="0"/>
+              </a:rPr>
+              <a:t>dưới</a:t>
+            </a:r>
+            <a:r>
+              <a:rPr lang="en-US" dirty="0">
+                <a:latin typeface="Arial" panose="020B0604020202020204" pitchFamily="34" charset="0"/>
+                <a:cs typeface="Arial" panose="020B0604020202020204" pitchFamily="34" charset="0"/>
+              </a:rPr>
+              <a:t> </a:t>
+            </a:r>
+            <a:r>
+              <a:rPr lang="en-US" dirty="0" err="1">
+                <a:latin typeface="Arial" panose="020B0604020202020204" pitchFamily="34" charset="0"/>
+                <a:cs typeface="Arial" panose="020B0604020202020204" pitchFamily="34" charset="0"/>
+              </a:rPr>
+              <a:t>của</a:t>
+            </a:r>
+            <a:r>
+              <a:rPr lang="en-US" dirty="0">
+                <a:latin typeface="Arial" panose="020B0604020202020204" pitchFamily="34" charset="0"/>
+                <a:cs typeface="Arial" panose="020B0604020202020204" pitchFamily="34" charset="0"/>
+              </a:rPr>
+              <a:t> </a:t>
+            </a:r>
+            <a:r>
+              <a:rPr lang="en-US" dirty="0" err="1">
+                <a:latin typeface="Arial" panose="020B0604020202020204" pitchFamily="34" charset="0"/>
+                <a:cs typeface="Arial" panose="020B0604020202020204" pitchFamily="34" charset="0"/>
+              </a:rPr>
+              <a:t>cửa</a:t>
+            </a:r>
+            <a:r>
+              <a:rPr lang="en-US" dirty="0">
+                <a:latin typeface="Arial" panose="020B0604020202020204" pitchFamily="34" charset="0"/>
+                <a:cs typeface="Arial" panose="020B0604020202020204" pitchFamily="34" charset="0"/>
+              </a:rPr>
+              <a:t> </a:t>
+            </a:r>
+            <a:r>
+              <a:rPr lang="en-US" dirty="0" err="1">
+                <a:latin typeface="Arial" panose="020B0604020202020204" pitchFamily="34" charset="0"/>
+                <a:cs typeface="Arial" panose="020B0604020202020204" pitchFamily="34" charset="0"/>
+              </a:rPr>
+              <a:t>sổ</a:t>
+            </a:r>
+            <a:r>
+              <a:rPr lang="en-US" dirty="0">
+                <a:latin typeface="Arial" panose="020B0604020202020204" pitchFamily="34" charset="0"/>
+                <a:cs typeface="Arial" panose="020B0604020202020204" pitchFamily="34" charset="0"/>
+              </a:rPr>
+              <a:t> </a:t>
+            </a:r>
+            <a:r>
+              <a:rPr lang="en-US" dirty="0" err="1">
+                <a:latin typeface="Arial" panose="020B0604020202020204" pitchFamily="34" charset="0"/>
+                <a:cs typeface="Arial" panose="020B0604020202020204" pitchFamily="34" charset="0"/>
+              </a:rPr>
+              <a:t>thu</a:t>
+            </a:r>
+            <a:r>
+              <a:rPr lang="en-US" dirty="0">
+                <a:latin typeface="Arial" panose="020B0604020202020204" pitchFamily="34" charset="0"/>
+                <a:cs typeface="Arial" panose="020B0604020202020204" pitchFamily="34" charset="0"/>
+              </a:rPr>
+              <a:t> </a:t>
+            </a:r>
+            <a:r>
+              <a:rPr lang="en-US" dirty="0" err="1">
+                <a:latin typeface="Arial" panose="020B0604020202020204" pitchFamily="34" charset="0"/>
+                <a:cs typeface="Arial" panose="020B0604020202020204" pitchFamily="34" charset="0"/>
+              </a:rPr>
+              <a:t>sẽ</a:t>
+            </a:r>
+            <a:r>
+              <a:rPr lang="en-US" dirty="0">
+                <a:latin typeface="Arial" panose="020B0604020202020204" pitchFamily="34" charset="0"/>
+                <a:cs typeface="Arial" panose="020B0604020202020204" pitchFamily="34" charset="0"/>
+              </a:rPr>
+              <a:t> </a:t>
+            </a:r>
+            <a:r>
+              <a:rPr lang="en-US" dirty="0" err="1">
+                <a:latin typeface="Arial" panose="020B0604020202020204" pitchFamily="34" charset="0"/>
+                <a:cs typeface="Arial" panose="020B0604020202020204" pitchFamily="34" charset="0"/>
+              </a:rPr>
+              <a:t>được</a:t>
+            </a:r>
+            <a:r>
+              <a:rPr lang="en-US" dirty="0">
+                <a:latin typeface="Arial" panose="020B0604020202020204" pitchFamily="34" charset="0"/>
+                <a:cs typeface="Arial" panose="020B0604020202020204" pitchFamily="34" charset="0"/>
+              </a:rPr>
+              <a:t> </a:t>
+            </a:r>
+            <a:r>
+              <a:rPr lang="en-US" dirty="0" err="1">
+                <a:latin typeface="Arial" panose="020B0604020202020204" pitchFamily="34" charset="0"/>
+                <a:cs typeface="Arial" panose="020B0604020202020204" pitchFamily="34" charset="0"/>
+              </a:rPr>
+              <a:t>chấp</a:t>
+            </a:r>
+            <a:r>
+              <a:rPr lang="en-US" dirty="0">
+                <a:latin typeface="Arial" panose="020B0604020202020204" pitchFamily="34" charset="0"/>
+                <a:cs typeface="Arial" panose="020B0604020202020204" pitchFamily="34" charset="0"/>
+              </a:rPr>
+              <a:t> </a:t>
+            </a:r>
+            <a:r>
+              <a:rPr lang="en-US" dirty="0" err="1">
+                <a:latin typeface="Arial" panose="020B0604020202020204" pitchFamily="34" charset="0"/>
+                <a:cs typeface="Arial" panose="020B0604020202020204" pitchFamily="34" charset="0"/>
+              </a:rPr>
+              <a:t>nhận</a:t>
+            </a:r>
+            <a:r>
+              <a:rPr lang="en-US" dirty="0">
+                <a:latin typeface="Arial" panose="020B0604020202020204" pitchFamily="34" charset="0"/>
+                <a:cs typeface="Arial" panose="020B0604020202020204" pitchFamily="34" charset="0"/>
+              </a:rPr>
+              <a:t>, </a:t>
+            </a:r>
+            <a:r>
+              <a:rPr lang="en-US" dirty="0" err="1">
+                <a:latin typeface="Arial" panose="020B0604020202020204" pitchFamily="34" charset="0"/>
+                <a:cs typeface="Arial" panose="020B0604020202020204" pitchFamily="34" charset="0"/>
+              </a:rPr>
+              <a:t>dữ</a:t>
+            </a:r>
+            <a:r>
+              <a:rPr lang="en-US" dirty="0">
+                <a:latin typeface="Arial" panose="020B0604020202020204" pitchFamily="34" charset="0"/>
+                <a:cs typeface="Arial" panose="020B0604020202020204" pitchFamily="34" charset="0"/>
+              </a:rPr>
+              <a:t> </a:t>
+            </a:r>
+            <a:r>
+              <a:rPr lang="en-US" dirty="0" err="1">
+                <a:latin typeface="Arial" panose="020B0604020202020204" pitchFamily="34" charset="0"/>
+                <a:cs typeface="Arial" panose="020B0604020202020204" pitchFamily="34" charset="0"/>
+              </a:rPr>
+              <a:t>liệu</a:t>
+            </a:r>
+            <a:r>
+              <a:rPr lang="en-US" dirty="0">
+                <a:latin typeface="Arial" panose="020B0604020202020204" pitchFamily="34" charset="0"/>
+                <a:cs typeface="Arial" panose="020B0604020202020204" pitchFamily="34" charset="0"/>
+              </a:rPr>
+              <a:t> </a:t>
+            </a:r>
+            <a:r>
+              <a:rPr lang="en-US" dirty="0" err="1">
+                <a:latin typeface="Arial" panose="020B0604020202020204" pitchFamily="34" charset="0"/>
+                <a:cs typeface="Arial" panose="020B0604020202020204" pitchFamily="34" charset="0"/>
+              </a:rPr>
+              <a:t>của</a:t>
+            </a:r>
+            <a:r>
+              <a:rPr lang="en-US" dirty="0">
+                <a:latin typeface="Arial" panose="020B0604020202020204" pitchFamily="34" charset="0"/>
+                <a:cs typeface="Arial" panose="020B0604020202020204" pitchFamily="34" charset="0"/>
+              </a:rPr>
+              <a:t> </a:t>
+            </a:r>
+            <a:r>
+              <a:rPr lang="en-US" dirty="0" err="1">
+                <a:latin typeface="Arial" panose="020B0604020202020204" pitchFamily="34" charset="0"/>
+                <a:cs typeface="Arial" panose="020B0604020202020204" pitchFamily="34" charset="0"/>
+              </a:rPr>
+              <a:t>gói</a:t>
+            </a:r>
+            <a:r>
+              <a:rPr lang="en-US" dirty="0">
+                <a:latin typeface="Arial" panose="020B0604020202020204" pitchFamily="34" charset="0"/>
+                <a:cs typeface="Arial" panose="020B0604020202020204" pitchFamily="34" charset="0"/>
+              </a:rPr>
+              <a:t> </a:t>
+            </a:r>
+            <a:r>
+              <a:rPr lang="en-US" dirty="0" err="1">
+                <a:latin typeface="Arial" panose="020B0604020202020204" pitchFamily="34" charset="0"/>
+                <a:cs typeface="Arial" panose="020B0604020202020204" pitchFamily="34" charset="0"/>
+              </a:rPr>
+              <a:t>được</a:t>
+            </a:r>
+            <a:r>
+              <a:rPr lang="en-US" dirty="0">
+                <a:latin typeface="Arial" panose="020B0604020202020204" pitchFamily="34" charset="0"/>
+                <a:cs typeface="Arial" panose="020B0604020202020204" pitchFamily="34" charset="0"/>
+              </a:rPr>
+              <a:t> </a:t>
+            </a:r>
+            <a:r>
+              <a:rPr lang="en-US" dirty="0" err="1">
+                <a:latin typeface="Arial" panose="020B0604020202020204" pitchFamily="34" charset="0"/>
+                <a:cs typeface="Arial" panose="020B0604020202020204" pitchFamily="34" charset="0"/>
+              </a:rPr>
+              <a:t>chuyển</a:t>
+            </a:r>
+            <a:r>
+              <a:rPr lang="en-US" dirty="0">
+                <a:latin typeface="Arial" panose="020B0604020202020204" pitchFamily="34" charset="0"/>
+                <a:cs typeface="Arial" panose="020B0604020202020204" pitchFamily="34" charset="0"/>
+              </a:rPr>
+              <a:t> </a:t>
+            </a:r>
+            <a:r>
+              <a:rPr lang="en-US" dirty="0" err="1">
+                <a:latin typeface="Arial" panose="020B0604020202020204" pitchFamily="34" charset="0"/>
+                <a:cs typeface="Arial" panose="020B0604020202020204" pitchFamily="34" charset="0"/>
+              </a:rPr>
+              <a:t>lên</a:t>
+            </a:r>
+            <a:r>
+              <a:rPr lang="en-US" dirty="0">
+                <a:latin typeface="Arial" panose="020B0604020202020204" pitchFamily="34" charset="0"/>
+                <a:cs typeface="Arial" panose="020B0604020202020204" pitchFamily="34" charset="0"/>
+              </a:rPr>
+              <a:t> </a:t>
+            </a:r>
+            <a:r>
+              <a:rPr lang="en-US" dirty="0" err="1">
+                <a:latin typeface="Arial" panose="020B0604020202020204" pitchFamily="34" charset="0"/>
+                <a:cs typeface="Arial" panose="020B0604020202020204" pitchFamily="34" charset="0"/>
+              </a:rPr>
+              <a:t>lớp</a:t>
+            </a:r>
+            <a:r>
+              <a:rPr lang="en-US" dirty="0">
+                <a:latin typeface="Arial" panose="020B0604020202020204" pitchFamily="34" charset="0"/>
+                <a:cs typeface="Arial" panose="020B0604020202020204" pitchFamily="34" charset="0"/>
+              </a:rPr>
+              <a:t> </a:t>
+            </a:r>
+            <a:r>
+              <a:rPr lang="en-US" dirty="0" err="1">
+                <a:latin typeface="Arial" panose="020B0604020202020204" pitchFamily="34" charset="0"/>
+                <a:cs typeface="Arial" panose="020B0604020202020204" pitchFamily="34" charset="0"/>
+              </a:rPr>
+              <a:t>mạng</a:t>
+            </a:r>
+            <a:r>
+              <a:rPr lang="en-US" dirty="0">
+                <a:latin typeface="Arial" panose="020B0604020202020204" pitchFamily="34" charset="0"/>
+                <a:cs typeface="Arial" panose="020B0604020202020204" pitchFamily="34" charset="0"/>
+              </a:rPr>
+              <a:t> </a:t>
+            </a:r>
+            <a:r>
+              <a:rPr lang="en-US" dirty="0" err="1">
+                <a:latin typeface="Arial" panose="020B0604020202020204" pitchFamily="34" charset="0"/>
+                <a:cs typeface="Arial" panose="020B0604020202020204" pitchFamily="34" charset="0"/>
+              </a:rPr>
+              <a:t>và</a:t>
+            </a:r>
+            <a:r>
+              <a:rPr lang="en-US" dirty="0">
+                <a:latin typeface="Arial" panose="020B0604020202020204" pitchFamily="34" charset="0"/>
+                <a:cs typeface="Arial" panose="020B0604020202020204" pitchFamily="34" charset="0"/>
+              </a:rPr>
+              <a:t> </a:t>
+            </a:r>
+            <a:r>
+              <a:rPr lang="en-US" dirty="0" err="1">
+                <a:latin typeface="Arial" panose="020B0604020202020204" pitchFamily="34" charset="0"/>
+                <a:cs typeface="Arial" panose="020B0604020202020204" pitchFamily="34" charset="0"/>
+              </a:rPr>
+              <a:t>phản</a:t>
+            </a:r>
+            <a:r>
+              <a:rPr lang="en-US" dirty="0">
+                <a:latin typeface="Arial" panose="020B0604020202020204" pitchFamily="34" charset="0"/>
+                <a:cs typeface="Arial" panose="020B0604020202020204" pitchFamily="34" charset="0"/>
+              </a:rPr>
+              <a:t> </a:t>
+            </a:r>
+            <a:r>
+              <a:rPr lang="en-US" dirty="0" err="1">
+                <a:latin typeface="Arial" panose="020B0604020202020204" pitchFamily="34" charset="0"/>
+                <a:cs typeface="Arial" panose="020B0604020202020204" pitchFamily="34" charset="0"/>
+              </a:rPr>
+              <a:t>hồi</a:t>
+            </a:r>
+            <a:r>
+              <a:rPr lang="en-US" dirty="0">
+                <a:latin typeface="Arial" panose="020B0604020202020204" pitchFamily="34" charset="0"/>
+                <a:cs typeface="Arial" panose="020B0604020202020204" pitchFamily="34" charset="0"/>
+              </a:rPr>
+              <a:t> </a:t>
+            </a:r>
+            <a:r>
+              <a:rPr lang="en-US" dirty="0" err="1">
+                <a:latin typeface="Arial" panose="020B0604020202020204" pitchFamily="34" charset="0"/>
+                <a:cs typeface="Arial" panose="020B0604020202020204" pitchFamily="34" charset="0"/>
+              </a:rPr>
+              <a:t>được</a:t>
+            </a:r>
+            <a:r>
+              <a:rPr lang="en-US" dirty="0">
+                <a:latin typeface="Arial" panose="020B0604020202020204" pitchFamily="34" charset="0"/>
+                <a:cs typeface="Arial" panose="020B0604020202020204" pitchFamily="34" charset="0"/>
+              </a:rPr>
+              <a:t> </a:t>
+            </a:r>
+            <a:r>
+              <a:rPr lang="en-US" dirty="0" err="1">
+                <a:latin typeface="Arial" panose="020B0604020202020204" pitchFamily="34" charset="0"/>
+                <a:cs typeface="Arial" panose="020B0604020202020204" pitchFamily="34" charset="0"/>
+              </a:rPr>
+              <a:t>tạo</a:t>
+            </a:r>
+            <a:r>
+              <a:rPr lang="en-US" dirty="0">
+                <a:latin typeface="Arial" panose="020B0604020202020204" pitchFamily="34" charset="0"/>
+                <a:cs typeface="Arial" panose="020B0604020202020204" pitchFamily="34" charset="0"/>
+              </a:rPr>
+              <a:t> ra </a:t>
+            </a:r>
+            <a:r>
+              <a:rPr lang="en-US" dirty="0" err="1">
+                <a:latin typeface="Arial" panose="020B0604020202020204" pitchFamily="34" charset="0"/>
+                <a:cs typeface="Arial" panose="020B0604020202020204" pitchFamily="34" charset="0"/>
+              </a:rPr>
+              <a:t>và</a:t>
+            </a:r>
+            <a:r>
+              <a:rPr lang="en-US" dirty="0">
+                <a:latin typeface="Arial" panose="020B0604020202020204" pitchFamily="34" charset="0"/>
+                <a:cs typeface="Arial" panose="020B0604020202020204" pitchFamily="34" charset="0"/>
+              </a:rPr>
+              <a:t> </a:t>
+            </a:r>
+            <a:r>
+              <a:rPr lang="en-US" dirty="0" err="1">
+                <a:latin typeface="Arial" panose="020B0604020202020204" pitchFamily="34" charset="0"/>
+                <a:cs typeface="Arial" panose="020B0604020202020204" pitchFamily="34" charset="0"/>
+              </a:rPr>
+              <a:t>kích</a:t>
+            </a:r>
+            <a:r>
+              <a:rPr lang="en-US" dirty="0">
+                <a:latin typeface="Arial" panose="020B0604020202020204" pitchFamily="34" charset="0"/>
+                <a:cs typeface="Arial" panose="020B0604020202020204" pitchFamily="34" charset="0"/>
+              </a:rPr>
+              <a:t> </a:t>
+            </a:r>
+            <a:r>
+              <a:rPr lang="en-US" dirty="0" err="1">
+                <a:latin typeface="Arial" panose="020B0604020202020204" pitchFamily="34" charset="0"/>
+                <a:cs typeface="Arial" panose="020B0604020202020204" pitchFamily="34" charset="0"/>
+              </a:rPr>
+              <a:t>thước</a:t>
+            </a:r>
+            <a:r>
+              <a:rPr lang="en-US" dirty="0">
+                <a:latin typeface="Arial" panose="020B0604020202020204" pitchFamily="34" charset="0"/>
+                <a:cs typeface="Arial" panose="020B0604020202020204" pitchFamily="34" charset="0"/>
+              </a:rPr>
+              <a:t> </a:t>
+            </a:r>
+            <a:r>
+              <a:rPr lang="en-US" dirty="0" err="1">
+                <a:latin typeface="Arial" panose="020B0604020202020204" pitchFamily="34" charset="0"/>
+                <a:cs typeface="Arial" panose="020B0604020202020204" pitchFamily="34" charset="0"/>
+              </a:rPr>
+              <a:t>cửa</a:t>
+            </a:r>
+            <a:r>
+              <a:rPr lang="en-US" dirty="0">
+                <a:latin typeface="Arial" panose="020B0604020202020204" pitchFamily="34" charset="0"/>
+                <a:cs typeface="Arial" panose="020B0604020202020204" pitchFamily="34" charset="0"/>
+              </a:rPr>
+              <a:t> </a:t>
+            </a:r>
+            <a:r>
+              <a:rPr lang="en-US" dirty="0" err="1">
+                <a:latin typeface="Arial" panose="020B0604020202020204" pitchFamily="34" charset="0"/>
+                <a:cs typeface="Arial" panose="020B0604020202020204" pitchFamily="34" charset="0"/>
+              </a:rPr>
+              <a:t>sổ</a:t>
+            </a:r>
+            <a:r>
+              <a:rPr lang="en-US" dirty="0">
+                <a:latin typeface="Arial" panose="020B0604020202020204" pitchFamily="34" charset="0"/>
+                <a:cs typeface="Arial" panose="020B0604020202020204" pitchFamily="34" charset="0"/>
+              </a:rPr>
+              <a:t> </a:t>
+            </a:r>
+            <a:r>
+              <a:rPr lang="en-US" dirty="0" err="1">
+                <a:latin typeface="Arial" panose="020B0604020202020204" pitchFamily="34" charset="0"/>
+                <a:cs typeface="Arial" panose="020B0604020202020204" pitchFamily="34" charset="0"/>
+              </a:rPr>
+              <a:t>tăng</a:t>
+            </a:r>
+            <a:r>
+              <a:rPr lang="en-US" dirty="0">
+                <a:latin typeface="Arial" panose="020B0604020202020204" pitchFamily="34" charset="0"/>
+                <a:cs typeface="Arial" panose="020B0604020202020204" pitchFamily="34" charset="0"/>
+              </a:rPr>
+              <a:t> </a:t>
+            </a:r>
+            <a:r>
+              <a:rPr lang="en-US" dirty="0" err="1">
+                <a:latin typeface="Arial" panose="020B0604020202020204" pitchFamily="34" charset="0"/>
+                <a:cs typeface="Arial" panose="020B0604020202020204" pitchFamily="34" charset="0"/>
+              </a:rPr>
+              <a:t>lên</a:t>
+            </a:r>
+            <a:r>
+              <a:rPr lang="en-US" dirty="0">
+                <a:latin typeface="Arial" panose="020B0604020202020204" pitchFamily="34" charset="0"/>
+                <a:cs typeface="Arial" panose="020B0604020202020204" pitchFamily="34" charset="0"/>
+              </a:rPr>
+              <a:t> 1 </a:t>
+            </a:r>
+            <a:r>
+              <a:rPr lang="en-US" dirty="0" err="1">
+                <a:latin typeface="Arial" panose="020B0604020202020204" pitchFamily="34" charset="0"/>
+                <a:cs typeface="Arial" panose="020B0604020202020204" pitchFamily="34" charset="0"/>
+              </a:rPr>
+              <a:t>đơn</a:t>
+            </a:r>
+            <a:r>
+              <a:rPr lang="en-US" dirty="0">
+                <a:latin typeface="Arial" panose="020B0604020202020204" pitchFamily="34" charset="0"/>
+                <a:cs typeface="Arial" panose="020B0604020202020204" pitchFamily="34" charset="0"/>
+              </a:rPr>
+              <a:t> </a:t>
+            </a:r>
+            <a:r>
+              <a:rPr lang="en-US" dirty="0" err="1">
+                <a:latin typeface="Arial" panose="020B0604020202020204" pitchFamily="34" charset="0"/>
+                <a:cs typeface="Arial" panose="020B0604020202020204" pitchFamily="34" charset="0"/>
+              </a:rPr>
+              <a:t>vị</a:t>
+            </a:r>
+            <a:r>
+              <a:rPr lang="en-US" dirty="0">
+                <a:latin typeface="Arial" panose="020B0604020202020204" pitchFamily="34" charset="0"/>
+                <a:cs typeface="Arial" panose="020B0604020202020204" pitchFamily="34" charset="0"/>
+              </a:rPr>
+              <a:t>.</a:t>
+            </a:r>
+          </a:p>
+        </p:txBody>
+      </p:sp>
+      <p:sp>
+        <p:nvSpPr>
+          <p:cNvPr id="8" name="TextBox 7">
+            <a:extLst>
+              <a:ext uri="{FF2B5EF4-FFF2-40B4-BE49-F238E27FC236}">
+                <a16:creationId xmlns:a16="http://schemas.microsoft.com/office/drawing/2014/main" id="{E405265F-14F6-4BAD-8591-4047D505352E}"/>
+              </a:ext>
+            </a:extLst>
+          </p:cNvPr>
+          <p:cNvSpPr txBox="1"/>
+          <p:nvPr/>
+        </p:nvSpPr>
+        <p:spPr>
+          <a:xfrm>
+            <a:off x="1381538" y="424934"/>
+            <a:ext cx="6102626" cy="369332"/>
+          </a:xfrm>
+          <a:prstGeom prst="rect">
+            <a:avLst/>
+          </a:prstGeom>
+          <a:noFill/>
+        </p:spPr>
+        <p:txBody>
+          <a:bodyPr wrap="square">
+            <a:spAutoFit/>
+          </a:bodyPr>
+          <a:lstStyle/>
+          <a:p>
+            <a:r>
+              <a:rPr lang="en-US" b="1" dirty="0">
+                <a:latin typeface="Arial" panose="020B0604020202020204" pitchFamily="34" charset="0"/>
+                <a:cs typeface="Arial" panose="020B0604020202020204" pitchFamily="34" charset="0"/>
+              </a:rPr>
+              <a:t>2. </a:t>
+            </a:r>
+            <a:r>
+              <a:rPr lang="en-US" b="1" dirty="0" err="1">
+                <a:latin typeface="Arial" panose="020B0604020202020204" pitchFamily="34" charset="0"/>
+                <a:cs typeface="Arial" panose="020B0604020202020204" pitchFamily="34" charset="0"/>
+              </a:rPr>
+              <a:t>Điều</a:t>
+            </a:r>
+            <a:r>
+              <a:rPr lang="en-US" b="1" dirty="0">
+                <a:latin typeface="Arial" panose="020B0604020202020204" pitchFamily="34" charset="0"/>
+                <a:cs typeface="Arial" panose="020B0604020202020204" pitchFamily="34" charset="0"/>
+              </a:rPr>
+              <a:t> </a:t>
+            </a:r>
+            <a:r>
+              <a:rPr lang="en-US" b="1" dirty="0" err="1">
+                <a:latin typeface="Arial" panose="020B0604020202020204" pitchFamily="34" charset="0"/>
+                <a:cs typeface="Arial" panose="020B0604020202020204" pitchFamily="34" charset="0"/>
+              </a:rPr>
+              <a:t>khiển</a:t>
+            </a:r>
+            <a:r>
+              <a:rPr lang="en-US" b="1" dirty="0">
+                <a:latin typeface="Arial" panose="020B0604020202020204" pitchFamily="34" charset="0"/>
+                <a:cs typeface="Arial" panose="020B0604020202020204" pitchFamily="34" charset="0"/>
+              </a:rPr>
+              <a:t> </a:t>
+            </a:r>
+            <a:r>
+              <a:rPr lang="en-US" b="1" dirty="0" err="1">
+                <a:latin typeface="Arial" panose="020B0604020202020204" pitchFamily="34" charset="0"/>
+                <a:cs typeface="Arial" panose="020B0604020202020204" pitchFamily="34" charset="0"/>
+              </a:rPr>
+              <a:t>luồng</a:t>
+            </a:r>
+            <a:r>
+              <a:rPr lang="en-US" b="1" dirty="0">
+                <a:latin typeface="Arial" panose="020B0604020202020204" pitchFamily="34" charset="0"/>
+                <a:cs typeface="Arial" panose="020B0604020202020204" pitchFamily="34" charset="0"/>
+              </a:rPr>
+              <a:t> </a:t>
+            </a:r>
+            <a:r>
+              <a:rPr lang="en-US" b="1" dirty="0" err="1">
+                <a:latin typeface="Arial" panose="020B0604020202020204" pitchFamily="34" charset="0"/>
+                <a:cs typeface="Arial" panose="020B0604020202020204" pitchFamily="34" charset="0"/>
+              </a:rPr>
+              <a:t>dùng</a:t>
+            </a:r>
+            <a:r>
+              <a:rPr lang="en-US" b="1" dirty="0">
+                <a:latin typeface="Arial" panose="020B0604020202020204" pitchFamily="34" charset="0"/>
+                <a:cs typeface="Arial" panose="020B0604020202020204" pitchFamily="34" charset="0"/>
+              </a:rPr>
+              <a:t> Sliding </a:t>
+            </a:r>
+            <a:r>
+              <a:rPr lang="en-US" b="1" dirty="0" err="1">
+                <a:latin typeface="Arial" panose="020B0604020202020204" pitchFamily="34" charset="0"/>
+                <a:cs typeface="Arial" panose="020B0604020202020204" pitchFamily="34" charset="0"/>
+              </a:rPr>
+              <a:t>Windown</a:t>
+            </a:r>
+            <a:endParaRPr lang="en-US" b="1" dirty="0">
+              <a:latin typeface="Arial" panose="020B0604020202020204" pitchFamily="34" charset="0"/>
+              <a:cs typeface="Arial" panose="020B0604020202020204" pitchFamily="34" charset="0"/>
+            </a:endParaRPr>
+          </a:p>
+        </p:txBody>
+      </p:sp>
+    </p:spTree>
+    <p:extLst>
+      <p:ext uri="{BB962C8B-B14F-4D97-AF65-F5344CB8AC3E}">
+        <p14:creationId xmlns:p14="http://schemas.microsoft.com/office/powerpoint/2010/main" val="1266222079"/>
+      </p:ext>
+    </p:extLst>
+  </p:cSld>
+  <p:clrMapOvr>
+    <a:masterClrMapping/>
+  </p:clrMapOvr>
+  <p:timing>
+    <p:tnLst>
+      <p:par>
+        <p:cTn id="1" dur="indefinite" restart="never" nodeType="tmRoot">
+          <p:childTnLst>
+            <p:seq concurrent="1" nextAc="seek">
+              <p:cTn id="2" dur="indefinite" nodeType="mainSeq">
+                <p:childTnLst>
+                  <p:par>
+                    <p:cTn id="3" fill="hold">
+                      <p:stCondLst>
+                        <p:cond delay="indefinite"/>
+                      </p:stCondLst>
+                      <p:childTnLst>
+                        <p:par>
+                          <p:cTn id="4" fill="hold">
+                            <p:stCondLst>
+                              <p:cond delay="0"/>
+                            </p:stCondLst>
+                            <p:childTnLst>
+                              <p:par>
+                                <p:cTn id="5" presetID="2" presetClass="entr" presetSubtype="4" fill="hold" grpId="0" nodeType="clickEffect">
+                                  <p:stCondLst>
+                                    <p:cond delay="0"/>
+                                  </p:stCondLst>
+                                  <p:childTnLst>
+                                    <p:set>
+                                      <p:cBhvr>
+                                        <p:cTn id="6" dur="1" fill="hold">
+                                          <p:stCondLst>
+                                            <p:cond delay="0"/>
+                                          </p:stCondLst>
+                                        </p:cTn>
+                                        <p:tgtEl>
+                                          <p:spTgt spid="6"/>
+                                        </p:tgtEl>
+                                        <p:attrNameLst>
+                                          <p:attrName>style.visibility</p:attrName>
+                                        </p:attrNameLst>
+                                      </p:cBhvr>
+                                      <p:to>
+                                        <p:strVal val="visible"/>
+                                      </p:to>
+                                    </p:set>
+                                    <p:anim calcmode="lin" valueType="num">
+                                      <p:cBhvr additive="base">
+                                        <p:cTn id="7" dur="500" fill="hold"/>
+                                        <p:tgtEl>
+                                          <p:spTgt spid="6"/>
+                                        </p:tgtEl>
+                                        <p:attrNameLst>
+                                          <p:attrName>ppt_x</p:attrName>
+                                        </p:attrNameLst>
+                                      </p:cBhvr>
+                                      <p:tavLst>
+                                        <p:tav tm="0">
+                                          <p:val>
+                                            <p:strVal val="#ppt_x"/>
+                                          </p:val>
+                                        </p:tav>
+                                        <p:tav tm="100000">
+                                          <p:val>
+                                            <p:strVal val="#ppt_x"/>
+                                          </p:val>
+                                        </p:tav>
+                                      </p:tavLst>
+                                    </p:anim>
+                                    <p:anim calcmode="lin" valueType="num">
+                                      <p:cBhvr additive="base">
+                                        <p:cTn id="8" dur="500" fill="hold"/>
+                                        <p:tgtEl>
+                                          <p:spTgt spid="6"/>
+                                        </p:tgtEl>
+                                        <p:attrNameLst>
+                                          <p:attrName>ppt_y</p:attrName>
+                                        </p:attrNameLst>
+                                      </p:cBhvr>
+                                      <p:tavLst>
+                                        <p:tav tm="0">
+                                          <p:val>
+                                            <p:strVal val="1+#ppt_h/2"/>
+                                          </p:val>
+                                        </p:tav>
+                                        <p:tav tm="100000">
+                                          <p:val>
+                                            <p:strVal val="#ppt_y"/>
+                                          </p:val>
+                                        </p:tav>
+                                      </p:tavLst>
+                                    </p:anim>
+                                  </p:childTnLst>
+                                </p:cTn>
+                              </p:par>
+                            </p:childTnLst>
+                          </p:cTn>
+                        </p:par>
+                      </p:childTnLst>
+                    </p:cTn>
+                  </p:par>
+                  <p:par>
+                    <p:cTn id="9" fill="hold">
+                      <p:stCondLst>
+                        <p:cond delay="indefinite"/>
+                      </p:stCondLst>
+                      <p:childTnLst>
+                        <p:par>
+                          <p:cTn id="10" fill="hold">
+                            <p:stCondLst>
+                              <p:cond delay="0"/>
+                            </p:stCondLst>
+                            <p:childTnLst>
+                              <p:par>
+                                <p:cTn id="11" presetID="2" presetClass="entr" presetSubtype="4" fill="hold" nodeType="clickEffect">
+                                  <p:stCondLst>
+                                    <p:cond delay="0"/>
+                                  </p:stCondLst>
+                                  <p:childTnLst>
+                                    <p:set>
+                                      <p:cBhvr>
+                                        <p:cTn id="12" dur="1" fill="hold">
+                                          <p:stCondLst>
+                                            <p:cond delay="0"/>
+                                          </p:stCondLst>
+                                        </p:cTn>
+                                        <p:tgtEl>
+                                          <p:spTgt spid="4"/>
+                                        </p:tgtEl>
+                                        <p:attrNameLst>
+                                          <p:attrName>style.visibility</p:attrName>
+                                        </p:attrNameLst>
+                                      </p:cBhvr>
+                                      <p:to>
+                                        <p:strVal val="visible"/>
+                                      </p:to>
+                                    </p:set>
+                                    <p:anim calcmode="lin" valueType="num">
+                                      <p:cBhvr additive="base">
+                                        <p:cTn id="13" dur="500" fill="hold"/>
+                                        <p:tgtEl>
+                                          <p:spTgt spid="4"/>
+                                        </p:tgtEl>
+                                        <p:attrNameLst>
+                                          <p:attrName>ppt_x</p:attrName>
+                                        </p:attrNameLst>
+                                      </p:cBhvr>
+                                      <p:tavLst>
+                                        <p:tav tm="0">
+                                          <p:val>
+                                            <p:strVal val="#ppt_x"/>
+                                          </p:val>
+                                        </p:tav>
+                                        <p:tav tm="100000">
+                                          <p:val>
+                                            <p:strVal val="#ppt_x"/>
+                                          </p:val>
+                                        </p:tav>
+                                      </p:tavLst>
+                                    </p:anim>
+                                    <p:anim calcmode="lin" valueType="num">
+                                      <p:cBhvr additive="base">
+                                        <p:cTn id="14" dur="500" fill="hold"/>
+                                        <p:tgtEl>
+                                          <p:spTgt spid="4"/>
+                                        </p:tgtEl>
+                                        <p:attrNameLst>
+                                          <p:attrName>ppt_y</p:attrName>
+                                        </p:attrNameLst>
+                                      </p:cBhvr>
+                                      <p:tavLst>
+                                        <p:tav tm="0">
+                                          <p:val>
+                                            <p:strVal val="1+#ppt_h/2"/>
+                                          </p:val>
+                                        </p:tav>
+                                        <p:tav tm="100000">
+                                          <p:val>
+                                            <p:strVal val="#ppt_y"/>
+                                          </p:val>
+                                        </p:tav>
+                                      </p:tavLst>
+                                    </p:anim>
+                                  </p:childTnLst>
+                                </p:cTn>
+                              </p:par>
+                            </p:childTnLst>
+                          </p:cTn>
+                        </p:par>
+                      </p:childTnLst>
+                    </p:cTn>
+                  </p:par>
+                </p:childTnLst>
+              </p:cTn>
+              <p:prevCondLst>
+                <p:cond evt="onPrev" delay="0">
+                  <p:tgtEl>
+                    <p:sldTgt/>
+                  </p:tgtEl>
+                </p:cond>
+              </p:prevCondLst>
+              <p:nextCondLst>
+                <p:cond evt="onNext" delay="0">
+                  <p:tgtEl>
+                    <p:sldTgt/>
+                  </p:tgtEl>
+                </p:cond>
+              </p:nextCondLst>
+            </p:seq>
+          </p:childTnLst>
+        </p:cTn>
+      </p:par>
+    </p:tnLst>
+    <p:bldLst>
+      <p:bldP spid="6" grpId="0"/>
+    </p:bldLst>
+  </p:timing>
+</p:sld>
+</file>
+
+<file path=ppt/slides/slide5.xml><?xml version="1.0" encoding="utf-8"?>
+<p:sld xmlns:a="http://schemas.openxmlformats.org/drawingml/2006/main" xmlns:r="http://schemas.openxmlformats.org/officeDocument/2006/relationships" xmlns:p="http://schemas.openxmlformats.org/presentationml/2006/main">
+  <p:cSld>
+    <p:spTree>
+      <p:nvGrpSpPr>
+        <p:cNvPr id="1" name=""/>
+        <p:cNvGrpSpPr/>
+        <p:nvPr/>
+      </p:nvGrpSpPr>
+      <p:grpSpPr>
+        <a:xfrm>
+          <a:off x="0" y="0"/>
+          <a:ext cx="0" cy="0"/>
+          <a:chOff x="0" y="0"/>
+          <a:chExt cx="0" cy="0"/>
+        </a:xfrm>
+      </p:grpSpPr>
+      <p:sp>
+        <p:nvSpPr>
+          <p:cNvPr id="4" name="TextBox 3">
+            <a:extLst>
+              <a:ext uri="{FF2B5EF4-FFF2-40B4-BE49-F238E27FC236}">
+                <a16:creationId xmlns:a16="http://schemas.microsoft.com/office/drawing/2014/main" id="{7DEDD8D8-0AAE-4D1B-8195-EFC0C2515A4E}"/>
+              </a:ext>
+            </a:extLst>
+          </p:cNvPr>
+          <p:cNvSpPr txBox="1"/>
+          <p:nvPr/>
+        </p:nvSpPr>
+        <p:spPr>
+          <a:xfrm>
+            <a:off x="471713" y="413657"/>
+            <a:ext cx="7627258" cy="369332"/>
           </a:xfrm>
           <a:prstGeom prst="rect">
             <a:avLst/>
@@ -8784,102 +11364,30 @@
           <a:lstStyle/>
           <a:p>
             <a:r>
-              <a:rPr lang="en-US" b="1" dirty="0">
-                <a:latin typeface="Arial" panose="020B0604020202020204" pitchFamily="34" charset="0"/>
-                <a:cs typeface="Arial" panose="020B0604020202020204" pitchFamily="34" charset="0"/>
-              </a:rPr>
-              <a:t>2.1 </a:t>
-            </a:r>
-            <a:r>
-              <a:rPr lang="en-US" b="1" dirty="0" err="1">
-                <a:latin typeface="Arial" panose="020B0604020202020204" pitchFamily="34" charset="0"/>
-                <a:cs typeface="Arial" panose="020B0604020202020204" pitchFamily="34" charset="0"/>
-              </a:rPr>
-              <a:t>Biên</a:t>
-            </a:r>
-            <a:r>
-              <a:rPr lang="en-US" b="1" dirty="0">
-                <a:latin typeface="Arial" panose="020B0604020202020204" pitchFamily="34" charset="0"/>
-                <a:cs typeface="Arial" panose="020B0604020202020204" pitchFamily="34" charset="0"/>
-              </a:rPr>
-              <a:t> </a:t>
-            </a:r>
-            <a:r>
-              <a:rPr lang="en-US" b="1" dirty="0" err="1">
-                <a:latin typeface="Arial" panose="020B0604020202020204" pitchFamily="34" charset="0"/>
-                <a:cs typeface="Arial" panose="020B0604020202020204" pitchFamily="34" charset="0"/>
-              </a:rPr>
-              <a:t>nhân</a:t>
-            </a:r>
-            <a:r>
-              <a:rPr lang="en-US" b="1" dirty="0">
-                <a:latin typeface="Arial" panose="020B0604020202020204" pitchFamily="34" charset="0"/>
-                <a:cs typeface="Arial" panose="020B0604020202020204" pitchFamily="34" charset="0"/>
-              </a:rPr>
-              <a:t> </a:t>
-            </a:r>
-            <a:r>
-              <a:rPr lang="en-US" b="1" dirty="0" err="1">
-                <a:latin typeface="Arial" panose="020B0604020202020204" pitchFamily="34" charset="0"/>
-                <a:cs typeface="Arial" panose="020B0604020202020204" pitchFamily="34" charset="0"/>
-              </a:rPr>
-              <a:t>từng</a:t>
-            </a:r>
-            <a:r>
-              <a:rPr lang="en-US" b="1" dirty="0">
-                <a:latin typeface="Arial" panose="020B0604020202020204" pitchFamily="34" charset="0"/>
-                <a:cs typeface="Arial" panose="020B0604020202020204" pitchFamily="34" charset="0"/>
-              </a:rPr>
-              <a:t> </a:t>
-            </a:r>
-            <a:r>
-              <a:rPr lang="en-US" b="1" dirty="0" err="1">
-                <a:latin typeface="Arial" panose="020B0604020202020204" pitchFamily="34" charset="0"/>
-                <a:cs typeface="Arial" panose="020B0604020202020204" pitchFamily="34" charset="0"/>
-              </a:rPr>
-              <a:t>gói</a:t>
-            </a:r>
-            <a:r>
-              <a:rPr lang="en-US" b="1" dirty="0">
-                <a:latin typeface="Arial" panose="020B0604020202020204" pitchFamily="34" charset="0"/>
-                <a:cs typeface="Arial" panose="020B0604020202020204" pitchFamily="34" charset="0"/>
-              </a:rPr>
-              <a:t> </a:t>
-            </a:r>
-            <a:r>
-              <a:rPr lang="en-US" b="1" dirty="0" err="1">
-                <a:latin typeface="Arial" panose="020B0604020202020204" pitchFamily="34" charset="0"/>
-                <a:cs typeface="Arial" panose="020B0604020202020204" pitchFamily="34" charset="0"/>
-              </a:rPr>
-              <a:t>dữ</a:t>
-            </a:r>
-            <a:r>
-              <a:rPr lang="en-US" b="1" dirty="0">
-                <a:latin typeface="Arial" panose="020B0604020202020204" pitchFamily="34" charset="0"/>
-                <a:cs typeface="Arial" panose="020B0604020202020204" pitchFamily="34" charset="0"/>
-              </a:rPr>
-              <a:t> </a:t>
-            </a:r>
-            <a:r>
-              <a:rPr lang="en-US" b="1" dirty="0" err="1">
-                <a:latin typeface="Arial" panose="020B0604020202020204" pitchFamily="34" charset="0"/>
-                <a:cs typeface="Arial" panose="020B0604020202020204" pitchFamily="34" charset="0"/>
-              </a:rPr>
-              <a:t>liệu</a:t>
-            </a:r>
-            <a:endParaRPr lang="en-US" b="1" dirty="0">
-              <a:latin typeface="Arial" panose="020B0604020202020204" pitchFamily="34" charset="0"/>
-              <a:cs typeface="Arial" panose="020B0604020202020204" pitchFamily="34" charset="0"/>
-            </a:endParaRPr>
+              <a:rPr lang="en-US" dirty="0" err="1"/>
+              <a:t>Ví</a:t>
+            </a:r>
+            <a:r>
+              <a:rPr lang="en-US" dirty="0"/>
+              <a:t> </a:t>
+            </a:r>
+            <a:r>
+              <a:rPr lang="en-US" dirty="0" err="1"/>
+              <a:t>dụ</a:t>
+            </a:r>
+            <a:r>
+              <a:rPr lang="en-US" dirty="0"/>
+              <a:t>:</a:t>
+            </a:r>
           </a:p>
         </p:txBody>
       </p:sp>
       <p:pic>
         <p:nvPicPr>
-          <p:cNvPr id="5" name="Picture 4">
+          <p:cNvPr id="8" name="Picture 7">
             <a:extLst>
               <a:ext uri="{FF2B5EF4-FFF2-40B4-BE49-F238E27FC236}">
-                <a16:creationId xmlns:a16="http://schemas.microsoft.com/office/drawing/2014/main" id="{FA752C9C-204F-48AA-9E51-8B5400807DCF}"/>
+                <a16:creationId xmlns:a16="http://schemas.microsoft.com/office/drawing/2014/main" id="{7355100B-30B4-4AEC-8766-14C0750C24B3}"/>
               </a:ext>
             </a:extLst>
           </p:cNvPr>
@@ -8896,120 +11404,8 @@
         </p:blipFill>
         <p:spPr>
           <a:xfrm>
-            <a:off x="2032001" y="1036120"/>
-            <a:ext cx="6207204" cy="2069068"/>
-          </a:xfrm>
-          <a:prstGeom prst="rect">
-            <a:avLst/>
-          </a:prstGeom>
-        </p:spPr>
-      </p:pic>
-      <p:sp>
-        <p:nvSpPr>
-          <p:cNvPr id="6" name="TextBox 5">
-            <a:extLst>
-              <a:ext uri="{FF2B5EF4-FFF2-40B4-BE49-F238E27FC236}">
-                <a16:creationId xmlns:a16="http://schemas.microsoft.com/office/drawing/2014/main" id="{C88B1CE5-5153-48D2-A29C-6A2C6F01F79A}"/>
-              </a:ext>
-            </a:extLst>
-          </p:cNvPr>
-          <p:cNvSpPr txBox="1"/>
-          <p:nvPr/>
-        </p:nvSpPr>
-        <p:spPr>
-          <a:xfrm>
-            <a:off x="1485900" y="3244334"/>
-            <a:ext cx="4610100" cy="369332"/>
-          </a:xfrm>
-          <a:prstGeom prst="rect">
-            <a:avLst/>
-          </a:prstGeom>
-          <a:noFill/>
-        </p:spPr>
-        <p:txBody>
-          <a:bodyPr wrap="square" rtlCol="0">
-            <a:spAutoFit/>
-          </a:bodyPr>
-          <a:lstStyle>
-            <a:defPPr>
-              <a:defRPr lang="en-US"/>
-            </a:defPPr>
-            <a:lvl1pPr>
-              <a:defRPr>
-                <a:latin typeface="Arial" panose="020B0604020202020204" pitchFamily="34" charset="0"/>
-                <a:cs typeface="Arial" panose="020B0604020202020204" pitchFamily="34" charset="0"/>
-              </a:defRPr>
-            </a:lvl1pPr>
-          </a:lstStyle>
-          <a:p>
-            <a:r>
-              <a:rPr lang="en-US" b="1" dirty="0"/>
-              <a:t>2.2 </a:t>
-            </a:r>
-            <a:r>
-              <a:rPr lang="en-US" b="1" dirty="0" err="1"/>
-              <a:t>Biên</a:t>
-            </a:r>
-            <a:r>
-              <a:rPr lang="en-US" b="1" dirty="0"/>
-              <a:t> </a:t>
-            </a:r>
-            <a:r>
-              <a:rPr lang="en-US" b="1" dirty="0" err="1"/>
-              <a:t>nhận</a:t>
-            </a:r>
-            <a:r>
-              <a:rPr lang="en-US" b="1" dirty="0"/>
-              <a:t> ở </a:t>
-            </a:r>
-            <a:r>
-              <a:rPr lang="en-US" b="1" dirty="0" err="1"/>
-              <a:t>cuối</a:t>
-            </a:r>
-            <a:r>
-              <a:rPr lang="en-US" b="1" dirty="0"/>
-              <a:t> </a:t>
-            </a:r>
-            <a:r>
-              <a:rPr lang="en-US" b="1" dirty="0" err="1"/>
-              <a:t>cửa</a:t>
-            </a:r>
-            <a:r>
-              <a:rPr lang="en-US" b="1" dirty="0"/>
-              <a:t> </a:t>
-            </a:r>
-            <a:r>
-              <a:rPr lang="en-US" b="1" dirty="0" err="1"/>
-              <a:t>sổ</a:t>
-            </a:r>
-            <a:endParaRPr lang="en-US" b="1" dirty="0"/>
-          </a:p>
-        </p:txBody>
-      </p:sp>
-      <p:pic>
-        <p:nvPicPr>
-          <p:cNvPr id="7" name="Picture 6">
-            <a:extLst>
-              <a:ext uri="{FF2B5EF4-FFF2-40B4-BE49-F238E27FC236}">
-                <a16:creationId xmlns:a16="http://schemas.microsoft.com/office/drawing/2014/main" id="{BA920952-C790-4A66-A8D7-436C1775954D}"/>
-              </a:ext>
-            </a:extLst>
-          </p:cNvPr>
-          <p:cNvPicPr>
-            <a:picLocks noChangeAspect="1"/>
-          </p:cNvPicPr>
-          <p:nvPr/>
-        </p:nvPicPr>
-        <p:blipFill>
-          <a:blip r:embed="rId3"/>
-          <a:stretch>
-            <a:fillRect/>
-          </a:stretch>
-        </p:blipFill>
-        <p:spPr>
-          <a:xfrm>
-            <a:off x="2032000" y="3613665"/>
-            <a:ext cx="7353299" cy="3007307"/>
+            <a:off x="1799771" y="915872"/>
+            <a:ext cx="6676572" cy="5188757"/>
           </a:xfrm>
           <a:prstGeom prst="rect">
             <a:avLst/>
@@ -9047,7 +11443,7 @@
                             </p:stCondLst>
                             <p:childTnLst>
                               <p:par>
-                                <p:cTn id="5" presetID="10" presetClass="entr" presetSubtype="0" fill="hold" grpId="0" nodeType="clickEffect">
+                                <p:cTn id="5" presetID="2" presetClass="entr" presetSubtype="4" fill="hold" nodeType="clickEffect">
                                   <p:stCondLst>
                                     <p:cond delay="0"/>
                                   </p:stCondLst>
@@ -9060,7 +11456,7 @@
                                           </p:stCondLst>
                                         </p:cTn>
                                         <p:tgtEl>
-                                          <p:spTgt spid="2"/>
+                                          <p:spTgt spid="8"/>
                                         </p:tgtEl>
                                         <p:attrNameLst>
                                           <p:attrName>style.visibility</p:attrName>
@@ -9070,125 +11466,11 @@
                                         <p:strVal val="visible"/>
                                       </p:to>
                                     </p:set>
-                                    <p:animEffect transition="in" filter="fade">
-                                      <p:cBhvr>
-                                        <p:cTn id="7" dur="500"/>
+                                    <p:anim calcmode="lin" valueType="num">
+                                      <p:cBhvr additive="base">
+                                        <p:cTn id="7" dur="500" fill="hold"/>
                                         <p:tgtEl>
-                                          <p:spTgt spid="2"/>
-                                        </p:tgtEl>
-                                      </p:cBhvr>
-                                    </p:animEffect>
-                                  </p:childTnLst>
-                                </p:cTn>
-                              </p:par>
-                            </p:childTnLst>
-                          </p:cTn>
-                        </p:par>
-                      </p:childTnLst>
-                    </p:cTn>
-                  </p:par>
-                  <p:par>
-                    <p:cTn id="8" fill="hold">
-                      <p:stCondLst>
-                        <p:cond delay="indefinite"/>
-                      </p:stCondLst>
-                      <p:childTnLst>
-                        <p:par>
-                          <p:cTn id="9" fill="hold">
-                            <p:stCondLst>
-                              <p:cond delay="0"/>
-                            </p:stCondLst>
-                            <p:childTnLst>
-                              <p:par>
-                                <p:cTn id="10" presetID="6" presetClass="entr" presetSubtype="16" fill="hold" nodeType="clickEffect">
-                                  <p:stCondLst>
-                                    <p:cond delay="0"/>
-                                  </p:stCondLst>
-                                  <p:childTnLst>
-                                    <p:set>
-                                      <p:cBhvr>
-                                        <p:cTn id="11" dur="1" fill="hold">
-                                          <p:stCondLst>
-                                            <p:cond delay="0"/>
-                                          </p:stCondLst>
-                                        </p:cTn>
-                                        <p:tgtEl>
-                                          <p:spTgt spid="5"/>
-                                        </p:tgtEl>
-                                        <p:attrNameLst>
-                                          <p:attrName>style.visibility</p:attrName>
-                                        </p:attrNameLst>
-                                      </p:cBhvr>
-                                      <p:to>
-                                        <p:strVal val="visible"/>
-                                      </p:to>
-                                    </p:set>
-                                    <p:animEffect transition="in" filter="circle(in)">
-                                      <p:cBhvr>
-                                        <p:cTn id="12" dur="2000"/>
-                                        <p:tgtEl>
-                                          <p:spTgt spid="5"/>
-                                        </p:tgtEl>
-                                      </p:cBhvr>
-                                    </p:animEffect>
-                                  </p:childTnLst>
-                                </p:cTn>
-                              </p:par>
-                            </p:childTnLst>
-                          </p:cTn>
-                        </p:par>
-                      </p:childTnLst>
-                    </p:cTn>
-                  </p:par>
-                  <p:par>
-                    <p:cTn id="13" fill="hold">
-                      <p:stCondLst>
-                        <p:cond delay="indefinite"/>
-                      </p:stCondLst>
-                      <p:childTnLst>
-                        <p:par>
-                          <p:cTn id="14" fill="hold">
-                            <p:stCondLst>
-                              <p:cond delay="0"/>
-                            </p:stCondLst>
-                            <p:childTnLst>
-                              <p:par>
-                                <p:cTn id="15" presetID="42" presetClass="entr" presetSubtype="0" fill="hold" grpId="0" nodeType="clickEffect">
-                                  <p:stCondLst>
-                                    <p:cond delay="0"/>
-                                  </p:stCondLst>
-                                  <p:childTnLst>
-                                    <p:set>
-                                      <p:cBhvr>
-                                        <p:cTn id="16" dur="1" fill="hold">
-                                          <p:stCondLst>
-                                            <p:cond delay="0"/>
-                                          </p:stCondLst>
-                                        </p:cTn>
-                                        <p:tgtEl>
-                                          <p:spTgt spid="6"/>
-                                        </p:tgtEl>
-                                        <p:attrNameLst>
-                                          <p:attrName>style.visibility</p:attrName>
-                                        </p:attrNameLst>
-                                      </p:cBhvr>
-                                      <p:to>
-                                        <p:strVal val="visible"/>
-                                      </p:to>
-                                    </p:set>
-                                    <p:animEffect transition="in" filter="fade">
-                                      <p:cBhvr>
-                                        <p:cTn id="17" dur="1000"/>
-                                        <p:tgtEl>
-                                          <p:spTgt spid="6"/>
-                                        </p:tgtEl>
-                                      </p:cBhvr>
-                                    </p:animEffect>
-                                    <p:anim calcmode="lin" valueType="num">
-                                      <p:cBhvr>
-                                        <p:cTn id="18" dur="1000" fill="hold"/>
-                                        <p:tgtEl>
-                                          <p:spTgt spid="6"/>
+                                          <p:spTgt spid="8"/>
                                         </p:tgtEl>
                                         <p:attrNameLst>
                                           <p:attrName>ppt_x</p:attrName>
@@ -9208,10 +11490,10 @@
                                       </p:tavLst>
                                     </p:anim>
                                     <p:anim calcmode="lin" valueType="num">
-                                      <p:cBhvr>
-                                        <p:cTn id="19" dur="1000" fill="hold"/>
+                                      <p:cBhvr additive="base">
+                                        <p:cTn id="8" dur="500" fill="hold"/>
                                         <p:tgtEl>
-                                          <p:spTgt spid="6"/>
+                                          <p:spTgt spid="8"/>
                                         </p:tgtEl>
                                         <p:attrNameLst>
                                           <p:attrName>ppt_y</p:attrName>
@@ -9220,7 +11502,7 @@
                                       <p:tavLst>
                                         <p:tav tm="0">
                                           <p:val>
-                                            <p:strVal val="#ppt_y+.1"/>
+                                            <p:strVal val="1+#ppt_h/2"/>
                                           </p:val>
                                         </p:tav>
                                         <p:tav tm="100000">
@@ -9230,59 +11512,6 @@
                                         </p:tav>
                                       </p:tavLst>
                                     </p:anim>
-                                  </p:childTnLst>
-                                </p:cTn>
-                              </p:par>
-                            </p:childTnLst>
-                          </p:cTn>
-                        </p:par>
-                      </p:childTnLst>
-                    </p:cTn>
-                  </p:par>
-                  <p:par>
-                    <p:cTn id="20" fill="hold">
-                      <p:stCondLst>
-                        <p:cond delay="indefinite"/>
-                      </p:stCondLst>
-                      <p:childTnLst>
-                        <p:par>
-                          <p:cTn id="21" fill="hold">
-                            <p:stCondLst>
-                              <p:cond delay="0"/>
-                            </p:stCondLst>
-                            <p:childTnLst>
-                              <p:par>
-                                <p:cTn id="22" presetID="6" presetClass="entr" presetSubtype="16" fill="hold" nodeType="clickEffect">
-                                  <p:stCondLst>
-                                    <p:cond delay="0"/>
-                                  </p:stCondLst>
-                                  <p:childTnLst>
-                                    <p:set>
-                                      <p:cBhvr>
-                                        <p:cTn id="23" dur="1" fill="hold">
-                                          <p:stCondLst>
-                                            <p:cond delay="0"/>
-                                          </p:stCondLst>
-                                        </p:cTn>
-                                        <p:tgtEl>
-                                          <p:spTgt spid="7"/>
-                                        </p:tgtEl>
-                                        <p:attrNameLst>
-                                          <p:attrName>style.visibility</p:attrName>
-                                        </p:attrNameLst>
-                                      </p:cBhvr>
-                                      <p:to>
-                                        <p:strVal val="visible"/>
-                                      </p:to>
-                                    </p:set>
-                                    <p:animEffect transition="in" filter="circle(in)">
-                                      <p:cBhvr>
-                                        <p:cTn id="24" dur="2000"/>
-                                        <p:tgtEl>
-                                          <p:spTgt spid="7"/>
-                                        </p:tgtEl>
-                                      </p:cBhvr>
-                                    </p:animEffect>
                                   </p:childTnLst>
                                 </p:cTn>
                               </p:par>
@@ -9313,15 +11542,11 @@
         </p:cTn>
       </p:par>
     </p:tnLst>
-    <p:bldLst>
-      <p:bldP spid="2" grpId="0"/>
-      <p:bldP spid="6" grpId="0"/>
-    </p:bldLst>
   </p:timing>
 </p:sld>
 </file>
 
-<file path=ppt/slides/slide5.xml><?xml version="1.0" encoding="utf-8"?>
+<file path=ppt/slides/slide6.xml><?xml version="1.0" encoding="utf-8"?>
 <p:sld xmlns:a="http://schemas.openxmlformats.org/drawingml/2006/main" xmlns:r="http://schemas.openxmlformats.org/officeDocument/2006/relationships" xmlns:p="http://schemas.openxmlformats.org/presentationml/2006/main">
   <p:cSld>
     <p:spTree>
@@ -9773,7 +11998,7 @@
 </p:sld>
 </file>
 
-<file path=ppt/slides/slide6.xml><?xml version="1.0" encoding="utf-8"?>
+<file path=ppt/slides/slide7.xml><?xml version="1.0" encoding="utf-8"?>
 <p:sld xmlns:a="http://schemas.openxmlformats.org/drawingml/2006/main" xmlns:r="http://schemas.openxmlformats.org/officeDocument/2006/relationships" xmlns:p="http://schemas.openxmlformats.org/presentationml/2006/main">
   <p:cSld>
     <p:spTree>
